--- a/Energy ppt.pptx
+++ b/Energy ppt.pptx
@@ -2,16 +2,22 @@
 <file path=ppt/presentation.xml><?xml version="1.0" encoding="utf-8"?>
 <p:presentation xmlns:a="http://schemas.openxmlformats.org/drawingml/2006/main" xmlns:r="http://schemas.openxmlformats.org/officeDocument/2006/relationships" xmlns:p="http://schemas.openxmlformats.org/presentationml/2006/main" saveSubsetFonts="1">
   <p:sldMasterIdLst>
-    <p:sldMasterId id="2147483672" r:id="rId1"/>
+    <p:sldMasterId id="2147483672" r:id="rId4"/>
   </p:sldMasterIdLst>
   <p:sldIdLst>
-    <p:sldId id="256" r:id="rId2"/>
-    <p:sldId id="259" r:id="rId3"/>
-    <p:sldId id="260" r:id="rId4"/>
-    <p:sldId id="261" r:id="rId5"/>
-    <p:sldId id="262" r:id="rId6"/>
-    <p:sldId id="263" r:id="rId7"/>
-    <p:sldId id="264" r:id="rId8"/>
+    <p:sldId id="256" r:id="rId5"/>
+    <p:sldId id="265" r:id="rId6"/>
+    <p:sldId id="259" r:id="rId7"/>
+    <p:sldId id="266" r:id="rId8"/>
+    <p:sldId id="260" r:id="rId9"/>
+    <p:sldId id="267" r:id="rId10"/>
+    <p:sldId id="261" r:id="rId11"/>
+    <p:sldId id="262" r:id="rId12"/>
+    <p:sldId id="269" r:id="rId13"/>
+    <p:sldId id="264" r:id="rId14"/>
+    <p:sldId id="270" r:id="rId15"/>
+    <p:sldId id="257" r:id="rId16"/>
+    <p:sldId id="268" r:id="rId17"/>
   </p:sldIdLst>
   <p:sldSz cx="9144000" cy="6858000" type="screen4x3"/>
   <p:notesSz cx="6858000" cy="9144000"/>
@@ -118,6 +124,2300 @@
 </p:presentation>
 </file>
 
+<file path=ppt/revisionInfo.xml><?xml version="1.0" encoding="utf-8"?>
+<p1510:revInfo xmlns:a="http://schemas.openxmlformats.org/drawingml/2006/main" xmlns:r="http://schemas.openxmlformats.org/officeDocument/2006/relationships" xmlns:p1510="http://schemas.microsoft.com/office/powerpoint/2015/10/main">
+  <p1510:revLst>
+    <p1510:client id="{AC3A3A38-3156-47D7-B06C-CCC7EBD6A692}" v="21" dt="2020-10-31T15:50:08.640"/>
+  </p1510:revLst>
+</p1510:revInfo>
+</file>
+
+<file path=ppt/charts/chart1.xml><?xml version="1.0" encoding="utf-8"?>
+<c:chartSpace xmlns:c="http://schemas.openxmlformats.org/drawingml/2006/chart" xmlns:a="http://schemas.openxmlformats.org/drawingml/2006/main" xmlns:r="http://schemas.openxmlformats.org/officeDocument/2006/relationships" xmlns:c16r2="http://schemas.microsoft.com/office/drawing/2015/06/chart">
+  <c:date1904 val="0"/>
+  <c:lang val="en-US"/>
+  <c:roundedCorners val="0"/>
+  <mc:AlternateContent xmlns:mc="http://schemas.openxmlformats.org/markup-compatibility/2006">
+    <mc:Choice xmlns:c14="http://schemas.microsoft.com/office/drawing/2007/8/2/chart" Requires="c14">
+      <c14:style val="102"/>
+    </mc:Choice>
+    <mc:Fallback>
+      <c:style val="2"/>
+    </mc:Fallback>
+  </mc:AlternateContent>
+  <c:chart>
+    <c:autoTitleDeleted val="1"/>
+    <c:plotArea>
+      <c:layout>
+        <c:manualLayout>
+          <c:layoutTarget val="inner"/>
+          <c:xMode val="edge"/>
+          <c:yMode val="edge"/>
+          <c:x val="2.916941437007874E-2"/>
+          <c:y val="1.8832122365149959E-2"/>
+          <c:w val="0.94583058562992128"/>
+          <c:h val="0.76748654235442038"/>
+        </c:manualLayout>
+      </c:layout>
+      <c:barChart>
+        <c:barDir val="col"/>
+        <c:grouping val="clustered"/>
+        <c:varyColors val="0"/>
+        <c:ser>
+          <c:idx val="0"/>
+          <c:order val="0"/>
+          <c:tx>
+            <c:strRef>
+              <c:f>Sheet1!$B$1</c:f>
+              <c:strCache>
+                <c:ptCount val="1"/>
+                <c:pt idx="0">
+                  <c:v>New Construction</c:v>
+                </c:pt>
+              </c:strCache>
+            </c:strRef>
+          </c:tx>
+          <c:spPr>
+            <a:gradFill rotWithShape="1">
+              <a:gsLst>
+                <a:gs pos="0">
+                  <a:schemeClr val="accent1">
+                    <a:lumMod val="110000"/>
+                    <a:satMod val="105000"/>
+                    <a:tint val="67000"/>
+                  </a:schemeClr>
+                </a:gs>
+                <a:gs pos="50000">
+                  <a:schemeClr val="accent1">
+                    <a:lumMod val="105000"/>
+                    <a:satMod val="103000"/>
+                    <a:tint val="73000"/>
+                  </a:schemeClr>
+                </a:gs>
+                <a:gs pos="100000">
+                  <a:schemeClr val="accent1">
+                    <a:lumMod val="105000"/>
+                    <a:satMod val="109000"/>
+                    <a:tint val="81000"/>
+                  </a:schemeClr>
+                </a:gs>
+              </a:gsLst>
+              <a:lin ang="5400000" scaled="0"/>
+            </a:gradFill>
+            <a:ln w="9525" cap="flat" cmpd="sng" algn="ctr">
+              <a:solidFill>
+                <a:schemeClr val="accent1">
+                  <a:shade val="95000"/>
+                </a:schemeClr>
+              </a:solidFill>
+              <a:round/>
+            </a:ln>
+            <a:effectLst/>
+          </c:spPr>
+          <c:invertIfNegative val="0"/>
+          <c:trendline>
+            <c:spPr>
+              <a:ln w="9525" cap="rnd">
+                <a:solidFill>
+                  <a:schemeClr val="accent1"/>
+                </a:solidFill>
+              </a:ln>
+              <a:effectLst/>
+            </c:spPr>
+            <c:trendlineType val="exp"/>
+            <c:dispRSqr val="0"/>
+            <c:dispEq val="0"/>
+          </c:trendline>
+          <c:trendline>
+            <c:spPr>
+              <a:ln w="9525" cap="rnd">
+                <a:solidFill>
+                  <a:schemeClr val="accent1"/>
+                </a:solidFill>
+              </a:ln>
+              <a:effectLst/>
+            </c:spPr>
+            <c:trendlineType val="linear"/>
+            <c:forward val="2"/>
+            <c:dispRSqr val="0"/>
+            <c:dispEq val="0"/>
+          </c:trendline>
+          <c:cat>
+            <c:numRef>
+              <c:f>Sheet1!$A$2:$A$4</c:f>
+              <c:numCache>
+                <c:formatCode>General</c:formatCode>
+                <c:ptCount val="3"/>
+                <c:pt idx="0">
+                  <c:v>2010</c:v>
+                </c:pt>
+                <c:pt idx="1">
+                  <c:v>2015</c:v>
+                </c:pt>
+                <c:pt idx="2">
+                  <c:v>2019</c:v>
+                </c:pt>
+              </c:numCache>
+            </c:numRef>
+          </c:cat>
+          <c:val>
+            <c:numRef>
+              <c:f>Sheet1!$B$2:$B$4</c:f>
+              <c:numCache>
+                <c:formatCode>General</c:formatCode>
+                <c:ptCount val="3"/>
+                <c:pt idx="0">
+                  <c:v>33</c:v>
+                </c:pt>
+                <c:pt idx="1">
+                  <c:v>45</c:v>
+                </c:pt>
+                <c:pt idx="2">
+                  <c:v>43</c:v>
+                </c:pt>
+              </c:numCache>
+            </c:numRef>
+          </c:val>
+          <c:extLst>
+            <c:ext xmlns:c16="http://schemas.microsoft.com/office/drawing/2014/chart" uri="{C3380CC4-5D6E-409C-BE32-E72D297353CC}">
+              <c16:uniqueId val="{00000002-F30A-48E6-9DCC-6C5D68A4495D}"/>
+            </c:ext>
+          </c:extLst>
+        </c:ser>
+        <c:ser>
+          <c:idx val="1"/>
+          <c:order val="1"/>
+          <c:tx>
+            <c:strRef>
+              <c:f>Sheet1!$C$1</c:f>
+              <c:strCache>
+                <c:ptCount val="1"/>
+                <c:pt idx="0">
+                  <c:v>LEED focused Renovations</c:v>
+                </c:pt>
+              </c:strCache>
+            </c:strRef>
+          </c:tx>
+          <c:spPr>
+            <a:gradFill rotWithShape="1">
+              <a:gsLst>
+                <a:gs pos="0">
+                  <a:schemeClr val="accent2">
+                    <a:lumMod val="110000"/>
+                    <a:satMod val="105000"/>
+                    <a:tint val="67000"/>
+                  </a:schemeClr>
+                </a:gs>
+                <a:gs pos="50000">
+                  <a:schemeClr val="accent2">
+                    <a:lumMod val="105000"/>
+                    <a:satMod val="103000"/>
+                    <a:tint val="73000"/>
+                  </a:schemeClr>
+                </a:gs>
+                <a:gs pos="100000">
+                  <a:schemeClr val="accent2">
+                    <a:lumMod val="105000"/>
+                    <a:satMod val="109000"/>
+                    <a:tint val="81000"/>
+                  </a:schemeClr>
+                </a:gs>
+              </a:gsLst>
+              <a:lin ang="5400000" scaled="0"/>
+            </a:gradFill>
+            <a:ln w="9525" cap="flat" cmpd="sng" algn="ctr">
+              <a:solidFill>
+                <a:schemeClr val="accent2">
+                  <a:shade val="95000"/>
+                </a:schemeClr>
+              </a:solidFill>
+              <a:round/>
+            </a:ln>
+            <a:effectLst/>
+          </c:spPr>
+          <c:invertIfNegative val="0"/>
+          <c:trendline>
+            <c:spPr>
+              <a:ln w="9525" cap="rnd">
+                <a:solidFill>
+                  <a:schemeClr val="accent2"/>
+                </a:solidFill>
+              </a:ln>
+              <a:effectLst/>
+            </c:spPr>
+            <c:trendlineType val="linear"/>
+            <c:forward val="2"/>
+            <c:dispRSqr val="0"/>
+            <c:dispEq val="0"/>
+          </c:trendline>
+          <c:trendline>
+            <c:spPr>
+              <a:ln w="9525" cap="rnd">
+                <a:solidFill>
+                  <a:schemeClr val="accent2"/>
+                </a:solidFill>
+              </a:ln>
+              <a:effectLst/>
+            </c:spPr>
+            <c:trendlineType val="linear"/>
+            <c:forward val="2"/>
+            <c:dispRSqr val="0"/>
+            <c:dispEq val="0"/>
+          </c:trendline>
+          <c:cat>
+            <c:numRef>
+              <c:f>Sheet1!$A$2:$A$4</c:f>
+              <c:numCache>
+                <c:formatCode>General</c:formatCode>
+                <c:ptCount val="3"/>
+                <c:pt idx="0">
+                  <c:v>2010</c:v>
+                </c:pt>
+                <c:pt idx="1">
+                  <c:v>2015</c:v>
+                </c:pt>
+                <c:pt idx="2">
+                  <c:v>2019</c:v>
+                </c:pt>
+              </c:numCache>
+            </c:numRef>
+          </c:cat>
+          <c:val>
+            <c:numRef>
+              <c:f>Sheet1!$C$2:$C$4</c:f>
+              <c:numCache>
+                <c:formatCode>General</c:formatCode>
+                <c:ptCount val="3"/>
+                <c:pt idx="0">
+                  <c:v>289</c:v>
+                </c:pt>
+                <c:pt idx="1">
+                  <c:v>379</c:v>
+                </c:pt>
+                <c:pt idx="2">
+                  <c:v>404</c:v>
+                </c:pt>
+              </c:numCache>
+            </c:numRef>
+          </c:val>
+          <c:extLst>
+            <c:ext xmlns:c16="http://schemas.microsoft.com/office/drawing/2014/chart" uri="{C3380CC4-5D6E-409C-BE32-E72D297353CC}">
+              <c16:uniqueId val="{00000005-F30A-48E6-9DCC-6C5D68A4495D}"/>
+            </c:ext>
+          </c:extLst>
+        </c:ser>
+        <c:ser>
+          <c:idx val="2"/>
+          <c:order val="2"/>
+          <c:tx>
+            <c:strRef>
+              <c:f>Sheet1!$D$1</c:f>
+              <c:strCache>
+                <c:ptCount val="1"/>
+                <c:pt idx="0">
+                  <c:v>Total Building Permits</c:v>
+                </c:pt>
+              </c:strCache>
+            </c:strRef>
+          </c:tx>
+          <c:spPr>
+            <a:gradFill rotWithShape="1">
+              <a:gsLst>
+                <a:gs pos="0">
+                  <a:schemeClr val="accent3">
+                    <a:lumMod val="110000"/>
+                    <a:satMod val="105000"/>
+                    <a:tint val="67000"/>
+                  </a:schemeClr>
+                </a:gs>
+                <a:gs pos="50000">
+                  <a:schemeClr val="accent3">
+                    <a:lumMod val="105000"/>
+                    <a:satMod val="103000"/>
+                    <a:tint val="73000"/>
+                  </a:schemeClr>
+                </a:gs>
+                <a:gs pos="100000">
+                  <a:schemeClr val="accent3">
+                    <a:lumMod val="105000"/>
+                    <a:satMod val="109000"/>
+                    <a:tint val="81000"/>
+                  </a:schemeClr>
+                </a:gs>
+              </a:gsLst>
+              <a:lin ang="5400000" scaled="0"/>
+            </a:gradFill>
+            <a:ln w="9525" cap="flat" cmpd="sng" algn="ctr">
+              <a:solidFill>
+                <a:schemeClr val="accent3">
+                  <a:shade val="95000"/>
+                </a:schemeClr>
+              </a:solidFill>
+              <a:round/>
+            </a:ln>
+            <a:effectLst/>
+          </c:spPr>
+          <c:invertIfNegative val="0"/>
+          <c:cat>
+            <c:numRef>
+              <c:f>Sheet1!$A$2:$A$4</c:f>
+              <c:numCache>
+                <c:formatCode>General</c:formatCode>
+                <c:ptCount val="3"/>
+                <c:pt idx="0">
+                  <c:v>2010</c:v>
+                </c:pt>
+                <c:pt idx="1">
+                  <c:v>2015</c:v>
+                </c:pt>
+                <c:pt idx="2">
+                  <c:v>2019</c:v>
+                </c:pt>
+              </c:numCache>
+            </c:numRef>
+          </c:cat>
+          <c:val>
+            <c:numRef>
+              <c:f>Sheet1!$D$2:$D$4</c:f>
+              <c:numCache>
+                <c:formatCode>General</c:formatCode>
+                <c:ptCount val="3"/>
+                <c:pt idx="0">
+                  <c:v>584</c:v>
+                </c:pt>
+                <c:pt idx="1">
+                  <c:v>744</c:v>
+                </c:pt>
+                <c:pt idx="2">
+                  <c:v>678</c:v>
+                </c:pt>
+              </c:numCache>
+            </c:numRef>
+          </c:val>
+          <c:extLst>
+            <c:ext xmlns:c16="http://schemas.microsoft.com/office/drawing/2014/chart" uri="{C3380CC4-5D6E-409C-BE32-E72D297353CC}">
+              <c16:uniqueId val="{00000006-F30A-48E6-9DCC-6C5D68A4495D}"/>
+            </c:ext>
+          </c:extLst>
+        </c:ser>
+        <c:dLbls>
+          <c:showLegendKey val="0"/>
+          <c:showVal val="0"/>
+          <c:showCatName val="0"/>
+          <c:showSerName val="0"/>
+          <c:showPercent val="0"/>
+          <c:showBubbleSize val="0"/>
+        </c:dLbls>
+        <c:gapWidth val="100"/>
+        <c:overlap val="-24"/>
+        <c:axId val="1852356784"/>
+        <c:axId val="1852358416"/>
+      </c:barChart>
+      <c:catAx>
+        <c:axId val="1852356784"/>
+        <c:scaling>
+          <c:orientation val="minMax"/>
+        </c:scaling>
+        <c:delete val="0"/>
+        <c:axPos val="b"/>
+        <c:numFmt formatCode="General" sourceLinked="1"/>
+        <c:majorTickMark val="none"/>
+        <c:minorTickMark val="none"/>
+        <c:tickLblPos val="nextTo"/>
+        <c:spPr>
+          <a:noFill/>
+          <a:ln w="9525" cap="flat" cmpd="sng" algn="ctr">
+            <a:solidFill>
+              <a:schemeClr val="tx1">
+                <a:lumMod val="15000"/>
+                <a:lumOff val="85000"/>
+              </a:schemeClr>
+            </a:solidFill>
+            <a:round/>
+          </a:ln>
+          <a:effectLst/>
+        </c:spPr>
+        <c:txPr>
+          <a:bodyPr rot="-60000000" spcFirstLastPara="1" vertOverflow="ellipsis" vert="horz" wrap="square" anchor="ctr" anchorCtr="1"/>
+          <a:lstStyle/>
+          <a:p>
+            <a:pPr>
+              <a:defRPr sz="1197" b="0" i="0" u="none" strike="noStrike" kern="1200" baseline="0">
+                <a:solidFill>
+                  <a:schemeClr val="tx1">
+                    <a:lumMod val="50000"/>
+                    <a:lumOff val="50000"/>
+                  </a:schemeClr>
+                </a:solidFill>
+                <a:latin typeface="+mn-lt"/>
+                <a:ea typeface="+mn-ea"/>
+                <a:cs typeface="+mn-cs"/>
+              </a:defRPr>
+            </a:pPr>
+            <a:endParaRPr lang="en-US"/>
+          </a:p>
+        </c:txPr>
+        <c:crossAx val="1852358416"/>
+        <c:crosses val="autoZero"/>
+        <c:auto val="1"/>
+        <c:lblAlgn val="ctr"/>
+        <c:lblOffset val="100"/>
+        <c:noMultiLvlLbl val="0"/>
+      </c:catAx>
+      <c:valAx>
+        <c:axId val="1852358416"/>
+        <c:scaling>
+          <c:orientation val="minMax"/>
+        </c:scaling>
+        <c:delete val="0"/>
+        <c:axPos val="l"/>
+        <c:majorGridlines>
+          <c:spPr>
+            <a:ln w="9525" cap="flat" cmpd="sng" algn="ctr">
+              <a:solidFill>
+                <a:schemeClr val="tx1">
+                  <a:lumMod val="15000"/>
+                  <a:lumOff val="85000"/>
+                </a:schemeClr>
+              </a:solidFill>
+              <a:round/>
+            </a:ln>
+            <a:effectLst/>
+          </c:spPr>
+        </c:majorGridlines>
+        <c:numFmt formatCode="General" sourceLinked="1"/>
+        <c:majorTickMark val="none"/>
+        <c:minorTickMark val="none"/>
+        <c:tickLblPos val="nextTo"/>
+        <c:spPr>
+          <a:noFill/>
+          <a:ln>
+            <a:noFill/>
+          </a:ln>
+          <a:effectLst/>
+        </c:spPr>
+        <c:txPr>
+          <a:bodyPr rot="-60000000" spcFirstLastPara="1" vertOverflow="ellipsis" vert="horz" wrap="square" anchor="ctr" anchorCtr="1"/>
+          <a:lstStyle/>
+          <a:p>
+            <a:pPr>
+              <a:defRPr sz="1197" b="0" i="0" u="none" strike="noStrike" kern="1200" baseline="0">
+                <a:solidFill>
+                  <a:schemeClr val="tx1">
+                    <a:lumMod val="50000"/>
+                    <a:lumOff val="50000"/>
+                  </a:schemeClr>
+                </a:solidFill>
+                <a:latin typeface="+mn-lt"/>
+                <a:ea typeface="+mn-ea"/>
+                <a:cs typeface="+mn-cs"/>
+              </a:defRPr>
+            </a:pPr>
+            <a:endParaRPr lang="en-US"/>
+          </a:p>
+        </c:txPr>
+        <c:crossAx val="1852356784"/>
+        <c:crosses val="autoZero"/>
+        <c:crossBetween val="between"/>
+      </c:valAx>
+      <c:spPr>
+        <a:noFill/>
+        <a:ln>
+          <a:noFill/>
+        </a:ln>
+        <a:effectLst/>
+      </c:spPr>
+    </c:plotArea>
+    <c:legend>
+      <c:legendPos val="b"/>
+      <c:legendEntry>
+        <c:idx val="3"/>
+        <c:delete val="1"/>
+      </c:legendEntry>
+      <c:legendEntry>
+        <c:idx val="5"/>
+        <c:delete val="1"/>
+      </c:legendEntry>
+      <c:layout>
+        <c:manualLayout>
+          <c:xMode val="edge"/>
+          <c:yMode val="edge"/>
+          <c:x val="7.9062581127695541E-2"/>
+          <c:y val="0.83674894687782841"/>
+          <c:w val="0.92093741887230451"/>
+          <c:h val="0.16325105312217161"/>
+        </c:manualLayout>
+      </c:layout>
+      <c:overlay val="0"/>
+      <c:spPr>
+        <a:noFill/>
+        <a:ln>
+          <a:noFill/>
+        </a:ln>
+        <a:effectLst/>
+      </c:spPr>
+      <c:txPr>
+        <a:bodyPr rot="0" spcFirstLastPara="1" vertOverflow="ellipsis" vert="horz" wrap="square" anchor="ctr" anchorCtr="1"/>
+        <a:lstStyle/>
+        <a:p>
+          <a:pPr>
+            <a:defRPr sz="1197" b="0" i="0" u="none" strike="noStrike" kern="1200" baseline="0">
+              <a:solidFill>
+                <a:schemeClr val="tx1">
+                  <a:lumMod val="50000"/>
+                  <a:lumOff val="50000"/>
+                </a:schemeClr>
+              </a:solidFill>
+              <a:latin typeface="+mn-lt"/>
+              <a:ea typeface="+mn-ea"/>
+              <a:cs typeface="+mn-cs"/>
+            </a:defRPr>
+          </a:pPr>
+          <a:endParaRPr lang="en-US"/>
+        </a:p>
+      </c:txPr>
+    </c:legend>
+    <c:plotVisOnly val="1"/>
+    <c:dispBlanksAs val="gap"/>
+    <c:extLst>
+      <c:ext xmlns:c16r3="http://schemas.microsoft.com/office/drawing/2017/03/chart" uri="{56B9EC1D-385E-4148-901F-78D8002777C0}">
+        <c16r3:dataDisplayOptions16>
+          <c16r3:dispNaAsBlank val="1"/>
+        </c16r3:dataDisplayOptions16>
+      </c:ext>
+    </c:extLst>
+    <c:showDLblsOverMax val="0"/>
+  </c:chart>
+  <c:spPr>
+    <a:noFill/>
+    <a:ln>
+      <a:noFill/>
+    </a:ln>
+    <a:effectLst/>
+  </c:spPr>
+  <c:txPr>
+    <a:bodyPr/>
+    <a:lstStyle/>
+    <a:p>
+      <a:pPr>
+        <a:defRPr/>
+      </a:pPr>
+      <a:endParaRPr lang="en-US"/>
+    </a:p>
+  </c:txPr>
+  <c:externalData r:id="rId3">
+    <c:autoUpdate val="0"/>
+  </c:externalData>
+</c:chartSpace>
+</file>
+
+<file path=ppt/charts/chart2.xml><?xml version="1.0" encoding="utf-8"?>
+<c:chartSpace xmlns:c="http://schemas.openxmlformats.org/drawingml/2006/chart" xmlns:a="http://schemas.openxmlformats.org/drawingml/2006/main" xmlns:r="http://schemas.openxmlformats.org/officeDocument/2006/relationships" xmlns:c16r2="http://schemas.microsoft.com/office/drawing/2015/06/chart">
+  <c:date1904 val="0"/>
+  <c:lang val="en-US"/>
+  <c:roundedCorners val="0"/>
+  <mc:AlternateContent xmlns:mc="http://schemas.openxmlformats.org/markup-compatibility/2006">
+    <mc:Choice xmlns:c14="http://schemas.microsoft.com/office/drawing/2007/8/2/chart" Requires="c14">
+      <c14:style val="102"/>
+    </mc:Choice>
+    <mc:Fallback>
+      <c:style val="2"/>
+    </mc:Fallback>
+  </mc:AlternateContent>
+  <c:chart>
+    <c:title>
+      <c:tx>
+        <c:rich>
+          <a:bodyPr rot="0" spcFirstLastPara="1" vertOverflow="ellipsis" vert="horz" wrap="square" anchor="ctr" anchorCtr="1"/>
+          <a:lstStyle/>
+          <a:p>
+            <a:pPr>
+              <a:defRPr sz="1862" b="0" i="0" u="none" strike="noStrike" kern="1200" cap="none" spc="20" baseline="0">
+                <a:solidFill>
+                  <a:schemeClr val="tx1">
+                    <a:lumMod val="50000"/>
+                    <a:lumOff val="50000"/>
+                  </a:schemeClr>
+                </a:solidFill>
+                <a:latin typeface="+mn-lt"/>
+                <a:ea typeface="+mn-ea"/>
+                <a:cs typeface="+mn-cs"/>
+              </a:defRPr>
+            </a:pPr>
+            <a:r>
+              <a:rPr lang="en-US" dirty="0"/>
+              <a:t>Chicago (Outside of Loop) Construction </a:t>
+            </a:r>
+          </a:p>
+        </c:rich>
+      </c:tx>
+      <c:overlay val="0"/>
+      <c:spPr>
+        <a:noFill/>
+        <a:ln>
+          <a:noFill/>
+        </a:ln>
+        <a:effectLst/>
+      </c:spPr>
+      <c:txPr>
+        <a:bodyPr rot="0" spcFirstLastPara="1" vertOverflow="ellipsis" vert="horz" wrap="square" anchor="ctr" anchorCtr="1"/>
+        <a:lstStyle/>
+        <a:p>
+          <a:pPr>
+            <a:defRPr sz="1862" b="0" i="0" u="none" strike="noStrike" kern="1200" cap="none" spc="20" baseline="0">
+              <a:solidFill>
+                <a:schemeClr val="tx1">
+                  <a:lumMod val="50000"/>
+                  <a:lumOff val="50000"/>
+                </a:schemeClr>
+              </a:solidFill>
+              <a:latin typeface="+mn-lt"/>
+              <a:ea typeface="+mn-ea"/>
+              <a:cs typeface="+mn-cs"/>
+            </a:defRPr>
+          </a:pPr>
+          <a:endParaRPr lang="en-US"/>
+        </a:p>
+      </c:txPr>
+    </c:title>
+    <c:autoTitleDeleted val="0"/>
+    <c:plotArea>
+      <c:layout/>
+      <c:barChart>
+        <c:barDir val="col"/>
+        <c:grouping val="clustered"/>
+        <c:varyColors val="0"/>
+        <c:ser>
+          <c:idx val="0"/>
+          <c:order val="0"/>
+          <c:tx>
+            <c:strRef>
+              <c:f>Sheet1!$B$1</c:f>
+              <c:strCache>
+                <c:ptCount val="1"/>
+                <c:pt idx="0">
+                  <c:v>New Construciton</c:v>
+                </c:pt>
+              </c:strCache>
+            </c:strRef>
+          </c:tx>
+          <c:spPr>
+            <a:gradFill rotWithShape="1">
+              <a:gsLst>
+                <a:gs pos="0">
+                  <a:schemeClr val="accent1">
+                    <a:lumMod val="110000"/>
+                    <a:satMod val="105000"/>
+                    <a:tint val="67000"/>
+                  </a:schemeClr>
+                </a:gs>
+                <a:gs pos="50000">
+                  <a:schemeClr val="accent1">
+                    <a:lumMod val="105000"/>
+                    <a:satMod val="103000"/>
+                    <a:tint val="73000"/>
+                  </a:schemeClr>
+                </a:gs>
+                <a:gs pos="100000">
+                  <a:schemeClr val="accent1">
+                    <a:lumMod val="105000"/>
+                    <a:satMod val="109000"/>
+                    <a:tint val="81000"/>
+                  </a:schemeClr>
+                </a:gs>
+              </a:gsLst>
+              <a:lin ang="5400000" scaled="0"/>
+            </a:gradFill>
+            <a:ln w="9525" cap="flat" cmpd="sng" algn="ctr">
+              <a:solidFill>
+                <a:schemeClr val="accent1">
+                  <a:shade val="95000"/>
+                </a:schemeClr>
+              </a:solidFill>
+              <a:round/>
+            </a:ln>
+            <a:effectLst/>
+          </c:spPr>
+          <c:invertIfNegative val="0"/>
+          <c:trendline>
+            <c:spPr>
+              <a:ln w="9525" cap="rnd">
+                <a:solidFill>
+                  <a:schemeClr val="accent1"/>
+                </a:solidFill>
+              </a:ln>
+              <a:effectLst/>
+            </c:spPr>
+            <c:trendlineType val="linear"/>
+            <c:dispRSqr val="0"/>
+            <c:dispEq val="0"/>
+          </c:trendline>
+          <c:cat>
+            <c:numRef>
+              <c:f>Sheet1!$A$2:$A$4</c:f>
+              <c:numCache>
+                <c:formatCode>General</c:formatCode>
+                <c:ptCount val="3"/>
+                <c:pt idx="0">
+                  <c:v>2010</c:v>
+                </c:pt>
+                <c:pt idx="1">
+                  <c:v>2015</c:v>
+                </c:pt>
+                <c:pt idx="2">
+                  <c:v>2019</c:v>
+                </c:pt>
+              </c:numCache>
+            </c:numRef>
+          </c:cat>
+          <c:val>
+            <c:numRef>
+              <c:f>Sheet1!$B$2:$B$4</c:f>
+              <c:numCache>
+                <c:formatCode>General</c:formatCode>
+                <c:ptCount val="3"/>
+                <c:pt idx="0">
+                  <c:v>240</c:v>
+                </c:pt>
+                <c:pt idx="1">
+                  <c:v>604</c:v>
+                </c:pt>
+                <c:pt idx="2">
+                  <c:v>581</c:v>
+                </c:pt>
+              </c:numCache>
+            </c:numRef>
+          </c:val>
+          <c:extLst>
+            <c:ext xmlns:c16="http://schemas.microsoft.com/office/drawing/2014/chart" uri="{C3380CC4-5D6E-409C-BE32-E72D297353CC}">
+              <c16:uniqueId val="{00000000-F80B-2547-8249-50CB6280103B}"/>
+            </c:ext>
+          </c:extLst>
+        </c:ser>
+        <c:ser>
+          <c:idx val="1"/>
+          <c:order val="1"/>
+          <c:tx>
+            <c:strRef>
+              <c:f>Sheet1!$C$1</c:f>
+              <c:strCache>
+                <c:ptCount val="1"/>
+                <c:pt idx="0">
+                  <c:v>LEED Focused Renovations</c:v>
+                </c:pt>
+              </c:strCache>
+            </c:strRef>
+          </c:tx>
+          <c:spPr>
+            <a:gradFill rotWithShape="1">
+              <a:gsLst>
+                <a:gs pos="0">
+                  <a:schemeClr val="accent2">
+                    <a:lumMod val="110000"/>
+                    <a:satMod val="105000"/>
+                    <a:tint val="67000"/>
+                  </a:schemeClr>
+                </a:gs>
+                <a:gs pos="50000">
+                  <a:schemeClr val="accent2">
+                    <a:lumMod val="105000"/>
+                    <a:satMod val="103000"/>
+                    <a:tint val="73000"/>
+                  </a:schemeClr>
+                </a:gs>
+                <a:gs pos="100000">
+                  <a:schemeClr val="accent2">
+                    <a:lumMod val="105000"/>
+                    <a:satMod val="109000"/>
+                    <a:tint val="81000"/>
+                  </a:schemeClr>
+                </a:gs>
+              </a:gsLst>
+              <a:lin ang="5400000" scaled="0"/>
+            </a:gradFill>
+            <a:ln w="9525" cap="flat" cmpd="sng" algn="ctr">
+              <a:solidFill>
+                <a:schemeClr val="accent2">
+                  <a:shade val="95000"/>
+                </a:schemeClr>
+              </a:solidFill>
+              <a:round/>
+            </a:ln>
+            <a:effectLst/>
+          </c:spPr>
+          <c:invertIfNegative val="0"/>
+          <c:trendline>
+            <c:spPr>
+              <a:ln w="9525" cap="rnd">
+                <a:solidFill>
+                  <a:schemeClr val="accent2"/>
+                </a:solidFill>
+              </a:ln>
+              <a:effectLst/>
+            </c:spPr>
+            <c:trendlineType val="exp"/>
+            <c:dispRSqr val="0"/>
+            <c:dispEq val="0"/>
+          </c:trendline>
+          <c:cat>
+            <c:numRef>
+              <c:f>Sheet1!$A$2:$A$4</c:f>
+              <c:numCache>
+                <c:formatCode>General</c:formatCode>
+                <c:ptCount val="3"/>
+                <c:pt idx="0">
+                  <c:v>2010</c:v>
+                </c:pt>
+                <c:pt idx="1">
+                  <c:v>2015</c:v>
+                </c:pt>
+                <c:pt idx="2">
+                  <c:v>2019</c:v>
+                </c:pt>
+              </c:numCache>
+            </c:numRef>
+          </c:cat>
+          <c:val>
+            <c:numRef>
+              <c:f>Sheet1!$C$2:$C$4</c:f>
+              <c:numCache>
+                <c:formatCode>General</c:formatCode>
+                <c:ptCount val="3"/>
+                <c:pt idx="0">
+                  <c:v>3855</c:v>
+                </c:pt>
+                <c:pt idx="1">
+                  <c:v>4916</c:v>
+                </c:pt>
+                <c:pt idx="2">
+                  <c:v>4809</c:v>
+                </c:pt>
+              </c:numCache>
+            </c:numRef>
+          </c:val>
+          <c:extLst>
+            <c:ext xmlns:c16="http://schemas.microsoft.com/office/drawing/2014/chart" uri="{C3380CC4-5D6E-409C-BE32-E72D297353CC}">
+              <c16:uniqueId val="{00000001-F80B-2547-8249-50CB6280103B}"/>
+            </c:ext>
+          </c:extLst>
+        </c:ser>
+        <c:ser>
+          <c:idx val="2"/>
+          <c:order val="2"/>
+          <c:tx>
+            <c:strRef>
+              <c:f>Sheet1!$D$1</c:f>
+              <c:strCache>
+                <c:ptCount val="1"/>
+                <c:pt idx="0">
+                  <c:v>Total Permits</c:v>
+                </c:pt>
+              </c:strCache>
+            </c:strRef>
+          </c:tx>
+          <c:spPr>
+            <a:gradFill rotWithShape="1">
+              <a:gsLst>
+                <a:gs pos="0">
+                  <a:schemeClr val="accent3">
+                    <a:lumMod val="110000"/>
+                    <a:satMod val="105000"/>
+                    <a:tint val="67000"/>
+                  </a:schemeClr>
+                </a:gs>
+                <a:gs pos="50000">
+                  <a:schemeClr val="accent3">
+                    <a:lumMod val="105000"/>
+                    <a:satMod val="103000"/>
+                    <a:tint val="73000"/>
+                  </a:schemeClr>
+                </a:gs>
+                <a:gs pos="100000">
+                  <a:schemeClr val="accent3">
+                    <a:lumMod val="105000"/>
+                    <a:satMod val="109000"/>
+                    <a:tint val="81000"/>
+                  </a:schemeClr>
+                </a:gs>
+              </a:gsLst>
+              <a:lin ang="5400000" scaled="0"/>
+            </a:gradFill>
+            <a:ln w="9525" cap="flat" cmpd="sng" algn="ctr">
+              <a:solidFill>
+                <a:schemeClr val="accent3">
+                  <a:shade val="95000"/>
+                </a:schemeClr>
+              </a:solidFill>
+              <a:round/>
+            </a:ln>
+            <a:effectLst/>
+          </c:spPr>
+          <c:invertIfNegative val="0"/>
+          <c:cat>
+            <c:numRef>
+              <c:f>Sheet1!$A$2:$A$4</c:f>
+              <c:numCache>
+                <c:formatCode>General</c:formatCode>
+                <c:ptCount val="3"/>
+                <c:pt idx="0">
+                  <c:v>2010</c:v>
+                </c:pt>
+                <c:pt idx="1">
+                  <c:v>2015</c:v>
+                </c:pt>
+                <c:pt idx="2">
+                  <c:v>2019</c:v>
+                </c:pt>
+              </c:numCache>
+            </c:numRef>
+          </c:cat>
+          <c:val>
+            <c:numRef>
+              <c:f>Sheet1!$D$2:$D$4</c:f>
+              <c:numCache>
+                <c:formatCode>General</c:formatCode>
+                <c:ptCount val="3"/>
+                <c:pt idx="0">
+                  <c:v>9867</c:v>
+                </c:pt>
+                <c:pt idx="1">
+                  <c:v>11838</c:v>
+                </c:pt>
+                <c:pt idx="2">
+                  <c:v>12054</c:v>
+                </c:pt>
+              </c:numCache>
+            </c:numRef>
+          </c:val>
+          <c:extLst>
+            <c:ext xmlns:c16="http://schemas.microsoft.com/office/drawing/2014/chart" uri="{C3380CC4-5D6E-409C-BE32-E72D297353CC}">
+              <c16:uniqueId val="{00000008-F80B-2547-8249-50CB6280103B}"/>
+            </c:ext>
+          </c:extLst>
+        </c:ser>
+        <c:dLbls>
+          <c:showLegendKey val="0"/>
+          <c:showVal val="0"/>
+          <c:showCatName val="0"/>
+          <c:showSerName val="0"/>
+          <c:showPercent val="0"/>
+          <c:showBubbleSize val="0"/>
+        </c:dLbls>
+        <c:gapWidth val="100"/>
+        <c:overlap val="-24"/>
+        <c:axId val="1676477728"/>
+        <c:axId val="1676548256"/>
+      </c:barChart>
+      <c:catAx>
+        <c:axId val="1676477728"/>
+        <c:scaling>
+          <c:orientation val="minMax"/>
+        </c:scaling>
+        <c:delete val="0"/>
+        <c:axPos val="b"/>
+        <c:numFmt formatCode="General" sourceLinked="1"/>
+        <c:majorTickMark val="none"/>
+        <c:minorTickMark val="none"/>
+        <c:tickLblPos val="nextTo"/>
+        <c:spPr>
+          <a:noFill/>
+          <a:ln w="9525" cap="flat" cmpd="sng" algn="ctr">
+            <a:solidFill>
+              <a:schemeClr val="tx1">
+                <a:lumMod val="15000"/>
+                <a:lumOff val="85000"/>
+              </a:schemeClr>
+            </a:solidFill>
+            <a:round/>
+          </a:ln>
+          <a:effectLst/>
+        </c:spPr>
+        <c:txPr>
+          <a:bodyPr rot="-60000000" spcFirstLastPara="1" vertOverflow="ellipsis" vert="horz" wrap="square" anchor="ctr" anchorCtr="1"/>
+          <a:lstStyle/>
+          <a:p>
+            <a:pPr>
+              <a:defRPr sz="1197" b="0" i="0" u="none" strike="noStrike" kern="1200" baseline="0">
+                <a:solidFill>
+                  <a:schemeClr val="tx1">
+                    <a:lumMod val="50000"/>
+                    <a:lumOff val="50000"/>
+                  </a:schemeClr>
+                </a:solidFill>
+                <a:latin typeface="+mn-lt"/>
+                <a:ea typeface="+mn-ea"/>
+                <a:cs typeface="+mn-cs"/>
+              </a:defRPr>
+            </a:pPr>
+            <a:endParaRPr lang="en-US"/>
+          </a:p>
+        </c:txPr>
+        <c:crossAx val="1676548256"/>
+        <c:crosses val="autoZero"/>
+        <c:auto val="1"/>
+        <c:lblAlgn val="ctr"/>
+        <c:lblOffset val="100"/>
+        <c:noMultiLvlLbl val="0"/>
+      </c:catAx>
+      <c:valAx>
+        <c:axId val="1676548256"/>
+        <c:scaling>
+          <c:orientation val="minMax"/>
+        </c:scaling>
+        <c:delete val="0"/>
+        <c:axPos val="l"/>
+        <c:majorGridlines>
+          <c:spPr>
+            <a:ln w="9525" cap="flat" cmpd="sng" algn="ctr">
+              <a:solidFill>
+                <a:schemeClr val="tx1">
+                  <a:lumMod val="15000"/>
+                  <a:lumOff val="85000"/>
+                </a:schemeClr>
+              </a:solidFill>
+              <a:round/>
+            </a:ln>
+            <a:effectLst/>
+          </c:spPr>
+        </c:majorGridlines>
+        <c:numFmt formatCode="General" sourceLinked="1"/>
+        <c:majorTickMark val="none"/>
+        <c:minorTickMark val="none"/>
+        <c:tickLblPos val="nextTo"/>
+        <c:spPr>
+          <a:noFill/>
+          <a:ln>
+            <a:noFill/>
+          </a:ln>
+          <a:effectLst/>
+        </c:spPr>
+        <c:txPr>
+          <a:bodyPr rot="-60000000" spcFirstLastPara="1" vertOverflow="ellipsis" vert="horz" wrap="square" anchor="ctr" anchorCtr="1"/>
+          <a:lstStyle/>
+          <a:p>
+            <a:pPr>
+              <a:defRPr sz="1197" b="0" i="0" u="none" strike="noStrike" kern="1200" baseline="0">
+                <a:solidFill>
+                  <a:schemeClr val="tx1">
+                    <a:lumMod val="50000"/>
+                    <a:lumOff val="50000"/>
+                  </a:schemeClr>
+                </a:solidFill>
+                <a:latin typeface="+mn-lt"/>
+                <a:ea typeface="+mn-ea"/>
+                <a:cs typeface="+mn-cs"/>
+              </a:defRPr>
+            </a:pPr>
+            <a:endParaRPr lang="en-US"/>
+          </a:p>
+        </c:txPr>
+        <c:crossAx val="1676477728"/>
+        <c:crosses val="autoZero"/>
+        <c:crossBetween val="between"/>
+      </c:valAx>
+      <c:spPr>
+        <a:noFill/>
+        <a:ln>
+          <a:noFill/>
+        </a:ln>
+        <a:effectLst/>
+      </c:spPr>
+    </c:plotArea>
+    <c:legend>
+      <c:legendPos val="b"/>
+      <c:overlay val="0"/>
+      <c:spPr>
+        <a:noFill/>
+        <a:ln>
+          <a:noFill/>
+        </a:ln>
+        <a:effectLst/>
+      </c:spPr>
+      <c:txPr>
+        <a:bodyPr rot="0" spcFirstLastPara="1" vertOverflow="ellipsis" vert="horz" wrap="square" anchor="ctr" anchorCtr="1"/>
+        <a:lstStyle/>
+        <a:p>
+          <a:pPr>
+            <a:defRPr sz="1197" b="0" i="0" u="none" strike="noStrike" kern="1200" baseline="0">
+              <a:solidFill>
+                <a:schemeClr val="tx1">
+                  <a:lumMod val="50000"/>
+                  <a:lumOff val="50000"/>
+                </a:schemeClr>
+              </a:solidFill>
+              <a:latin typeface="+mn-lt"/>
+              <a:ea typeface="+mn-ea"/>
+              <a:cs typeface="+mn-cs"/>
+            </a:defRPr>
+          </a:pPr>
+          <a:endParaRPr lang="en-US"/>
+        </a:p>
+      </c:txPr>
+    </c:legend>
+    <c:plotVisOnly val="1"/>
+    <c:dispBlanksAs val="gap"/>
+    <c:extLst>
+      <c:ext xmlns:c16r3="http://schemas.microsoft.com/office/drawing/2017/03/chart" uri="{56B9EC1D-385E-4148-901F-78D8002777C0}">
+        <c16r3:dataDisplayOptions16>
+          <c16r3:dispNaAsBlank val="1"/>
+        </c16r3:dataDisplayOptions16>
+      </c:ext>
+    </c:extLst>
+    <c:showDLblsOverMax val="0"/>
+  </c:chart>
+  <c:spPr>
+    <a:noFill/>
+    <a:ln>
+      <a:noFill/>
+    </a:ln>
+    <a:effectLst/>
+  </c:spPr>
+  <c:txPr>
+    <a:bodyPr/>
+    <a:lstStyle/>
+    <a:p>
+      <a:pPr>
+        <a:defRPr/>
+      </a:pPr>
+      <a:endParaRPr lang="en-US"/>
+    </a:p>
+  </c:txPr>
+  <c:externalData r:id="rId3">
+    <c:autoUpdate val="0"/>
+  </c:externalData>
+</c:chartSpace>
+</file>
+
+<file path=ppt/charts/colors1.xml><?xml version="1.0" encoding="utf-8"?>
+<cs:colorStyle xmlns:cs="http://schemas.microsoft.com/office/drawing/2012/chartStyle" xmlns:a="http://schemas.openxmlformats.org/drawingml/2006/main" meth="cycle" id="10">
+  <a:schemeClr val="accent1"/>
+  <a:schemeClr val="accent2"/>
+  <a:schemeClr val="accent3"/>
+  <a:schemeClr val="accent4"/>
+  <a:schemeClr val="accent5"/>
+  <a:schemeClr val="accent6"/>
+  <cs:variation/>
+  <cs:variation>
+    <a:lumMod val="60000"/>
+  </cs:variation>
+  <cs:variation>
+    <a:lumMod val="80000"/>
+    <a:lumOff val="20000"/>
+  </cs:variation>
+  <cs:variation>
+    <a:lumMod val="80000"/>
+  </cs:variation>
+  <cs:variation>
+    <a:lumMod val="60000"/>
+    <a:lumOff val="40000"/>
+  </cs:variation>
+  <cs:variation>
+    <a:lumMod val="50000"/>
+  </cs:variation>
+  <cs:variation>
+    <a:lumMod val="70000"/>
+    <a:lumOff val="30000"/>
+  </cs:variation>
+  <cs:variation>
+    <a:lumMod val="70000"/>
+  </cs:variation>
+  <cs:variation>
+    <a:lumMod val="50000"/>
+    <a:lumOff val="50000"/>
+  </cs:variation>
+</cs:colorStyle>
+</file>
+
+<file path=ppt/charts/colors2.xml><?xml version="1.0" encoding="utf-8"?>
+<cs:colorStyle xmlns:cs="http://schemas.microsoft.com/office/drawing/2012/chartStyle" xmlns:a="http://schemas.openxmlformats.org/drawingml/2006/main" meth="cycle" id="10">
+  <a:schemeClr val="accent1"/>
+  <a:schemeClr val="accent2"/>
+  <a:schemeClr val="accent3"/>
+  <a:schemeClr val="accent4"/>
+  <a:schemeClr val="accent5"/>
+  <a:schemeClr val="accent6"/>
+  <cs:variation/>
+  <cs:variation>
+    <a:lumMod val="60000"/>
+  </cs:variation>
+  <cs:variation>
+    <a:lumMod val="80000"/>
+    <a:lumOff val="20000"/>
+  </cs:variation>
+  <cs:variation>
+    <a:lumMod val="80000"/>
+  </cs:variation>
+  <cs:variation>
+    <a:lumMod val="60000"/>
+    <a:lumOff val="40000"/>
+  </cs:variation>
+  <cs:variation>
+    <a:lumMod val="50000"/>
+  </cs:variation>
+  <cs:variation>
+    <a:lumMod val="70000"/>
+    <a:lumOff val="30000"/>
+  </cs:variation>
+  <cs:variation>
+    <a:lumMod val="70000"/>
+  </cs:variation>
+  <cs:variation>
+    <a:lumMod val="50000"/>
+    <a:lumOff val="50000"/>
+  </cs:variation>
+</cs:colorStyle>
+</file>
+
+<file path=ppt/charts/style1.xml><?xml version="1.0" encoding="utf-8"?>
+<cs:chartStyle xmlns:cs="http://schemas.microsoft.com/office/drawing/2012/chartStyle" xmlns:a="http://schemas.openxmlformats.org/drawingml/2006/main" id="206">
+  <cs:axisTitle>
+    <cs:lnRef idx="0"/>
+    <cs:fillRef idx="0"/>
+    <cs:effectRef idx="0"/>
+    <cs:fontRef idx="minor">
+      <a:schemeClr val="tx1">
+        <a:lumMod val="50000"/>
+        <a:lumOff val="50000"/>
+      </a:schemeClr>
+    </cs:fontRef>
+    <cs:defRPr sz="1197" kern="1200" cap="all"/>
+  </cs:axisTitle>
+  <cs:categoryAxis>
+    <cs:lnRef idx="0"/>
+    <cs:fillRef idx="0"/>
+    <cs:effectRef idx="0"/>
+    <cs:fontRef idx="minor">
+      <a:schemeClr val="tx1">
+        <a:lumMod val="50000"/>
+        <a:lumOff val="50000"/>
+      </a:schemeClr>
+    </cs:fontRef>
+    <cs:spPr>
+      <a:ln w="9525" cap="flat" cmpd="sng" algn="ctr">
+        <a:solidFill>
+          <a:schemeClr val="tx1">
+            <a:lumMod val="15000"/>
+            <a:lumOff val="85000"/>
+          </a:schemeClr>
+        </a:solidFill>
+        <a:round/>
+      </a:ln>
+    </cs:spPr>
+    <cs:defRPr sz="1197" kern="1200"/>
+  </cs:categoryAxis>
+  <cs:chartArea mods="allowNoFillOverride allowNoLineOverride">
+    <cs:lnRef idx="0"/>
+    <cs:fillRef idx="0"/>
+    <cs:effectRef idx="0"/>
+    <cs:fontRef idx="minor">
+      <a:schemeClr val="dk1"/>
+    </cs:fontRef>
+    <cs:spPr>
+      <a:solidFill>
+        <a:schemeClr val="bg1"/>
+      </a:solidFill>
+      <a:ln w="9525" cap="flat" cmpd="sng" algn="ctr">
+        <a:solidFill>
+          <a:schemeClr val="tx1">
+            <a:lumMod val="15000"/>
+            <a:lumOff val="85000"/>
+          </a:schemeClr>
+        </a:solidFill>
+        <a:round/>
+      </a:ln>
+    </cs:spPr>
+    <cs:defRPr sz="1197" kern="1200"/>
+  </cs:chartArea>
+  <cs:dataLabel>
+    <cs:lnRef idx="0"/>
+    <cs:fillRef idx="0"/>
+    <cs:effectRef idx="0"/>
+    <cs:fontRef idx="minor">
+      <a:schemeClr val="tx1">
+        <a:lumMod val="50000"/>
+        <a:lumOff val="50000"/>
+      </a:schemeClr>
+    </cs:fontRef>
+    <cs:defRPr sz="1197" kern="1200"/>
+  </cs:dataLabel>
+  <cs:dataLabelCallout>
+    <cs:lnRef idx="0"/>
+    <cs:fillRef idx="0"/>
+    <cs:effectRef idx="0"/>
+    <cs:fontRef idx="minor">
+      <a:schemeClr val="dk1">
+        <a:lumMod val="65000"/>
+        <a:lumOff val="35000"/>
+      </a:schemeClr>
+    </cs:fontRef>
+    <cs:spPr>
+      <a:solidFill>
+        <a:schemeClr val="lt1"/>
+      </a:solidFill>
+      <a:ln>
+        <a:solidFill>
+          <a:schemeClr val="dk1">
+            <a:lumMod val="25000"/>
+            <a:lumOff val="75000"/>
+          </a:schemeClr>
+        </a:solidFill>
+      </a:ln>
+    </cs:spPr>
+    <cs:defRPr sz="1197" kern="1200"/>
+    <cs:bodyPr rot="0" spcFirstLastPara="1" vertOverflow="clip" horzOverflow="clip" vert="horz" wrap="square" lIns="36576" tIns="18288" rIns="36576" bIns="18288" anchor="ctr" anchorCtr="1">
+      <a:spAutoFit/>
+    </cs:bodyPr>
+  </cs:dataLabelCallout>
+  <cs:dataPoint>
+    <cs:lnRef idx="0">
+      <cs:styleClr val="auto"/>
+    </cs:lnRef>
+    <cs:fillRef idx="2">
+      <cs:styleClr val="auto"/>
+    </cs:fillRef>
+    <cs:effectRef idx="1"/>
+    <cs:fontRef idx="minor">
+      <a:schemeClr val="dk1"/>
+    </cs:fontRef>
+    <cs:spPr>
+      <a:ln w="9525" cap="flat" cmpd="sng" algn="ctr">
+        <a:solidFill>
+          <a:schemeClr val="phClr">
+            <a:shade val="95000"/>
+          </a:schemeClr>
+        </a:solidFill>
+        <a:round/>
+      </a:ln>
+    </cs:spPr>
+  </cs:dataPoint>
+  <cs:dataPoint3D>
+    <cs:lnRef idx="0">
+      <cs:styleClr val="auto"/>
+    </cs:lnRef>
+    <cs:fillRef idx="2">
+      <cs:styleClr val="auto"/>
+    </cs:fillRef>
+    <cs:effectRef idx="1"/>
+    <cs:fontRef idx="minor">
+      <a:schemeClr val="dk1"/>
+    </cs:fontRef>
+    <cs:spPr>
+      <a:ln w="9525" cap="flat" cmpd="sng" algn="ctr">
+        <a:solidFill>
+          <a:schemeClr val="phClr">
+            <a:shade val="95000"/>
+          </a:schemeClr>
+        </a:solidFill>
+        <a:round/>
+      </a:ln>
+    </cs:spPr>
+  </cs:dataPoint3D>
+  <cs:dataPointLine>
+    <cs:lnRef idx="0">
+      <cs:styleClr val="auto"/>
+    </cs:lnRef>
+    <cs:fillRef idx="2">
+      <cs:styleClr val="auto"/>
+    </cs:fillRef>
+    <cs:effectRef idx="1"/>
+    <cs:fontRef idx="minor">
+      <a:schemeClr val="dk1"/>
+    </cs:fontRef>
+    <cs:spPr>
+      <a:ln w="15875" cap="rnd">
+        <a:solidFill>
+          <a:schemeClr val="phClr"/>
+        </a:solidFill>
+        <a:round/>
+      </a:ln>
+    </cs:spPr>
+  </cs:dataPointLine>
+  <cs:dataPointMarker>
+    <cs:lnRef idx="0">
+      <cs:styleClr val="auto"/>
+    </cs:lnRef>
+    <cs:fillRef idx="2">
+      <cs:styleClr val="auto"/>
+    </cs:fillRef>
+    <cs:effectRef idx="1"/>
+    <cs:fontRef idx="minor">
+      <a:schemeClr val="dk1"/>
+    </cs:fontRef>
+    <cs:spPr>
+      <a:ln w="9525" cap="flat" cmpd="sng" algn="ctr">
+        <a:solidFill>
+          <a:schemeClr val="phClr">
+            <a:shade val="95000"/>
+          </a:schemeClr>
+        </a:solidFill>
+        <a:round/>
+      </a:ln>
+    </cs:spPr>
+  </cs:dataPointMarker>
+  <cs:dataPointMarkerLayout symbol="circle" size="4"/>
+  <cs:dataPointWireframe>
+    <cs:lnRef idx="0">
+      <cs:styleClr val="auto"/>
+    </cs:lnRef>
+    <cs:fillRef idx="2"/>
+    <cs:effectRef idx="0"/>
+    <cs:fontRef idx="minor">
+      <a:schemeClr val="dk1"/>
+    </cs:fontRef>
+    <cs:spPr>
+      <a:ln w="9525" cap="rnd">
+        <a:solidFill>
+          <a:schemeClr val="phClr"/>
+        </a:solidFill>
+        <a:round/>
+      </a:ln>
+    </cs:spPr>
+  </cs:dataPointWireframe>
+  <cs:dataTable>
+    <cs:lnRef idx="0"/>
+    <cs:fillRef idx="0"/>
+    <cs:effectRef idx="0"/>
+    <cs:fontRef idx="minor">
+      <a:schemeClr val="tx1">
+        <a:lumMod val="50000"/>
+        <a:lumOff val="50000"/>
+      </a:schemeClr>
+    </cs:fontRef>
+    <cs:spPr>
+      <a:ln w="9525">
+        <a:solidFill>
+          <a:schemeClr val="tx1">
+            <a:lumMod val="15000"/>
+            <a:lumOff val="85000"/>
+          </a:schemeClr>
+        </a:solidFill>
+      </a:ln>
+    </cs:spPr>
+    <cs:defRPr sz="1197" kern="1200"/>
+  </cs:dataTable>
+  <cs:downBar>
+    <cs:lnRef idx="0"/>
+    <cs:fillRef idx="0"/>
+    <cs:effectRef idx="0"/>
+    <cs:fontRef idx="minor">
+      <a:schemeClr val="dk1"/>
+    </cs:fontRef>
+    <cs:spPr>
+      <a:solidFill>
+        <a:schemeClr val="dk1">
+          <a:lumMod val="75000"/>
+          <a:lumOff val="25000"/>
+        </a:schemeClr>
+      </a:solidFill>
+      <a:ln w="9525">
+        <a:solidFill>
+          <a:schemeClr val="tx1">
+            <a:lumMod val="50000"/>
+            <a:lumOff val="50000"/>
+          </a:schemeClr>
+        </a:solidFill>
+      </a:ln>
+    </cs:spPr>
+  </cs:downBar>
+  <cs:dropLine>
+    <cs:lnRef idx="0"/>
+    <cs:fillRef idx="0"/>
+    <cs:effectRef idx="0"/>
+    <cs:fontRef idx="minor">
+      <a:schemeClr val="dk1"/>
+    </cs:fontRef>
+    <cs:spPr>
+      <a:ln w="9525">
+        <a:solidFill>
+          <a:schemeClr val="tx1">
+            <a:lumMod val="35000"/>
+            <a:lumOff val="65000"/>
+          </a:schemeClr>
+        </a:solidFill>
+        <a:prstDash val="dash"/>
+      </a:ln>
+    </cs:spPr>
+  </cs:dropLine>
+  <cs:errorBar>
+    <cs:lnRef idx="0"/>
+    <cs:fillRef idx="0"/>
+    <cs:effectRef idx="0"/>
+    <cs:fontRef idx="minor">
+      <a:schemeClr val="dk1"/>
+    </cs:fontRef>
+    <cs:spPr>
+      <a:ln w="9525">
+        <a:solidFill>
+          <a:schemeClr val="tx1">
+            <a:lumMod val="50000"/>
+            <a:lumOff val="50000"/>
+          </a:schemeClr>
+        </a:solidFill>
+      </a:ln>
+    </cs:spPr>
+  </cs:errorBar>
+  <cs:floor>
+    <cs:lnRef idx="0"/>
+    <cs:fillRef idx="0"/>
+    <cs:effectRef idx="0"/>
+    <cs:fontRef idx="minor">
+      <a:schemeClr val="dk1"/>
+    </cs:fontRef>
+  </cs:floor>
+  <cs:gridlineMajor>
+    <cs:lnRef idx="0"/>
+    <cs:fillRef idx="0"/>
+    <cs:effectRef idx="0"/>
+    <cs:fontRef idx="minor">
+      <a:schemeClr val="dk1"/>
+    </cs:fontRef>
+    <cs:spPr>
+      <a:ln w="9525" cap="flat" cmpd="sng" algn="ctr">
+        <a:solidFill>
+          <a:schemeClr val="tx1">
+            <a:lumMod val="15000"/>
+            <a:lumOff val="85000"/>
+          </a:schemeClr>
+        </a:solidFill>
+        <a:round/>
+      </a:ln>
+    </cs:spPr>
+  </cs:gridlineMajor>
+  <cs:gridlineMinor>
+    <cs:lnRef idx="0"/>
+    <cs:fillRef idx="0"/>
+    <cs:effectRef idx="0"/>
+    <cs:fontRef idx="minor">
+      <a:schemeClr val="dk1"/>
+    </cs:fontRef>
+    <cs:spPr>
+      <a:ln>
+        <a:solidFill>
+          <a:schemeClr val="tx1">
+            <a:lumMod val="5000"/>
+            <a:lumOff val="95000"/>
+          </a:schemeClr>
+        </a:solidFill>
+      </a:ln>
+    </cs:spPr>
+  </cs:gridlineMinor>
+  <cs:hiLoLine>
+    <cs:lnRef idx="0"/>
+    <cs:fillRef idx="0"/>
+    <cs:effectRef idx="0"/>
+    <cs:fontRef idx="minor">
+      <a:schemeClr val="dk1"/>
+    </cs:fontRef>
+    <cs:spPr>
+      <a:ln w="9525">
+        <a:solidFill>
+          <a:schemeClr val="tx1">
+            <a:lumMod val="50000"/>
+            <a:lumOff val="50000"/>
+          </a:schemeClr>
+        </a:solidFill>
+        <a:prstDash val="dash"/>
+      </a:ln>
+    </cs:spPr>
+  </cs:hiLoLine>
+  <cs:leaderLine>
+    <cs:lnRef idx="0"/>
+    <cs:fillRef idx="0"/>
+    <cs:effectRef idx="0"/>
+    <cs:fontRef idx="minor">
+      <a:schemeClr val="dk1"/>
+    </cs:fontRef>
+    <cs:spPr>
+      <a:ln w="9525">
+        <a:solidFill>
+          <a:schemeClr val="tx1">
+            <a:lumMod val="35000"/>
+            <a:lumOff val="65000"/>
+          </a:schemeClr>
+        </a:solidFill>
+      </a:ln>
+    </cs:spPr>
+  </cs:leaderLine>
+  <cs:legend>
+    <cs:lnRef idx="0"/>
+    <cs:fillRef idx="0"/>
+    <cs:effectRef idx="0"/>
+    <cs:fontRef idx="minor">
+      <a:schemeClr val="tx1">
+        <a:lumMod val="50000"/>
+        <a:lumOff val="50000"/>
+      </a:schemeClr>
+    </cs:fontRef>
+    <cs:defRPr sz="1197" kern="1200"/>
+  </cs:legend>
+  <cs:plotArea mods="allowNoFillOverride allowNoLineOverride">
+    <cs:lnRef idx="0"/>
+    <cs:fillRef idx="0"/>
+    <cs:effectRef idx="0"/>
+    <cs:fontRef idx="minor">
+      <a:schemeClr val="dk1"/>
+    </cs:fontRef>
+  </cs:plotArea>
+  <cs:plotArea3D mods="allowNoFillOverride allowNoLineOverride">
+    <cs:lnRef idx="0"/>
+    <cs:fillRef idx="0"/>
+    <cs:effectRef idx="0"/>
+    <cs:fontRef idx="minor">
+      <a:schemeClr val="dk1"/>
+    </cs:fontRef>
+  </cs:plotArea3D>
+  <cs:seriesAxis>
+    <cs:lnRef idx="0"/>
+    <cs:fillRef idx="0"/>
+    <cs:effectRef idx="0"/>
+    <cs:fontRef idx="minor">
+      <a:schemeClr val="tx1">
+        <a:lumMod val="50000"/>
+        <a:lumOff val="50000"/>
+      </a:schemeClr>
+    </cs:fontRef>
+    <cs:spPr>
+      <a:ln w="9525" cap="flat" cmpd="sng" algn="ctr">
+        <a:solidFill>
+          <a:schemeClr val="tx1">
+            <a:lumMod val="15000"/>
+            <a:lumOff val="85000"/>
+          </a:schemeClr>
+        </a:solidFill>
+        <a:round/>
+      </a:ln>
+    </cs:spPr>
+    <cs:defRPr sz="1197" kern="1200"/>
+  </cs:seriesAxis>
+  <cs:seriesLine>
+    <cs:lnRef idx="0"/>
+    <cs:fillRef idx="0"/>
+    <cs:effectRef idx="0"/>
+    <cs:fontRef idx="minor">
+      <a:schemeClr val="dk1"/>
+    </cs:fontRef>
+    <cs:spPr>
+      <a:ln w="9525">
+        <a:solidFill>
+          <a:schemeClr val="tx1">
+            <a:lumMod val="35000"/>
+            <a:lumOff val="65000"/>
+          </a:schemeClr>
+        </a:solidFill>
+        <a:prstDash val="dash"/>
+      </a:ln>
+    </cs:spPr>
+  </cs:seriesLine>
+  <cs:title>
+    <cs:lnRef idx="0"/>
+    <cs:fillRef idx="0"/>
+    <cs:effectRef idx="0"/>
+    <cs:fontRef idx="minor">
+      <a:schemeClr val="tx1">
+        <a:lumMod val="50000"/>
+        <a:lumOff val="50000"/>
+      </a:schemeClr>
+    </cs:fontRef>
+    <cs:defRPr sz="1862" kern="1200" cap="none" spc="20" baseline="0"/>
+  </cs:title>
+  <cs:trendline>
+    <cs:lnRef idx="0">
+      <cs:styleClr val="auto"/>
+    </cs:lnRef>
+    <cs:fillRef idx="2"/>
+    <cs:effectRef idx="0"/>
+    <cs:fontRef idx="minor">
+      <a:schemeClr val="dk1"/>
+    </cs:fontRef>
+    <cs:spPr>
+      <a:ln w="9525" cap="rnd">
+        <a:solidFill>
+          <a:schemeClr val="phClr"/>
+        </a:solidFill>
+      </a:ln>
+    </cs:spPr>
+  </cs:trendline>
+  <cs:trendlineLabel>
+    <cs:lnRef idx="0"/>
+    <cs:fillRef idx="0"/>
+    <cs:effectRef idx="0"/>
+    <cs:fontRef idx="minor">
+      <a:schemeClr val="tx1">
+        <a:lumMod val="50000"/>
+        <a:lumOff val="50000"/>
+      </a:schemeClr>
+    </cs:fontRef>
+    <cs:defRPr sz="1197" kern="1200"/>
+  </cs:trendlineLabel>
+  <cs:upBar>
+    <cs:lnRef idx="0"/>
+    <cs:fillRef idx="0"/>
+    <cs:effectRef idx="0"/>
+    <cs:fontRef idx="minor">
+      <a:schemeClr val="dk1"/>
+    </cs:fontRef>
+    <cs:spPr>
+      <a:solidFill>
+        <a:schemeClr val="lt1"/>
+      </a:solidFill>
+      <a:ln w="9525">
+        <a:solidFill>
+          <a:schemeClr val="tx1">
+            <a:lumMod val="50000"/>
+            <a:lumOff val="50000"/>
+          </a:schemeClr>
+        </a:solidFill>
+      </a:ln>
+    </cs:spPr>
+  </cs:upBar>
+  <cs:valueAxis>
+    <cs:lnRef idx="0"/>
+    <cs:fillRef idx="0"/>
+    <cs:effectRef idx="0"/>
+    <cs:fontRef idx="minor">
+      <a:schemeClr val="tx1">
+        <a:lumMod val="50000"/>
+        <a:lumOff val="50000"/>
+      </a:schemeClr>
+    </cs:fontRef>
+    <cs:defRPr sz="1197" kern="1200"/>
+  </cs:valueAxis>
+  <cs:wall>
+    <cs:lnRef idx="0"/>
+    <cs:fillRef idx="0"/>
+    <cs:effectRef idx="0"/>
+    <cs:fontRef idx="minor">
+      <a:schemeClr val="dk1"/>
+    </cs:fontRef>
+  </cs:wall>
+</cs:chartStyle>
+</file>
+
+<file path=ppt/charts/style2.xml><?xml version="1.0" encoding="utf-8"?>
+<cs:chartStyle xmlns:cs="http://schemas.microsoft.com/office/drawing/2012/chartStyle" xmlns:a="http://schemas.openxmlformats.org/drawingml/2006/main" id="206">
+  <cs:axisTitle>
+    <cs:lnRef idx="0"/>
+    <cs:fillRef idx="0"/>
+    <cs:effectRef idx="0"/>
+    <cs:fontRef idx="minor">
+      <a:schemeClr val="tx1">
+        <a:lumMod val="50000"/>
+        <a:lumOff val="50000"/>
+      </a:schemeClr>
+    </cs:fontRef>
+    <cs:defRPr sz="1197" kern="1200" cap="all"/>
+  </cs:axisTitle>
+  <cs:categoryAxis>
+    <cs:lnRef idx="0"/>
+    <cs:fillRef idx="0"/>
+    <cs:effectRef idx="0"/>
+    <cs:fontRef idx="minor">
+      <a:schemeClr val="tx1">
+        <a:lumMod val="50000"/>
+        <a:lumOff val="50000"/>
+      </a:schemeClr>
+    </cs:fontRef>
+    <cs:spPr>
+      <a:ln w="9525" cap="flat" cmpd="sng" algn="ctr">
+        <a:solidFill>
+          <a:schemeClr val="tx1">
+            <a:lumMod val="15000"/>
+            <a:lumOff val="85000"/>
+          </a:schemeClr>
+        </a:solidFill>
+        <a:round/>
+      </a:ln>
+    </cs:spPr>
+    <cs:defRPr sz="1197" kern="1200"/>
+  </cs:categoryAxis>
+  <cs:chartArea mods="allowNoFillOverride allowNoLineOverride">
+    <cs:lnRef idx="0"/>
+    <cs:fillRef idx="0"/>
+    <cs:effectRef idx="0"/>
+    <cs:fontRef idx="minor">
+      <a:schemeClr val="dk1"/>
+    </cs:fontRef>
+    <cs:spPr>
+      <a:solidFill>
+        <a:schemeClr val="bg1"/>
+      </a:solidFill>
+      <a:ln w="9525" cap="flat" cmpd="sng" algn="ctr">
+        <a:solidFill>
+          <a:schemeClr val="tx1">
+            <a:lumMod val="15000"/>
+            <a:lumOff val="85000"/>
+          </a:schemeClr>
+        </a:solidFill>
+        <a:round/>
+      </a:ln>
+    </cs:spPr>
+    <cs:defRPr sz="1197" kern="1200"/>
+  </cs:chartArea>
+  <cs:dataLabel>
+    <cs:lnRef idx="0"/>
+    <cs:fillRef idx="0"/>
+    <cs:effectRef idx="0"/>
+    <cs:fontRef idx="minor">
+      <a:schemeClr val="tx1">
+        <a:lumMod val="50000"/>
+        <a:lumOff val="50000"/>
+      </a:schemeClr>
+    </cs:fontRef>
+    <cs:defRPr sz="1197" kern="1200"/>
+  </cs:dataLabel>
+  <cs:dataLabelCallout>
+    <cs:lnRef idx="0"/>
+    <cs:fillRef idx="0"/>
+    <cs:effectRef idx="0"/>
+    <cs:fontRef idx="minor">
+      <a:schemeClr val="dk1">
+        <a:lumMod val="65000"/>
+        <a:lumOff val="35000"/>
+      </a:schemeClr>
+    </cs:fontRef>
+    <cs:spPr>
+      <a:solidFill>
+        <a:schemeClr val="lt1"/>
+      </a:solidFill>
+      <a:ln>
+        <a:solidFill>
+          <a:schemeClr val="dk1">
+            <a:lumMod val="25000"/>
+            <a:lumOff val="75000"/>
+          </a:schemeClr>
+        </a:solidFill>
+      </a:ln>
+    </cs:spPr>
+    <cs:defRPr sz="1197" kern="1200"/>
+    <cs:bodyPr rot="0" spcFirstLastPara="1" vertOverflow="clip" horzOverflow="clip" vert="horz" wrap="square" lIns="36576" tIns="18288" rIns="36576" bIns="18288" anchor="ctr" anchorCtr="1">
+      <a:spAutoFit/>
+    </cs:bodyPr>
+  </cs:dataLabelCallout>
+  <cs:dataPoint>
+    <cs:lnRef idx="0">
+      <cs:styleClr val="auto"/>
+    </cs:lnRef>
+    <cs:fillRef idx="2">
+      <cs:styleClr val="auto"/>
+    </cs:fillRef>
+    <cs:effectRef idx="1"/>
+    <cs:fontRef idx="minor">
+      <a:schemeClr val="dk1"/>
+    </cs:fontRef>
+    <cs:spPr>
+      <a:ln w="9525" cap="flat" cmpd="sng" algn="ctr">
+        <a:solidFill>
+          <a:schemeClr val="phClr">
+            <a:shade val="95000"/>
+          </a:schemeClr>
+        </a:solidFill>
+        <a:round/>
+      </a:ln>
+    </cs:spPr>
+  </cs:dataPoint>
+  <cs:dataPoint3D>
+    <cs:lnRef idx="0">
+      <cs:styleClr val="auto"/>
+    </cs:lnRef>
+    <cs:fillRef idx="2">
+      <cs:styleClr val="auto"/>
+    </cs:fillRef>
+    <cs:effectRef idx="1"/>
+    <cs:fontRef idx="minor">
+      <a:schemeClr val="dk1"/>
+    </cs:fontRef>
+    <cs:spPr>
+      <a:ln w="9525" cap="flat" cmpd="sng" algn="ctr">
+        <a:solidFill>
+          <a:schemeClr val="phClr">
+            <a:shade val="95000"/>
+          </a:schemeClr>
+        </a:solidFill>
+        <a:round/>
+      </a:ln>
+    </cs:spPr>
+  </cs:dataPoint3D>
+  <cs:dataPointLine>
+    <cs:lnRef idx="0">
+      <cs:styleClr val="auto"/>
+    </cs:lnRef>
+    <cs:fillRef idx="2">
+      <cs:styleClr val="auto"/>
+    </cs:fillRef>
+    <cs:effectRef idx="1"/>
+    <cs:fontRef idx="minor">
+      <a:schemeClr val="dk1"/>
+    </cs:fontRef>
+    <cs:spPr>
+      <a:ln w="15875" cap="rnd">
+        <a:solidFill>
+          <a:schemeClr val="phClr"/>
+        </a:solidFill>
+        <a:round/>
+      </a:ln>
+    </cs:spPr>
+  </cs:dataPointLine>
+  <cs:dataPointMarker>
+    <cs:lnRef idx="0">
+      <cs:styleClr val="auto"/>
+    </cs:lnRef>
+    <cs:fillRef idx="2">
+      <cs:styleClr val="auto"/>
+    </cs:fillRef>
+    <cs:effectRef idx="1"/>
+    <cs:fontRef idx="minor">
+      <a:schemeClr val="dk1"/>
+    </cs:fontRef>
+    <cs:spPr>
+      <a:ln w="9525" cap="flat" cmpd="sng" algn="ctr">
+        <a:solidFill>
+          <a:schemeClr val="phClr">
+            <a:shade val="95000"/>
+          </a:schemeClr>
+        </a:solidFill>
+        <a:round/>
+      </a:ln>
+    </cs:spPr>
+  </cs:dataPointMarker>
+  <cs:dataPointMarkerLayout symbol="circle" size="4"/>
+  <cs:dataPointWireframe>
+    <cs:lnRef idx="0">
+      <cs:styleClr val="auto"/>
+    </cs:lnRef>
+    <cs:fillRef idx="2"/>
+    <cs:effectRef idx="0"/>
+    <cs:fontRef idx="minor">
+      <a:schemeClr val="dk1"/>
+    </cs:fontRef>
+    <cs:spPr>
+      <a:ln w="9525" cap="rnd">
+        <a:solidFill>
+          <a:schemeClr val="phClr"/>
+        </a:solidFill>
+        <a:round/>
+      </a:ln>
+    </cs:spPr>
+  </cs:dataPointWireframe>
+  <cs:dataTable>
+    <cs:lnRef idx="0"/>
+    <cs:fillRef idx="0"/>
+    <cs:effectRef idx="0"/>
+    <cs:fontRef idx="minor">
+      <a:schemeClr val="tx1">
+        <a:lumMod val="50000"/>
+        <a:lumOff val="50000"/>
+      </a:schemeClr>
+    </cs:fontRef>
+    <cs:spPr>
+      <a:ln w="9525">
+        <a:solidFill>
+          <a:schemeClr val="tx1">
+            <a:lumMod val="15000"/>
+            <a:lumOff val="85000"/>
+          </a:schemeClr>
+        </a:solidFill>
+      </a:ln>
+    </cs:spPr>
+    <cs:defRPr sz="1197" kern="1200"/>
+  </cs:dataTable>
+  <cs:downBar>
+    <cs:lnRef idx="0"/>
+    <cs:fillRef idx="0"/>
+    <cs:effectRef idx="0"/>
+    <cs:fontRef idx="minor">
+      <a:schemeClr val="dk1"/>
+    </cs:fontRef>
+    <cs:spPr>
+      <a:solidFill>
+        <a:schemeClr val="dk1">
+          <a:lumMod val="75000"/>
+          <a:lumOff val="25000"/>
+        </a:schemeClr>
+      </a:solidFill>
+      <a:ln w="9525">
+        <a:solidFill>
+          <a:schemeClr val="tx1">
+            <a:lumMod val="50000"/>
+            <a:lumOff val="50000"/>
+          </a:schemeClr>
+        </a:solidFill>
+      </a:ln>
+    </cs:spPr>
+  </cs:downBar>
+  <cs:dropLine>
+    <cs:lnRef idx="0"/>
+    <cs:fillRef idx="0"/>
+    <cs:effectRef idx="0"/>
+    <cs:fontRef idx="minor">
+      <a:schemeClr val="dk1"/>
+    </cs:fontRef>
+    <cs:spPr>
+      <a:ln w="9525">
+        <a:solidFill>
+          <a:schemeClr val="tx1">
+            <a:lumMod val="35000"/>
+            <a:lumOff val="65000"/>
+          </a:schemeClr>
+        </a:solidFill>
+        <a:prstDash val="dash"/>
+      </a:ln>
+    </cs:spPr>
+  </cs:dropLine>
+  <cs:errorBar>
+    <cs:lnRef idx="0"/>
+    <cs:fillRef idx="0"/>
+    <cs:effectRef idx="0"/>
+    <cs:fontRef idx="minor">
+      <a:schemeClr val="dk1"/>
+    </cs:fontRef>
+    <cs:spPr>
+      <a:ln w="9525">
+        <a:solidFill>
+          <a:schemeClr val="tx1">
+            <a:lumMod val="50000"/>
+            <a:lumOff val="50000"/>
+          </a:schemeClr>
+        </a:solidFill>
+      </a:ln>
+    </cs:spPr>
+  </cs:errorBar>
+  <cs:floor>
+    <cs:lnRef idx="0"/>
+    <cs:fillRef idx="0"/>
+    <cs:effectRef idx="0"/>
+    <cs:fontRef idx="minor">
+      <a:schemeClr val="dk1"/>
+    </cs:fontRef>
+  </cs:floor>
+  <cs:gridlineMajor>
+    <cs:lnRef idx="0"/>
+    <cs:fillRef idx="0"/>
+    <cs:effectRef idx="0"/>
+    <cs:fontRef idx="minor">
+      <a:schemeClr val="dk1"/>
+    </cs:fontRef>
+    <cs:spPr>
+      <a:ln w="9525" cap="flat" cmpd="sng" algn="ctr">
+        <a:solidFill>
+          <a:schemeClr val="tx1">
+            <a:lumMod val="15000"/>
+            <a:lumOff val="85000"/>
+          </a:schemeClr>
+        </a:solidFill>
+        <a:round/>
+      </a:ln>
+    </cs:spPr>
+  </cs:gridlineMajor>
+  <cs:gridlineMinor>
+    <cs:lnRef idx="0"/>
+    <cs:fillRef idx="0"/>
+    <cs:effectRef idx="0"/>
+    <cs:fontRef idx="minor">
+      <a:schemeClr val="dk1"/>
+    </cs:fontRef>
+    <cs:spPr>
+      <a:ln>
+        <a:solidFill>
+          <a:schemeClr val="tx1">
+            <a:lumMod val="5000"/>
+            <a:lumOff val="95000"/>
+          </a:schemeClr>
+        </a:solidFill>
+      </a:ln>
+    </cs:spPr>
+  </cs:gridlineMinor>
+  <cs:hiLoLine>
+    <cs:lnRef idx="0"/>
+    <cs:fillRef idx="0"/>
+    <cs:effectRef idx="0"/>
+    <cs:fontRef idx="minor">
+      <a:schemeClr val="dk1"/>
+    </cs:fontRef>
+    <cs:spPr>
+      <a:ln w="9525">
+        <a:solidFill>
+          <a:schemeClr val="tx1">
+            <a:lumMod val="50000"/>
+            <a:lumOff val="50000"/>
+          </a:schemeClr>
+        </a:solidFill>
+        <a:prstDash val="dash"/>
+      </a:ln>
+    </cs:spPr>
+  </cs:hiLoLine>
+  <cs:leaderLine>
+    <cs:lnRef idx="0"/>
+    <cs:fillRef idx="0"/>
+    <cs:effectRef idx="0"/>
+    <cs:fontRef idx="minor">
+      <a:schemeClr val="dk1"/>
+    </cs:fontRef>
+    <cs:spPr>
+      <a:ln w="9525">
+        <a:solidFill>
+          <a:schemeClr val="tx1">
+            <a:lumMod val="35000"/>
+            <a:lumOff val="65000"/>
+          </a:schemeClr>
+        </a:solidFill>
+      </a:ln>
+    </cs:spPr>
+  </cs:leaderLine>
+  <cs:legend>
+    <cs:lnRef idx="0"/>
+    <cs:fillRef idx="0"/>
+    <cs:effectRef idx="0"/>
+    <cs:fontRef idx="minor">
+      <a:schemeClr val="tx1">
+        <a:lumMod val="50000"/>
+        <a:lumOff val="50000"/>
+      </a:schemeClr>
+    </cs:fontRef>
+    <cs:defRPr sz="1197" kern="1200"/>
+  </cs:legend>
+  <cs:plotArea mods="allowNoFillOverride allowNoLineOverride">
+    <cs:lnRef idx="0"/>
+    <cs:fillRef idx="0"/>
+    <cs:effectRef idx="0"/>
+    <cs:fontRef idx="minor">
+      <a:schemeClr val="dk1"/>
+    </cs:fontRef>
+  </cs:plotArea>
+  <cs:plotArea3D mods="allowNoFillOverride allowNoLineOverride">
+    <cs:lnRef idx="0"/>
+    <cs:fillRef idx="0"/>
+    <cs:effectRef idx="0"/>
+    <cs:fontRef idx="minor">
+      <a:schemeClr val="dk1"/>
+    </cs:fontRef>
+  </cs:plotArea3D>
+  <cs:seriesAxis>
+    <cs:lnRef idx="0"/>
+    <cs:fillRef idx="0"/>
+    <cs:effectRef idx="0"/>
+    <cs:fontRef idx="minor">
+      <a:schemeClr val="tx1">
+        <a:lumMod val="50000"/>
+        <a:lumOff val="50000"/>
+      </a:schemeClr>
+    </cs:fontRef>
+    <cs:spPr>
+      <a:ln w="9525" cap="flat" cmpd="sng" algn="ctr">
+        <a:solidFill>
+          <a:schemeClr val="tx1">
+            <a:lumMod val="15000"/>
+            <a:lumOff val="85000"/>
+          </a:schemeClr>
+        </a:solidFill>
+        <a:round/>
+      </a:ln>
+    </cs:spPr>
+    <cs:defRPr sz="1197" kern="1200"/>
+  </cs:seriesAxis>
+  <cs:seriesLine>
+    <cs:lnRef idx="0"/>
+    <cs:fillRef idx="0"/>
+    <cs:effectRef idx="0"/>
+    <cs:fontRef idx="minor">
+      <a:schemeClr val="dk1"/>
+    </cs:fontRef>
+    <cs:spPr>
+      <a:ln w="9525">
+        <a:solidFill>
+          <a:schemeClr val="tx1">
+            <a:lumMod val="35000"/>
+            <a:lumOff val="65000"/>
+          </a:schemeClr>
+        </a:solidFill>
+        <a:prstDash val="dash"/>
+      </a:ln>
+    </cs:spPr>
+  </cs:seriesLine>
+  <cs:title>
+    <cs:lnRef idx="0"/>
+    <cs:fillRef idx="0"/>
+    <cs:effectRef idx="0"/>
+    <cs:fontRef idx="minor">
+      <a:schemeClr val="tx1">
+        <a:lumMod val="50000"/>
+        <a:lumOff val="50000"/>
+      </a:schemeClr>
+    </cs:fontRef>
+    <cs:defRPr sz="1862" kern="1200" cap="none" spc="20" baseline="0"/>
+  </cs:title>
+  <cs:trendline>
+    <cs:lnRef idx="0">
+      <cs:styleClr val="auto"/>
+    </cs:lnRef>
+    <cs:fillRef idx="2"/>
+    <cs:effectRef idx="0"/>
+    <cs:fontRef idx="minor">
+      <a:schemeClr val="dk1"/>
+    </cs:fontRef>
+    <cs:spPr>
+      <a:ln w="9525" cap="rnd">
+        <a:solidFill>
+          <a:schemeClr val="phClr"/>
+        </a:solidFill>
+      </a:ln>
+    </cs:spPr>
+  </cs:trendline>
+  <cs:trendlineLabel>
+    <cs:lnRef idx="0"/>
+    <cs:fillRef idx="0"/>
+    <cs:effectRef idx="0"/>
+    <cs:fontRef idx="minor">
+      <a:schemeClr val="tx1">
+        <a:lumMod val="50000"/>
+        <a:lumOff val="50000"/>
+      </a:schemeClr>
+    </cs:fontRef>
+    <cs:defRPr sz="1197" kern="1200"/>
+  </cs:trendlineLabel>
+  <cs:upBar>
+    <cs:lnRef idx="0"/>
+    <cs:fillRef idx="0"/>
+    <cs:effectRef idx="0"/>
+    <cs:fontRef idx="minor">
+      <a:schemeClr val="dk1"/>
+    </cs:fontRef>
+    <cs:spPr>
+      <a:solidFill>
+        <a:schemeClr val="lt1"/>
+      </a:solidFill>
+      <a:ln w="9525">
+        <a:solidFill>
+          <a:schemeClr val="tx1">
+            <a:lumMod val="50000"/>
+            <a:lumOff val="50000"/>
+          </a:schemeClr>
+        </a:solidFill>
+      </a:ln>
+    </cs:spPr>
+  </cs:upBar>
+  <cs:valueAxis>
+    <cs:lnRef idx="0"/>
+    <cs:fillRef idx="0"/>
+    <cs:effectRef idx="0"/>
+    <cs:fontRef idx="minor">
+      <a:schemeClr val="tx1">
+        <a:lumMod val="50000"/>
+        <a:lumOff val="50000"/>
+      </a:schemeClr>
+    </cs:fontRef>
+    <cs:defRPr sz="1197" kern="1200"/>
+  </cs:valueAxis>
+  <cs:wall>
+    <cs:lnRef idx="0"/>
+    <cs:fillRef idx="0"/>
+    <cs:effectRef idx="0"/>
+    <cs:fontRef idx="minor">
+      <a:schemeClr val="dk1"/>
+    </cs:fontRef>
+  </cs:wall>
+</cs:chartStyle>
+</file>
+
 <file path=ppt/slideLayouts/slideLayout1.xml><?xml version="1.0" encoding="utf-8"?>
 <p:sldLayout xmlns:a="http://schemas.openxmlformats.org/drawingml/2006/main" xmlns:r="http://schemas.openxmlformats.org/officeDocument/2006/relationships" xmlns:p="http://schemas.openxmlformats.org/presentationml/2006/main" type="title" preserve="1">
   <p:cSld name="Title Slide">
@@ -314,7 +2614,7 @@
           <a:p>
             <a:fld id="{A68056CC-85B4-42FC-A121-6126DB859339}" type="datetimeFigureOut">
               <a:rPr lang="en-US" smtClean="0"/>
-              <a:t>10/30/2020</a:t>
+              <a:t>10/31/2020</a:t>
             </a:fld>
             <a:endParaRPr lang="en-US"/>
           </a:p>
@@ -595,7 +2895,7 @@
           <a:p>
             <a:fld id="{A68056CC-85B4-42FC-A121-6126DB859339}" type="datetimeFigureOut">
               <a:rPr lang="en-US" smtClean="0"/>
-              <a:t>10/30/2020</a:t>
+              <a:t>10/31/2020</a:t>
             </a:fld>
             <a:endParaRPr lang="en-US"/>
           </a:p>
@@ -787,7 +3087,7 @@
           <a:p>
             <a:fld id="{A68056CC-85B4-42FC-A121-6126DB859339}" type="datetimeFigureOut">
               <a:rPr lang="en-US" smtClean="0"/>
-              <a:t>10/30/2020</a:t>
+              <a:t>10/31/2020</a:t>
             </a:fld>
             <a:endParaRPr lang="en-US"/>
           </a:p>
@@ -1048,7 +3348,7 @@
           <a:p>
             <a:fld id="{A68056CC-85B4-42FC-A121-6126DB859339}" type="datetimeFigureOut">
               <a:rPr lang="en-US" smtClean="0"/>
-              <a:t>10/30/2020</a:t>
+              <a:t>10/31/2020</a:t>
             </a:fld>
             <a:endParaRPr lang="en-US"/>
           </a:p>
@@ -1474,7 +3774,7 @@
           <a:p>
             <a:fld id="{A68056CC-85B4-42FC-A121-6126DB859339}" type="datetimeFigureOut">
               <a:rPr lang="en-US" smtClean="0"/>
-              <a:t>10/30/2020</a:t>
+              <a:t>10/31/2020</a:t>
             </a:fld>
             <a:endParaRPr lang="en-US"/>
           </a:p>
@@ -2020,7 +4320,7 @@
           <a:p>
             <a:fld id="{A68056CC-85B4-42FC-A121-6126DB859339}" type="datetimeFigureOut">
               <a:rPr lang="en-US" smtClean="0"/>
-              <a:t>10/30/2020</a:t>
+              <a:t>10/31/2020</a:t>
             </a:fld>
             <a:endParaRPr lang="en-US"/>
           </a:p>
@@ -2851,7 +5151,7 @@
           <a:p>
             <a:fld id="{A68056CC-85B4-42FC-A121-6126DB859339}" type="datetimeFigureOut">
               <a:rPr lang="en-US" smtClean="0"/>
-              <a:t>10/30/2020</a:t>
+              <a:t>10/31/2020</a:t>
             </a:fld>
             <a:endParaRPr lang="en-US"/>
           </a:p>
@@ -3021,7 +5321,7 @@
           <a:p>
             <a:fld id="{A68056CC-85B4-42FC-A121-6126DB859339}" type="datetimeFigureOut">
               <a:rPr lang="en-US" smtClean="0"/>
-              <a:t>10/30/2020</a:t>
+              <a:t>10/31/2020</a:t>
             </a:fld>
             <a:endParaRPr lang="en-US"/>
           </a:p>
@@ -3201,7 +5501,7 @@
           <a:p>
             <a:fld id="{A68056CC-85B4-42FC-A121-6126DB859339}" type="datetimeFigureOut">
               <a:rPr lang="en-US" smtClean="0"/>
-              <a:t>10/30/2020</a:t>
+              <a:t>10/31/2020</a:t>
             </a:fld>
             <a:endParaRPr lang="en-US"/>
           </a:p>
@@ -3371,7 +5671,7 @@
           <a:p>
             <a:fld id="{A68056CC-85B4-42FC-A121-6126DB859339}" type="datetimeFigureOut">
               <a:rPr lang="en-US" smtClean="0"/>
-              <a:t>10/30/2020</a:t>
+              <a:t>10/31/2020</a:t>
             </a:fld>
             <a:endParaRPr lang="en-US"/>
           </a:p>
@@ -3628,7 +5928,7 @@
           <a:p>
             <a:fld id="{A68056CC-85B4-42FC-A121-6126DB859339}" type="datetimeFigureOut">
               <a:rPr lang="en-US" smtClean="0"/>
-              <a:t>10/30/2020</a:t>
+              <a:t>10/31/2020</a:t>
             </a:fld>
             <a:endParaRPr lang="en-US"/>
           </a:p>
@@ -3860,7 +6160,7 @@
           <a:p>
             <a:fld id="{A68056CC-85B4-42FC-A121-6126DB859339}" type="datetimeFigureOut">
               <a:rPr lang="en-US" smtClean="0"/>
-              <a:t>10/30/2020</a:t>
+              <a:t>10/31/2020</a:t>
             </a:fld>
             <a:endParaRPr lang="en-US"/>
           </a:p>
@@ -4255,7 +6555,7 @@
           <a:p>
             <a:fld id="{A68056CC-85B4-42FC-A121-6126DB859339}" type="datetimeFigureOut">
               <a:rPr lang="en-US" smtClean="0"/>
-              <a:t>10/30/2020</a:t>
+              <a:t>10/31/2020</a:t>
             </a:fld>
             <a:endParaRPr lang="en-US"/>
           </a:p>
@@ -4373,7 +6673,7 @@
           <a:p>
             <a:fld id="{A68056CC-85B4-42FC-A121-6126DB859339}" type="datetimeFigureOut">
               <a:rPr lang="en-US" smtClean="0"/>
-              <a:t>10/30/2020</a:t>
+              <a:t>10/31/2020</a:t>
             </a:fld>
             <a:endParaRPr lang="en-US"/>
           </a:p>
@@ -4468,7 +6768,7 @@
           <a:p>
             <a:fld id="{A68056CC-85B4-42FC-A121-6126DB859339}" type="datetimeFigureOut">
               <a:rPr lang="en-US" smtClean="0"/>
-              <a:t>10/30/2020</a:t>
+              <a:t>10/31/2020</a:t>
             </a:fld>
             <a:endParaRPr lang="en-US"/>
           </a:p>
@@ -4743,7 +7043,7 @@
           <a:p>
             <a:fld id="{A68056CC-85B4-42FC-A121-6126DB859339}" type="datetimeFigureOut">
               <a:rPr lang="en-US" smtClean="0"/>
-              <a:t>10/30/2020</a:t>
+              <a:t>10/31/2020</a:t>
             </a:fld>
             <a:endParaRPr lang="en-US"/>
           </a:p>
@@ -5026,7 +7326,7 @@
           <a:p>
             <a:fld id="{A68056CC-85B4-42FC-A121-6126DB859339}" type="datetimeFigureOut">
               <a:rPr lang="en-US" smtClean="0"/>
-              <a:t>10/30/2020</a:t>
+              <a:t>10/31/2020</a:t>
             </a:fld>
             <a:endParaRPr lang="en-US"/>
           </a:p>
@@ -5266,7 +7566,7 @@
           <a:p>
             <a:fld id="{A68056CC-85B4-42FC-A121-6126DB859339}" type="datetimeFigureOut">
               <a:rPr lang="en-US" smtClean="0"/>
-              <a:t>10/30/2020</a:t>
+              <a:t>10/31/2020</a:t>
             </a:fld>
             <a:endParaRPr lang="en-US"/>
           </a:p>
@@ -5884,7 +8184,7 @@
           <a:p>
             <a:r>
               <a:rPr lang="en-US" dirty="0"/>
-              <a:t>-Projecting energy usage shifts in 2020</a:t>
+              <a:t>-Projecting energy usage shifts</a:t>
             </a:r>
           </a:p>
         </p:txBody>
@@ -5902,7 +8202,7 @@
 </p:sld>
 </file>
 
-<file path=ppt/slides/slide2.xml><?xml version="1.0" encoding="utf-8"?>
+<file path=ppt/slides/slide10.xml><?xml version="1.0" encoding="utf-8"?>
 <p:sld xmlns:a="http://schemas.openxmlformats.org/drawingml/2006/main" xmlns:r="http://schemas.openxmlformats.org/officeDocument/2006/relationships" xmlns:p="http://schemas.openxmlformats.org/presentationml/2006/main">
   <p:cSld>
     <p:spTree>
@@ -5947,7 +8247,7 @@
           <a:p>
             <a:r>
               <a:rPr lang="en-US" dirty="0"/>
-              <a:t>Electricity Usage – 2010 </a:t>
+              <a:t>Energy Usage – 2020 </a:t>
             </a:r>
           </a:p>
         </p:txBody>
@@ -5970,7 +8270,7 @@
         </p:nvSpPr>
         <p:spPr>
           <a:xfrm>
-            <a:off x="628650" y="1108274"/>
+            <a:off x="504363" y="1436748"/>
             <a:ext cx="3943350" cy="693429"/>
           </a:xfrm>
         </p:spPr>
@@ -5997,8 +8297,8 @@
               </a:lnSpc>
             </a:pPr>
             <a:r>
-              <a:rPr lang="en-US" sz="1600" dirty="0"/>
-              <a:t>27% of total electricity used in Chicago</a:t>
+              <a:rPr lang="en-US" sz="1800" dirty="0"/>
+              <a:t>Roughly 50% of people are working from home</a:t>
             </a:r>
           </a:p>
           <a:p>
@@ -6008,8 +8308,8 @@
               </a:lnSpc>
             </a:pPr>
             <a:r>
-              <a:rPr lang="en-US" sz="1600" dirty="0"/>
-              <a:t>Single Family homes accounted for 57% of residential use </a:t>
+              <a:rPr lang="en-US" sz="1800" dirty="0"/>
+              <a:t>During work from home hours, residents will use about 4 times as much energy</a:t>
             </a:r>
           </a:p>
         </p:txBody>
@@ -6030,8 +8330,8 @@
         </p:nvSpPr>
         <p:spPr>
           <a:xfrm>
-            <a:off x="4882718" y="1108274"/>
-            <a:ext cx="4021507" cy="487916"/>
+            <a:off x="4758431" y="1436747"/>
+            <a:ext cx="4021507" cy="764915"/>
           </a:xfrm>
           <a:prstGeom prst="rect">
             <a:avLst/>
@@ -6310,82 +8610,22 @@
             <a:pPr lvl="1"/>
             <a:r>
               <a:rPr lang="en-US" sz="6400" dirty="0"/>
-              <a:t>46% of total electricity used in Chicago</a:t>
+              <a:t>Commercial use buildings are at about 30% capacity</a:t>
             </a:r>
           </a:p>
           <a:p>
             <a:pPr lvl="1"/>
             <a:r>
               <a:rPr lang="en-US" sz="6400" dirty="0"/>
-              <a:t>The Loop accounted for 25% of commercial use</a:t>
-            </a:r>
-          </a:p>
-        </p:txBody>
-      </p:sp>
-      <p:pic>
-        <p:nvPicPr>
-          <p:cNvPr id="6" name="Picture 5">
-            <a:extLst>
-              <a:ext uri="{FF2B5EF4-FFF2-40B4-BE49-F238E27FC236}">
-                <a16:creationId xmlns:a16="http://schemas.microsoft.com/office/drawing/2014/main" id="{E6F36EFC-5C93-47E2-A06F-D1546D49F444}"/>
-              </a:ext>
-            </a:extLst>
-          </p:cNvPr>
-          <p:cNvPicPr>
-            <a:picLocks noChangeAspect="1"/>
-          </p:cNvPicPr>
-          <p:nvPr/>
-        </p:nvPicPr>
-        <p:blipFill>
-          <a:blip r:embed="rId2"/>
-          <a:stretch>
-            <a:fillRect/>
-          </a:stretch>
-        </p:blipFill>
-        <p:spPr>
-          <a:xfrm>
-            <a:off x="4683479" y="2432866"/>
-            <a:ext cx="4419983" cy="3238228"/>
-          </a:xfrm>
-          <a:prstGeom prst="rect">
-            <a:avLst/>
-          </a:prstGeom>
-        </p:spPr>
-      </p:pic>
-      <p:pic>
-        <p:nvPicPr>
-          <p:cNvPr id="7" name="Picture 6">
-            <a:extLst>
-              <a:ext uri="{FF2B5EF4-FFF2-40B4-BE49-F238E27FC236}">
-                <a16:creationId xmlns:a16="http://schemas.microsoft.com/office/drawing/2014/main" id="{C18E2046-824F-4A5D-89E9-0B8247D5D252}"/>
-              </a:ext>
-            </a:extLst>
-          </p:cNvPr>
-          <p:cNvPicPr>
-            <a:picLocks noChangeAspect="1"/>
-          </p:cNvPicPr>
-          <p:nvPr/>
-        </p:nvPicPr>
-        <p:blipFill>
-          <a:blip r:embed="rId3"/>
-          <a:stretch>
-            <a:fillRect/>
-          </a:stretch>
-        </p:blipFill>
-        <p:spPr>
-          <a:xfrm>
-            <a:off x="152017" y="2433837"/>
-            <a:ext cx="4419983" cy="3237257"/>
-          </a:xfrm>
-          <a:prstGeom prst="rect">
-            <a:avLst/>
-          </a:prstGeom>
-        </p:spPr>
-      </p:pic>
+              <a:t>CTA ridership is down by about 65-70%, but costs and energy use is only down marginally</a:t>
+            </a:r>
+          </a:p>
+        </p:txBody>
+      </p:sp>
     </p:spTree>
     <p:extLst>
       <p:ext uri="{BB962C8B-B14F-4D97-AF65-F5344CB8AC3E}">
-        <p14:creationId xmlns:p14="http://schemas.microsoft.com/office/powerpoint/2010/main" val="1407976368"/>
+        <p14:creationId xmlns:p14="http://schemas.microsoft.com/office/powerpoint/2010/main" val="2266273240"/>
       </p:ext>
     </p:extLst>
   </p:cSld>
@@ -6395,7 +8635,7 @@
 </p:sld>
 </file>
 
-<file path=ppt/slides/slide3.xml><?xml version="1.0" encoding="utf-8"?>
+<file path=ppt/slides/slide11.xml><?xml version="1.0" encoding="utf-8"?>
 <p:sld xmlns:a="http://schemas.openxmlformats.org/drawingml/2006/main" xmlns:r="http://schemas.openxmlformats.org/officeDocument/2006/relationships" xmlns:p="http://schemas.openxmlformats.org/presentationml/2006/main">
   <p:cSld>
     <p:spTree>
@@ -6414,6 +8654,190 @@
       </p:grpSpPr>
       <p:sp>
         <p:nvSpPr>
+          <p:cNvPr id="6" name="TextBox 5">
+            <a:extLst>
+              <a:ext uri="{FF2B5EF4-FFF2-40B4-BE49-F238E27FC236}">
+                <a16:creationId xmlns:a16="http://schemas.microsoft.com/office/drawing/2014/main" id="{52C5BF91-AD74-425E-A22A-82BEF409135D}"/>
+              </a:ext>
+            </a:extLst>
+          </p:cNvPr>
+          <p:cNvSpPr txBox="1"/>
+          <p:nvPr/>
+        </p:nvSpPr>
+        <p:spPr>
+          <a:xfrm>
+            <a:off x="70782" y="956869"/>
+            <a:ext cx="2557009" cy="2585323"/>
+          </a:xfrm>
+          <a:prstGeom prst="rect">
+            <a:avLst/>
+          </a:prstGeom>
+          <a:noFill/>
+        </p:spPr>
+        <p:txBody>
+          <a:bodyPr wrap="square" rtlCol="0">
+            <a:spAutoFit/>
+          </a:bodyPr>
+          <a:lstStyle/>
+          <a:p>
+            <a:pPr marL="285750" indent="-285750">
+              <a:buFontTx/>
+              <a:buChar char="-"/>
+            </a:pPr>
+            <a:r>
+              <a:rPr lang="en-US" dirty="0"/>
+              <a:t>Chicago Loop LEED focused renovations are outpacing similar renovations in other parts of the city as non-residential real estate works to become more energy conscious. </a:t>
+            </a:r>
+          </a:p>
+        </p:txBody>
+      </p:sp>
+      <p:graphicFrame>
+        <p:nvGraphicFramePr>
+          <p:cNvPr id="7" name="Chart 6">
+            <a:extLst>
+              <a:ext uri="{FF2B5EF4-FFF2-40B4-BE49-F238E27FC236}">
+                <a16:creationId xmlns:a16="http://schemas.microsoft.com/office/drawing/2014/main" id="{AC02AD67-B2F3-48B8-B2EC-81A94357D9D9}"/>
+              </a:ext>
+            </a:extLst>
+          </p:cNvPr>
+          <p:cNvGraphicFramePr/>
+          <p:nvPr>
+            <p:extLst>
+              <p:ext uri="{D42A27DB-BD31-4B8C-83A1-F6EECF244321}">
+                <p14:modId xmlns:p14="http://schemas.microsoft.com/office/powerpoint/2010/main" val="23675296"/>
+              </p:ext>
+            </p:extLst>
+          </p:nvPr>
+        </p:nvGraphicFramePr>
+        <p:xfrm>
+          <a:off x="2931431" y="1212571"/>
+          <a:ext cx="5955118" cy="5197107"/>
+        </p:xfrm>
+        <a:graphic>
+          <a:graphicData uri="http://schemas.openxmlformats.org/drawingml/2006/chart">
+            <c:chart xmlns:c="http://schemas.openxmlformats.org/drawingml/2006/chart" xmlns:r="http://schemas.openxmlformats.org/officeDocument/2006/relationships" r:id="rId2"/>
+          </a:graphicData>
+        </a:graphic>
+      </p:graphicFrame>
+      <p:sp>
+        <p:nvSpPr>
+          <p:cNvPr id="8" name="TextBox 7">
+            <a:extLst>
+              <a:ext uri="{FF2B5EF4-FFF2-40B4-BE49-F238E27FC236}">
+                <a16:creationId xmlns:a16="http://schemas.microsoft.com/office/drawing/2014/main" id="{DFA3873E-880C-4811-ACA3-CF6AE537FBB0}"/>
+              </a:ext>
+            </a:extLst>
+          </p:cNvPr>
+          <p:cNvSpPr txBox="1"/>
+          <p:nvPr/>
+        </p:nvSpPr>
+        <p:spPr>
+          <a:xfrm>
+            <a:off x="4377531" y="772203"/>
+            <a:ext cx="2692084" cy="369332"/>
+          </a:xfrm>
+          <a:prstGeom prst="rect">
+            <a:avLst/>
+          </a:prstGeom>
+          <a:noFill/>
+        </p:spPr>
+        <p:txBody>
+          <a:bodyPr wrap="none" rtlCol="0">
+            <a:spAutoFit/>
+          </a:bodyPr>
+          <a:lstStyle/>
+          <a:p>
+            <a:r>
+              <a:rPr lang="en-US" dirty="0"/>
+              <a:t>Chicago Loop Construction</a:t>
+            </a:r>
+          </a:p>
+        </p:txBody>
+      </p:sp>
+    </p:spTree>
+    <p:extLst>
+      <p:ext uri="{BB962C8B-B14F-4D97-AF65-F5344CB8AC3E}">
+        <p14:creationId xmlns:p14="http://schemas.microsoft.com/office/powerpoint/2010/main" val="3529666802"/>
+      </p:ext>
+    </p:extLst>
+  </p:cSld>
+  <p:clrMapOvr>
+    <a:masterClrMapping/>
+  </p:clrMapOvr>
+</p:sld>
+</file>
+
+<file path=ppt/slides/slide12.xml><?xml version="1.0" encoding="utf-8"?>
+<p:sld xmlns:a="http://schemas.openxmlformats.org/drawingml/2006/main" xmlns:r="http://schemas.openxmlformats.org/officeDocument/2006/relationships" xmlns:p="http://schemas.openxmlformats.org/presentationml/2006/main">
+  <p:cSld>
+    <p:spTree>
+      <p:nvGrpSpPr>
+        <p:cNvPr id="1" name=""/>
+        <p:cNvGrpSpPr/>
+        <p:nvPr/>
+      </p:nvGrpSpPr>
+      <p:grpSpPr>
+        <a:xfrm>
+          <a:off x="0" y="0"/>
+          <a:ext cx="0" cy="0"/>
+          <a:chOff x="0" y="0"/>
+          <a:chExt cx="0" cy="0"/>
+        </a:xfrm>
+      </p:grpSpPr>
+      <p:graphicFrame>
+        <p:nvGraphicFramePr>
+          <p:cNvPr id="4" name="Chart 3">
+            <a:extLst>
+              <a:ext uri="{FF2B5EF4-FFF2-40B4-BE49-F238E27FC236}">
+                <a16:creationId xmlns:a16="http://schemas.microsoft.com/office/drawing/2014/main" id="{313949B7-3804-3D47-88EC-ED311C520493}"/>
+              </a:ext>
+            </a:extLst>
+          </p:cNvPr>
+          <p:cNvGraphicFramePr/>
+          <p:nvPr/>
+        </p:nvGraphicFramePr>
+        <p:xfrm>
+          <a:off x="815546" y="1311361"/>
+          <a:ext cx="7423322" cy="4142603"/>
+        </p:xfrm>
+        <a:graphic>
+          <a:graphicData uri="http://schemas.openxmlformats.org/drawingml/2006/chart">
+            <c:chart xmlns:c="http://schemas.openxmlformats.org/drawingml/2006/chart" xmlns:r="http://schemas.openxmlformats.org/officeDocument/2006/relationships" r:id="rId2"/>
+          </a:graphicData>
+        </a:graphic>
+      </p:graphicFrame>
+    </p:spTree>
+    <p:extLst>
+      <p:ext uri="{BB962C8B-B14F-4D97-AF65-F5344CB8AC3E}">
+        <p14:creationId xmlns:p14="http://schemas.microsoft.com/office/powerpoint/2010/main" val="1873254137"/>
+      </p:ext>
+    </p:extLst>
+  </p:cSld>
+  <p:clrMapOvr>
+    <a:masterClrMapping/>
+  </p:clrMapOvr>
+</p:sld>
+</file>
+
+<file path=ppt/slides/slide13.xml><?xml version="1.0" encoding="utf-8"?>
+<p:sld xmlns:a="http://schemas.openxmlformats.org/drawingml/2006/main" xmlns:r="http://schemas.openxmlformats.org/officeDocument/2006/relationships" xmlns:p="http://schemas.openxmlformats.org/presentationml/2006/main">
+  <p:cSld>
+    <p:spTree>
+      <p:nvGrpSpPr>
+        <p:cNvPr id="1" name=""/>
+        <p:cNvGrpSpPr/>
+        <p:nvPr/>
+      </p:nvGrpSpPr>
+      <p:grpSpPr>
+        <a:xfrm>
+          <a:off x="0" y="0"/>
+          <a:ext cx="0" cy="0"/>
+          <a:chOff x="0" y="0"/>
+          <a:chExt cx="0" cy="0"/>
+        </a:xfrm>
+      </p:grpSpPr>
+      <p:sp>
+        <p:nvSpPr>
           <p:cNvPr id="2" name="Title 1">
             <a:extLst>
               <a:ext uri="{FF2B5EF4-FFF2-40B4-BE49-F238E27FC236}">
@@ -6440,7 +8864,7 @@
           <a:p>
             <a:r>
               <a:rPr lang="en-US" dirty="0"/>
-              <a:t>Gas Usage – 2010 </a:t>
+              <a:t>Energy Usage Projections – 2020 </a:t>
             </a:r>
           </a:p>
         </p:txBody>
@@ -6463,38 +8887,70 @@
         </p:nvSpPr>
         <p:spPr>
           <a:xfrm>
-            <a:off x="310718" y="1104985"/>
-            <a:ext cx="4049932" cy="561045"/>
+            <a:off x="628650" y="1108274"/>
+            <a:ext cx="3943350" cy="1324592"/>
           </a:xfrm>
         </p:spPr>
         <p:txBody>
           <a:bodyPr>
-            <a:normAutofit fontScale="25000" lnSpcReduction="20000"/>
+            <a:noAutofit/>
           </a:bodyPr>
           <a:lstStyle/>
           <a:p>
-            <a:r>
-              <a:rPr lang="en-US" sz="8800" dirty="0"/>
-              <a:t>Residential Use</a:t>
-            </a:r>
-          </a:p>
-          <a:p>
-            <a:pPr lvl="1"/>
-            <a:r>
-              <a:rPr lang="en-US" sz="6400" dirty="0"/>
-              <a:t>53% of total natural gas used in Chicago</a:t>
-            </a:r>
-          </a:p>
-          <a:p>
-            <a:pPr lvl="1"/>
-            <a:r>
-              <a:rPr lang="en-US" sz="6600" dirty="0"/>
-              <a:t>Single Family homes accounted for 52% of residential gas use</a:t>
-            </a:r>
-          </a:p>
-          <a:p>
-            <a:pPr lvl="1"/>
-            <a:endParaRPr lang="en-US" sz="6400" dirty="0"/>
+            <a:pPr>
+              <a:lnSpc>
+                <a:spcPct val="70000"/>
+              </a:lnSpc>
+            </a:pPr>
+            <a:r>
+              <a:rPr lang="en-US" dirty="0"/>
+              <a:t>Electricity</a:t>
+            </a:r>
+          </a:p>
+          <a:p>
+            <a:pPr lvl="1">
+              <a:lnSpc>
+                <a:spcPct val="70000"/>
+              </a:lnSpc>
+            </a:pPr>
+            <a:r>
+              <a:rPr lang="en-US" sz="1800" dirty="0"/>
+              <a:t>Residential ~ 6.2B KWH</a:t>
+            </a:r>
+          </a:p>
+          <a:p>
+            <a:pPr lvl="2">
+              <a:lnSpc>
+                <a:spcPct val="70000"/>
+              </a:lnSpc>
+            </a:pPr>
+            <a:r>
+              <a:rPr lang="en-US" sz="1400" dirty="0"/>
+              <a:t>+2.1B KWH</a:t>
+            </a:r>
+          </a:p>
+          <a:p>
+            <a:pPr lvl="1">
+              <a:lnSpc>
+                <a:spcPct val="70000"/>
+              </a:lnSpc>
+            </a:pPr>
+            <a:r>
+              <a:rPr lang="en-US" sz="1800" dirty="0"/>
+              <a:t>Commercial ~ 6.4B KWH</a:t>
+            </a:r>
+          </a:p>
+          <a:p>
+            <a:pPr lvl="2">
+              <a:lnSpc>
+                <a:spcPct val="70000"/>
+              </a:lnSpc>
+            </a:pPr>
+            <a:r>
+              <a:rPr lang="en-US" sz="1400" dirty="0"/>
+              <a:t>-0.8B KWH</a:t>
+            </a:r>
+            <a:endParaRPr lang="en-US" dirty="0"/>
           </a:p>
         </p:txBody>
       </p:sp>
@@ -6514,8 +8970,8 @@
         </p:nvSpPr>
         <p:spPr>
           <a:xfrm>
-            <a:off x="4914774" y="1100261"/>
-            <a:ext cx="4158206" cy="561045"/>
+            <a:off x="4850654" y="1048609"/>
+            <a:ext cx="4021507" cy="747159"/>
           </a:xfrm>
           <a:prstGeom prst="rect">
             <a:avLst/>
@@ -6523,7 +8979,7 @@
         </p:spPr>
         <p:txBody>
           <a:bodyPr vert="horz" lIns="91440" tIns="45720" rIns="91440" bIns="45720" rtlCol="0">
-            <a:normAutofit fontScale="25000" lnSpcReduction="20000"/>
+            <a:noAutofit/>
           </a:bodyPr>
           <a:lstStyle>
             <a:lvl1pPr marL="171450" indent="-171450" algn="l" defTabSz="685800" rtl="0" eaLnBrk="1" latinLnBrk="0" hangingPunct="1">
@@ -6785,37 +9241,99 @@
             </a:lvl9pPr>
           </a:lstStyle>
           <a:p>
-            <a:r>
-              <a:rPr lang="en-US" sz="8800" dirty="0"/>
-              <a:t>Commercial Use</a:t>
-            </a:r>
-          </a:p>
-          <a:p>
-            <a:pPr lvl="1"/>
-            <a:r>
-              <a:rPr lang="en-US" sz="6400" dirty="0"/>
-              <a:t>30% of total natural gas used in Chicago</a:t>
-            </a:r>
-          </a:p>
-          <a:p>
-            <a:pPr lvl="1"/>
-            <a:r>
-              <a:rPr lang="en-US" sz="6600" dirty="0"/>
-              <a:t>The Loop accounted for 10% of commercial gas use</a:t>
-            </a:r>
-          </a:p>
-          <a:p>
-            <a:pPr lvl="1"/>
-            <a:endParaRPr lang="en-US" sz="6400" dirty="0"/>
+            <a:pPr marR="0" lvl="0" fontAlgn="auto">
+              <a:spcBef>
+                <a:spcPts val="750"/>
+              </a:spcBef>
+              <a:spcAft>
+                <a:spcPts val="0"/>
+              </a:spcAft>
+              <a:buClrTx/>
+              <a:buSzTx/>
+              <a:tabLst/>
+              <a:defRPr/>
+            </a:pPr>
+            <a:r>
+              <a:rPr lang="en-US" dirty="0"/>
+              <a:t>Gas</a:t>
+            </a:r>
+          </a:p>
+          <a:p>
+            <a:pPr lvl="1">
+              <a:lnSpc>
+                <a:spcPct val="70000"/>
+              </a:lnSpc>
+            </a:pPr>
+            <a:r>
+              <a:rPr lang="en-US" sz="1800" dirty="0"/>
+              <a:t>Residential ~ 972M </a:t>
+            </a:r>
+            <a:r>
+              <a:rPr lang="en-US" sz="1800" dirty="0" err="1"/>
+              <a:t>Therms</a:t>
+            </a:r>
+            <a:endParaRPr lang="en-US" sz="1800" dirty="0"/>
+          </a:p>
+          <a:p>
+            <a:pPr lvl="2">
+              <a:lnSpc>
+                <a:spcPct val="70000"/>
+              </a:lnSpc>
+            </a:pPr>
+            <a:r>
+              <a:rPr lang="en-US" sz="1800" dirty="0"/>
+              <a:t>+</a:t>
+            </a:r>
+            <a:r>
+              <a:rPr lang="en-US" sz="1400" dirty="0"/>
+              <a:t>278M </a:t>
+            </a:r>
+            <a:r>
+              <a:rPr lang="en-US" sz="1400" dirty="0" err="1"/>
+              <a:t>Therms</a:t>
+            </a:r>
+            <a:endParaRPr lang="en-US" sz="1400" dirty="0"/>
+          </a:p>
+          <a:p>
+            <a:pPr lvl="1">
+              <a:lnSpc>
+                <a:spcPct val="70000"/>
+              </a:lnSpc>
+            </a:pPr>
+            <a:r>
+              <a:rPr lang="en-US" sz="1800" dirty="0"/>
+              <a:t>Commercial ~ 311M </a:t>
+            </a:r>
+            <a:r>
+              <a:rPr lang="en-US" sz="1800" dirty="0" err="1"/>
+              <a:t>Therms</a:t>
+            </a:r>
+            <a:endParaRPr lang="en-US" sz="1800" dirty="0"/>
+          </a:p>
+          <a:p>
+            <a:pPr lvl="2">
+              <a:lnSpc>
+                <a:spcPct val="70000"/>
+              </a:lnSpc>
+            </a:pPr>
+            <a:r>
+              <a:rPr lang="en-US" sz="1400" dirty="0"/>
+              <a:t>-78M </a:t>
+            </a:r>
+            <a:r>
+              <a:rPr lang="en-US" sz="1400" dirty="0" err="1"/>
+              <a:t>Therms</a:t>
+            </a:r>
+            <a:endParaRPr lang="en-US" sz="1400" dirty="0"/>
           </a:p>
         </p:txBody>
       </p:sp>
       <p:pic>
         <p:nvPicPr>
-          <p:cNvPr id="4" name="Picture 3">
+          <p:cNvPr id="7" name="Picture 6">
             <a:extLst>
               <a:ext uri="{FF2B5EF4-FFF2-40B4-BE49-F238E27FC236}">
-                <a16:creationId xmlns:a16="http://schemas.microsoft.com/office/drawing/2014/main" id="{382B0ADE-0F6F-4740-8393-DCAF2ACA12FA}"/>
+                <a16:creationId xmlns:a16="http://schemas.microsoft.com/office/drawing/2014/main" id="{1145DE8C-0CAF-48FE-BAC6-00A193874BF7}"/>
               </a:ext>
             </a:extLst>
           </p:cNvPr>
@@ -6832,8 +9350,8 @@
         </p:blipFill>
         <p:spPr>
           <a:xfrm>
-            <a:off x="4652997" y="2760381"/>
-            <a:ext cx="4419983" cy="3246401"/>
+            <a:off x="57310" y="2349764"/>
+            <a:ext cx="4514690" cy="3276884"/>
           </a:xfrm>
           <a:prstGeom prst="rect">
             <a:avLst/>
@@ -6842,10 +9360,10 @@
       </p:pic>
       <p:pic>
         <p:nvPicPr>
-          <p:cNvPr id="8" name="Picture 7">
+          <p:cNvPr id="9" name="Picture 8">
             <a:extLst>
               <a:ext uri="{FF2B5EF4-FFF2-40B4-BE49-F238E27FC236}">
-                <a16:creationId xmlns:a16="http://schemas.microsoft.com/office/drawing/2014/main" id="{280D2B54-BF25-4D25-B370-1A376B2DB898}"/>
+                <a16:creationId xmlns:a16="http://schemas.microsoft.com/office/drawing/2014/main" id="{A9888BA1-AFAC-4D36-913E-C6A42724E561}"/>
               </a:ext>
             </a:extLst>
           </p:cNvPr>
@@ -6862,8 +9380,8 @@
         </p:blipFill>
         <p:spPr>
           <a:xfrm>
-            <a:off x="125692" y="2752760"/>
-            <a:ext cx="4419983" cy="3254022"/>
+            <a:off x="4636126" y="2380835"/>
+            <a:ext cx="4450564" cy="3254022"/>
           </a:xfrm>
           <a:prstGeom prst="rect">
             <a:avLst/>
@@ -6873,7 +9391,7 @@
     </p:spTree>
     <p:extLst>
       <p:ext uri="{BB962C8B-B14F-4D97-AF65-F5344CB8AC3E}">
-        <p14:creationId xmlns:p14="http://schemas.microsoft.com/office/powerpoint/2010/main" val="1227188968"/>
+        <p14:creationId xmlns:p14="http://schemas.microsoft.com/office/powerpoint/2010/main" val="2796846243"/>
       </p:ext>
     </p:extLst>
   </p:cSld>
@@ -6883,7 +9401,7 @@
 </p:sld>
 </file>
 
-<file path=ppt/slides/slide4.xml><?xml version="1.0" encoding="utf-8"?>
+<file path=ppt/slides/slide2.xml><?xml version="1.0" encoding="utf-8"?>
 <p:sld xmlns:a="http://schemas.openxmlformats.org/drawingml/2006/main" xmlns:r="http://schemas.openxmlformats.org/officeDocument/2006/relationships" xmlns:p="http://schemas.openxmlformats.org/presentationml/2006/main">
   <p:cSld>
     <p:spTree>
@@ -6918,8 +9436,8 @@
         </p:nvSpPr>
         <p:spPr>
           <a:xfrm>
-            <a:off x="628650" y="-222084"/>
-            <a:ext cx="7886700" cy="1420427"/>
+            <a:off x="628650" y="18255"/>
+            <a:ext cx="7886700" cy="1325563"/>
           </a:xfrm>
         </p:spPr>
         <p:txBody>
@@ -6928,7 +9446,7 @@
           <a:p>
             <a:r>
               <a:rPr lang="en-US" dirty="0"/>
-              <a:t>Key Stats – 2010 </a:t>
+              <a:t>Energy Usage – 2010 </a:t>
             </a:r>
           </a:p>
         </p:txBody>
@@ -6951,486 +9469,8 @@
         </p:nvSpPr>
         <p:spPr>
           <a:xfrm>
-            <a:off x="115409" y="1081640"/>
-            <a:ext cx="8913181" cy="5470079"/>
-          </a:xfrm>
-        </p:spPr>
-        <p:txBody>
-          <a:bodyPr/>
-          <a:lstStyle/>
-          <a:p>
-            <a:pPr lvl="1"/>
-            <a:endParaRPr lang="en-US" dirty="0"/>
-          </a:p>
-          <a:p>
-            <a:pPr lvl="1"/>
-            <a:endParaRPr lang="en-US" dirty="0"/>
-          </a:p>
-        </p:txBody>
-      </p:sp>
-      <p:pic>
-        <p:nvPicPr>
-          <p:cNvPr id="9" name="Picture 8">
-            <a:extLst>
-              <a:ext uri="{FF2B5EF4-FFF2-40B4-BE49-F238E27FC236}">
-                <a16:creationId xmlns:a16="http://schemas.microsoft.com/office/drawing/2014/main" id="{CED7D689-903E-4B45-B99C-487091023942}"/>
-              </a:ext>
-            </a:extLst>
-          </p:cNvPr>
-          <p:cNvPicPr>
-            <a:picLocks noChangeAspect="1"/>
-          </p:cNvPicPr>
-          <p:nvPr/>
-        </p:nvPicPr>
-        <p:blipFill>
-          <a:blip r:embed="rId2"/>
-          <a:stretch>
-            <a:fillRect/>
-          </a:stretch>
-        </p:blipFill>
-        <p:spPr>
-          <a:xfrm>
-            <a:off x="723213" y="1404805"/>
-            <a:ext cx="4732430" cy="2474737"/>
-          </a:xfrm>
-          <a:prstGeom prst="rect">
-            <a:avLst/>
-          </a:prstGeom>
-        </p:spPr>
-      </p:pic>
-      <p:sp>
-        <p:nvSpPr>
-          <p:cNvPr id="10" name="TextBox 9">
-            <a:extLst>
-              <a:ext uri="{FF2B5EF4-FFF2-40B4-BE49-F238E27FC236}">
-                <a16:creationId xmlns:a16="http://schemas.microsoft.com/office/drawing/2014/main" id="{C9F0DEC0-1C2B-4B1B-8D55-EDC82BB6685A}"/>
-              </a:ext>
-            </a:extLst>
-          </p:cNvPr>
-          <p:cNvSpPr txBox="1"/>
-          <p:nvPr/>
-        </p:nvSpPr>
-        <p:spPr>
-          <a:xfrm>
-            <a:off x="5653013" y="1404805"/>
-            <a:ext cx="3178206" cy="1754326"/>
-          </a:xfrm>
-          <a:prstGeom prst="rect">
-            <a:avLst/>
-          </a:prstGeom>
-          <a:noFill/>
-        </p:spPr>
-        <p:txBody>
-          <a:bodyPr wrap="square" rtlCol="0">
-            <a:spAutoFit/>
-          </a:bodyPr>
-          <a:lstStyle/>
-          <a:p>
-            <a:r>
-              <a:rPr lang="en-US" dirty="0"/>
-              <a:t>Building population increase is about 324 KW electricity a year across all building types</a:t>
-            </a:r>
-          </a:p>
-          <a:p>
-            <a:endParaRPr lang="en-US" dirty="0"/>
-          </a:p>
-          <a:p>
-            <a:r>
-              <a:rPr lang="en-US" dirty="0"/>
-              <a:t>The r-squared value is: 0.1342853598783616</a:t>
-            </a:r>
-          </a:p>
-        </p:txBody>
-      </p:sp>
-      <p:pic>
-        <p:nvPicPr>
-          <p:cNvPr id="13" name="Picture 12">
-            <a:extLst>
-              <a:ext uri="{FF2B5EF4-FFF2-40B4-BE49-F238E27FC236}">
-                <a16:creationId xmlns:a16="http://schemas.microsoft.com/office/drawing/2014/main" id="{1B65937A-D4C7-46D8-B208-06E964CEB112}"/>
-              </a:ext>
-            </a:extLst>
-          </p:cNvPr>
-          <p:cNvPicPr>
-            <a:picLocks noChangeAspect="1"/>
-          </p:cNvPicPr>
-          <p:nvPr/>
-        </p:nvPicPr>
-        <p:blipFill>
-          <a:blip r:embed="rId3"/>
-          <a:stretch>
-            <a:fillRect/>
-          </a:stretch>
-        </p:blipFill>
-        <p:spPr>
-          <a:xfrm>
-            <a:off x="723213" y="3953778"/>
-            <a:ext cx="4732430" cy="2804403"/>
-          </a:xfrm>
-          <a:prstGeom prst="rect">
-            <a:avLst/>
-          </a:prstGeom>
-        </p:spPr>
-      </p:pic>
-      <p:sp>
-        <p:nvSpPr>
-          <p:cNvPr id="14" name="TextBox 13">
-            <a:extLst>
-              <a:ext uri="{FF2B5EF4-FFF2-40B4-BE49-F238E27FC236}">
-                <a16:creationId xmlns:a16="http://schemas.microsoft.com/office/drawing/2014/main" id="{4DE65D20-B88C-48C3-8E4E-F0E0098DA520}"/>
-              </a:ext>
-            </a:extLst>
-          </p:cNvPr>
-          <p:cNvSpPr txBox="1"/>
-          <p:nvPr/>
-        </p:nvSpPr>
-        <p:spPr>
-          <a:xfrm>
-            <a:off x="5583471" y="3878651"/>
-            <a:ext cx="3178206" cy="1754326"/>
-          </a:xfrm>
-          <a:prstGeom prst="rect">
-            <a:avLst/>
-          </a:prstGeom>
-          <a:noFill/>
-        </p:spPr>
-        <p:txBody>
-          <a:bodyPr wrap="square" rtlCol="0">
-            <a:spAutoFit/>
-          </a:bodyPr>
-          <a:lstStyle/>
-          <a:p>
-            <a:r>
-              <a:rPr lang="en-US" dirty="0"/>
-              <a:t>Building population increase is about 294 THERMS a year across all building types</a:t>
-            </a:r>
-          </a:p>
-          <a:p>
-            <a:endParaRPr lang="en-US" dirty="0"/>
-          </a:p>
-          <a:p>
-            <a:r>
-              <a:rPr lang="en-US" dirty="0"/>
-              <a:t>The r-squared is: 0.12900909046920275</a:t>
-            </a:r>
-          </a:p>
-        </p:txBody>
-      </p:sp>
-    </p:spTree>
-    <p:extLst>
-      <p:ext uri="{BB962C8B-B14F-4D97-AF65-F5344CB8AC3E}">
-        <p14:creationId xmlns:p14="http://schemas.microsoft.com/office/powerpoint/2010/main" val="1796831736"/>
-      </p:ext>
-    </p:extLst>
-  </p:cSld>
-  <p:clrMapOvr>
-    <a:masterClrMapping/>
-  </p:clrMapOvr>
-</p:sld>
-</file>
-
-<file path=ppt/slides/slide5.xml><?xml version="1.0" encoding="utf-8"?>
-<p:sld xmlns:a="http://schemas.openxmlformats.org/drawingml/2006/main" xmlns:r="http://schemas.openxmlformats.org/officeDocument/2006/relationships" xmlns:p="http://schemas.openxmlformats.org/presentationml/2006/main">
-  <p:cSld>
-    <p:spTree>
-      <p:nvGrpSpPr>
-        <p:cNvPr id="1" name=""/>
-        <p:cNvGrpSpPr/>
-        <p:nvPr/>
-      </p:nvGrpSpPr>
-      <p:grpSpPr>
-        <a:xfrm>
-          <a:off x="0" y="0"/>
-          <a:ext cx="0" cy="0"/>
-          <a:chOff x="0" y="0"/>
-          <a:chExt cx="0" cy="0"/>
-        </a:xfrm>
-      </p:grpSpPr>
-      <p:sp>
-        <p:nvSpPr>
-          <p:cNvPr id="2" name="Title 1">
-            <a:extLst>
-              <a:ext uri="{FF2B5EF4-FFF2-40B4-BE49-F238E27FC236}">
-                <a16:creationId xmlns:a16="http://schemas.microsoft.com/office/drawing/2014/main" id="{BE900F1E-1BC1-43CA-82E8-8C6DB95AE681}"/>
-              </a:ext>
-            </a:extLst>
-          </p:cNvPr>
-          <p:cNvSpPr>
-            <a:spLocks noGrp="1"/>
-          </p:cNvSpPr>
-          <p:nvPr>
-            <p:ph type="title"/>
-          </p:nvPr>
-        </p:nvSpPr>
-        <p:spPr>
-          <a:xfrm>
-            <a:off x="628650" y="79900"/>
-            <a:ext cx="7886700" cy="1056300"/>
-          </a:xfrm>
-        </p:spPr>
-        <p:txBody>
-          <a:bodyPr/>
-          <a:lstStyle/>
-          <a:p>
-            <a:r>
-              <a:rPr lang="en-US" dirty="0"/>
-              <a:t>Key Stats  </a:t>
-            </a:r>
-          </a:p>
-        </p:txBody>
-      </p:sp>
-      <p:pic>
-        <p:nvPicPr>
-          <p:cNvPr id="6" name="Picture 5">
-            <a:extLst>
-              <a:ext uri="{FF2B5EF4-FFF2-40B4-BE49-F238E27FC236}">
-                <a16:creationId xmlns:a16="http://schemas.microsoft.com/office/drawing/2014/main" id="{6D67B3E3-9203-4223-B59B-938D61EC59B3}"/>
-              </a:ext>
-            </a:extLst>
-          </p:cNvPr>
-          <p:cNvPicPr>
-            <a:picLocks noChangeAspect="1"/>
-          </p:cNvPicPr>
-          <p:nvPr/>
-        </p:nvPicPr>
-        <p:blipFill>
-          <a:blip r:embed="rId2"/>
-          <a:stretch>
-            <a:fillRect/>
-          </a:stretch>
-        </p:blipFill>
-        <p:spPr>
-          <a:xfrm>
-            <a:off x="1935332" y="1782816"/>
-            <a:ext cx="5273335" cy="3574619"/>
-          </a:xfrm>
-          <a:prstGeom prst="rect">
-            <a:avLst/>
-          </a:prstGeom>
-        </p:spPr>
-      </p:pic>
-      <p:sp>
-        <p:nvSpPr>
-          <p:cNvPr id="7" name="TextBox 6">
-            <a:extLst>
-              <a:ext uri="{FF2B5EF4-FFF2-40B4-BE49-F238E27FC236}">
-                <a16:creationId xmlns:a16="http://schemas.microsoft.com/office/drawing/2014/main" id="{2A0CE91D-5720-4083-AB0B-FA7A11A6C16A}"/>
-              </a:ext>
-            </a:extLst>
-          </p:cNvPr>
-          <p:cNvSpPr txBox="1"/>
-          <p:nvPr/>
-        </p:nvSpPr>
-        <p:spPr>
-          <a:xfrm>
-            <a:off x="825623" y="1020932"/>
-            <a:ext cx="5474384" cy="646331"/>
-          </a:xfrm>
-          <a:prstGeom prst="rect">
-            <a:avLst/>
-          </a:prstGeom>
-          <a:noFill/>
-        </p:spPr>
-        <p:txBody>
-          <a:bodyPr wrap="none" rtlCol="0">
-            <a:spAutoFit/>
-          </a:bodyPr>
-          <a:lstStyle/>
-          <a:p>
-            <a:r>
-              <a:rPr lang="en-US" dirty="0"/>
-              <a:t>CTA Bus rides per year averaged 20M from 2015 to 2019</a:t>
-            </a:r>
-          </a:p>
-          <a:p>
-            <a:r>
-              <a:rPr lang="en-US" dirty="0"/>
-              <a:t>2020 is on pace to only have about 7M ~ 65% decrease</a:t>
-            </a:r>
-          </a:p>
-        </p:txBody>
-      </p:sp>
-      <p:sp>
-        <p:nvSpPr>
-          <p:cNvPr id="8" name="TextBox 7">
-            <a:extLst>
-              <a:ext uri="{FF2B5EF4-FFF2-40B4-BE49-F238E27FC236}">
-                <a16:creationId xmlns:a16="http://schemas.microsoft.com/office/drawing/2014/main" id="{B86419E1-12F2-4352-A3D0-60BAEA414284}"/>
-              </a:ext>
-            </a:extLst>
-          </p:cNvPr>
-          <p:cNvSpPr txBox="1"/>
-          <p:nvPr/>
-        </p:nvSpPr>
-        <p:spPr>
-          <a:xfrm>
-            <a:off x="949911" y="5837068"/>
-            <a:ext cx="3467616" cy="369332"/>
-          </a:xfrm>
-          <a:prstGeom prst="rect">
-            <a:avLst/>
-          </a:prstGeom>
-          <a:noFill/>
-        </p:spPr>
-        <p:txBody>
-          <a:bodyPr wrap="none" rtlCol="0">
-            <a:spAutoFit/>
-          </a:bodyPr>
-          <a:lstStyle/>
-          <a:p>
-            <a:r>
-              <a:rPr lang="en-US" dirty="0"/>
-              <a:t>This translates to savings of about </a:t>
-            </a:r>
-          </a:p>
-        </p:txBody>
-      </p:sp>
-    </p:spTree>
-    <p:extLst>
-      <p:ext uri="{BB962C8B-B14F-4D97-AF65-F5344CB8AC3E}">
-        <p14:creationId xmlns:p14="http://schemas.microsoft.com/office/powerpoint/2010/main" val="2063148355"/>
-      </p:ext>
-    </p:extLst>
-  </p:cSld>
-  <p:clrMapOvr>
-    <a:masterClrMapping/>
-  </p:clrMapOvr>
-</p:sld>
-</file>
-
-<file path=ppt/slides/slide6.xml><?xml version="1.0" encoding="utf-8"?>
-<p:sld xmlns:a="http://schemas.openxmlformats.org/drawingml/2006/main" xmlns:r="http://schemas.openxmlformats.org/officeDocument/2006/relationships" xmlns:p="http://schemas.openxmlformats.org/presentationml/2006/main">
-  <p:cSld>
-    <p:spTree>
-      <p:nvGrpSpPr>
-        <p:cNvPr id="1" name=""/>
-        <p:cNvGrpSpPr/>
-        <p:nvPr/>
-      </p:nvGrpSpPr>
-      <p:grpSpPr>
-        <a:xfrm>
-          <a:off x="0" y="0"/>
-          <a:ext cx="0" cy="0"/>
-          <a:chOff x="0" y="0"/>
-          <a:chExt cx="0" cy="0"/>
-        </a:xfrm>
-      </p:grpSpPr>
-      <p:sp>
-        <p:nvSpPr>
-          <p:cNvPr id="2" name="Title 1">
-            <a:extLst>
-              <a:ext uri="{FF2B5EF4-FFF2-40B4-BE49-F238E27FC236}">
-                <a16:creationId xmlns:a16="http://schemas.microsoft.com/office/drawing/2014/main" id="{BE900F1E-1BC1-43CA-82E8-8C6DB95AE681}"/>
-              </a:ext>
-            </a:extLst>
-          </p:cNvPr>
-          <p:cNvSpPr>
-            <a:spLocks noGrp="1"/>
-          </p:cNvSpPr>
-          <p:nvPr>
-            <p:ph type="title"/>
-          </p:nvPr>
-        </p:nvSpPr>
-        <p:spPr>
-          <a:xfrm>
-            <a:off x="628650" y="79900"/>
-            <a:ext cx="7886700" cy="1056300"/>
-          </a:xfrm>
-        </p:spPr>
-        <p:txBody>
-          <a:bodyPr/>
-          <a:lstStyle/>
-          <a:p>
-            <a:r>
-              <a:rPr lang="en-US" dirty="0"/>
-              <a:t>Key Stats  </a:t>
-            </a:r>
-          </a:p>
-        </p:txBody>
-      </p:sp>
-    </p:spTree>
-    <p:extLst>
-      <p:ext uri="{BB962C8B-B14F-4D97-AF65-F5344CB8AC3E}">
-        <p14:creationId xmlns:p14="http://schemas.microsoft.com/office/powerpoint/2010/main" val="457404290"/>
-      </p:ext>
-    </p:extLst>
-  </p:cSld>
-  <p:clrMapOvr>
-    <a:masterClrMapping/>
-  </p:clrMapOvr>
-</p:sld>
-</file>
-
-<file path=ppt/slides/slide7.xml><?xml version="1.0" encoding="utf-8"?>
-<p:sld xmlns:a="http://schemas.openxmlformats.org/drawingml/2006/main" xmlns:r="http://schemas.openxmlformats.org/officeDocument/2006/relationships" xmlns:p="http://schemas.openxmlformats.org/presentationml/2006/main">
-  <p:cSld>
-    <p:spTree>
-      <p:nvGrpSpPr>
-        <p:cNvPr id="1" name=""/>
-        <p:cNvGrpSpPr/>
-        <p:nvPr/>
-      </p:nvGrpSpPr>
-      <p:grpSpPr>
-        <a:xfrm>
-          <a:off x="0" y="0"/>
-          <a:ext cx="0" cy="0"/>
-          <a:chOff x="0" y="0"/>
-          <a:chExt cx="0" cy="0"/>
-        </a:xfrm>
-      </p:grpSpPr>
-      <p:sp>
-        <p:nvSpPr>
-          <p:cNvPr id="2" name="Title 1">
-            <a:extLst>
-              <a:ext uri="{FF2B5EF4-FFF2-40B4-BE49-F238E27FC236}">
-                <a16:creationId xmlns:a16="http://schemas.microsoft.com/office/drawing/2014/main" id="{BE900F1E-1BC1-43CA-82E8-8C6DB95AE681}"/>
-              </a:ext>
-            </a:extLst>
-          </p:cNvPr>
-          <p:cNvSpPr>
-            <a:spLocks noGrp="1"/>
-          </p:cNvSpPr>
-          <p:nvPr>
-            <p:ph type="title"/>
-          </p:nvPr>
-        </p:nvSpPr>
-        <p:spPr>
-          <a:xfrm>
-            <a:off x="628650" y="18255"/>
-            <a:ext cx="7886700" cy="1325563"/>
-          </a:xfrm>
-        </p:spPr>
-        <p:txBody>
-          <a:bodyPr/>
-          <a:lstStyle/>
-          <a:p>
-            <a:r>
-              <a:rPr lang="en-US" dirty="0"/>
-              <a:t>Electricity Usage – 2020 </a:t>
-            </a:r>
-          </a:p>
-        </p:txBody>
-      </p:sp>
-      <p:sp>
-        <p:nvSpPr>
-          <p:cNvPr id="3" name="Content Placeholder 2">
-            <a:extLst>
-              <a:ext uri="{FF2B5EF4-FFF2-40B4-BE49-F238E27FC236}">
-                <a16:creationId xmlns:a16="http://schemas.microsoft.com/office/drawing/2014/main" id="{0ACEA7C5-E3C8-4C16-BD61-75EB9C15504F}"/>
-              </a:ext>
-            </a:extLst>
-          </p:cNvPr>
-          <p:cNvSpPr>
-            <a:spLocks noGrp="1"/>
-          </p:cNvSpPr>
-          <p:nvPr>
-            <p:ph idx="1"/>
-          </p:nvPr>
-        </p:nvSpPr>
-        <p:spPr>
-          <a:xfrm>
             <a:off x="628650" y="1108274"/>
-            <a:ext cx="3943350" cy="693429"/>
+            <a:ext cx="3943350" cy="1324592"/>
           </a:xfrm>
         </p:spPr>
         <p:txBody>
@@ -7445,8 +9485,8 @@
               </a:lnSpc>
             </a:pPr>
             <a:r>
-              <a:rPr lang="en-US" sz="2200" dirty="0"/>
-              <a:t>Residential Use</a:t>
+              <a:rPr lang="en-US" dirty="0"/>
+              <a:t>Electricity</a:t>
             </a:r>
           </a:p>
           <a:p>
@@ -7456,8 +9496,8 @@
               </a:lnSpc>
             </a:pPr>
             <a:r>
-              <a:rPr lang="en-US" sz="1800" dirty="0"/>
-              <a:t>Roughly 50% of people are working from home</a:t>
+              <a:rPr lang="en-US" sz="1600" dirty="0"/>
+              <a:t>Residential ~ 4.1B KWH</a:t>
             </a:r>
           </a:p>
           <a:p>
@@ -7467,8 +9507,8 @@
               </a:lnSpc>
             </a:pPr>
             <a:r>
-              <a:rPr lang="en-US" sz="1800" dirty="0"/>
-              <a:t>Working from home increases residential electricity use by about 4 times as much</a:t>
+              <a:rPr lang="en-US" sz="1600" dirty="0"/>
+              <a:t>Commercial ~ 7.2B KWH</a:t>
             </a:r>
           </a:p>
         </p:txBody>
@@ -7489,8 +9529,8 @@
         </p:nvSpPr>
         <p:spPr>
           <a:xfrm>
-            <a:off x="4882718" y="1108273"/>
-            <a:ext cx="4021507" cy="764915"/>
+            <a:off x="4882716" y="1108274"/>
+            <a:ext cx="4021507" cy="1040122"/>
           </a:xfrm>
           <a:prstGeom prst="rect">
             <a:avLst/>
@@ -7498,7 +9538,7 @@
         </p:spPr>
         <p:txBody>
           <a:bodyPr vert="horz" lIns="91440" tIns="45720" rIns="91440" bIns="45720" rtlCol="0">
-            <a:normAutofit fontScale="25000" lnSpcReduction="20000"/>
+            <a:normAutofit/>
           </a:bodyPr>
           <a:lstStyle>
             <a:lvl1pPr marL="171450" indent="-171450" algn="l" defTabSz="685800" rtl="0" eaLnBrk="1" latinLnBrk="0" hangingPunct="1">
@@ -7760,24 +9800,2149 @@
             </a:lvl9pPr>
           </a:lstStyle>
           <a:p>
-            <a:r>
-              <a:rPr lang="en-US" sz="8800" dirty="0"/>
-              <a:t>Commercial Use</a:t>
-            </a:r>
-          </a:p>
-          <a:p>
-            <a:pPr lvl="1"/>
-            <a:r>
-              <a:rPr lang="en-US" sz="6400" dirty="0"/>
-              <a:t>Commercial use buildings are at about 30% capacity</a:t>
-            </a:r>
-          </a:p>
-        </p:txBody>
-      </p:sp>
+            <a:pPr>
+              <a:lnSpc>
+                <a:spcPct val="70000"/>
+              </a:lnSpc>
+            </a:pPr>
+            <a:r>
+              <a:rPr lang="en-US" dirty="0"/>
+              <a:t>Gas</a:t>
+            </a:r>
+          </a:p>
+          <a:p>
+            <a:pPr lvl="1">
+              <a:lnSpc>
+                <a:spcPct val="70000"/>
+              </a:lnSpc>
+            </a:pPr>
+            <a:r>
+              <a:rPr lang="en-US" sz="1600" dirty="0"/>
+              <a:t>Residential ~ 694M </a:t>
+            </a:r>
+            <a:r>
+              <a:rPr lang="en-US" sz="1600" dirty="0" err="1"/>
+              <a:t>Therms</a:t>
+            </a:r>
+            <a:endParaRPr lang="en-US" sz="1600" dirty="0"/>
+          </a:p>
+          <a:p>
+            <a:pPr lvl="1">
+              <a:lnSpc>
+                <a:spcPct val="70000"/>
+              </a:lnSpc>
+            </a:pPr>
+            <a:r>
+              <a:rPr lang="en-US" sz="1600" dirty="0"/>
+              <a:t>Commercial ~ 389M </a:t>
+            </a:r>
+            <a:r>
+              <a:rPr lang="en-US" sz="1600" dirty="0" err="1"/>
+              <a:t>Therms</a:t>
+            </a:r>
+            <a:endParaRPr lang="en-US" sz="1600" dirty="0"/>
+          </a:p>
+        </p:txBody>
+      </p:sp>
+      <p:pic>
+        <p:nvPicPr>
+          <p:cNvPr id="4" name="Picture 3">
+            <a:extLst>
+              <a:ext uri="{FF2B5EF4-FFF2-40B4-BE49-F238E27FC236}">
+                <a16:creationId xmlns:a16="http://schemas.microsoft.com/office/drawing/2014/main" id="{E29CBD84-70C7-4514-A9B2-99DD4700E72F}"/>
+              </a:ext>
+            </a:extLst>
+          </p:cNvPr>
+          <p:cNvPicPr>
+            <a:picLocks noChangeAspect="1"/>
+          </p:cNvPicPr>
+          <p:nvPr/>
+        </p:nvPicPr>
+        <p:blipFill>
+          <a:blip r:embed="rId2"/>
+          <a:stretch>
+            <a:fillRect/>
+          </a:stretch>
+        </p:blipFill>
+        <p:spPr>
+          <a:xfrm>
+            <a:off x="139835" y="2424693"/>
+            <a:ext cx="4432165" cy="3246401"/>
+          </a:xfrm>
+          <a:prstGeom prst="rect">
+            <a:avLst/>
+          </a:prstGeom>
+        </p:spPr>
+      </p:pic>
+      <p:pic>
+        <p:nvPicPr>
+          <p:cNvPr id="8" name="Picture 7">
+            <a:extLst>
+              <a:ext uri="{FF2B5EF4-FFF2-40B4-BE49-F238E27FC236}">
+                <a16:creationId xmlns:a16="http://schemas.microsoft.com/office/drawing/2014/main" id="{2653041E-52BB-4E4D-B502-7D4A8D601157}"/>
+              </a:ext>
+            </a:extLst>
+          </p:cNvPr>
+          <p:cNvPicPr>
+            <a:picLocks noChangeAspect="1"/>
+          </p:cNvPicPr>
+          <p:nvPr/>
+        </p:nvPicPr>
+        <p:blipFill>
+          <a:blip r:embed="rId3"/>
+          <a:stretch>
+            <a:fillRect/>
+          </a:stretch>
+        </p:blipFill>
+        <p:spPr>
+          <a:xfrm>
+            <a:off x="4768092" y="2417072"/>
+            <a:ext cx="4250757" cy="3254022"/>
+          </a:xfrm>
+          <a:prstGeom prst="rect">
+            <a:avLst/>
+          </a:prstGeom>
+        </p:spPr>
+      </p:pic>
     </p:spTree>
     <p:extLst>
       <p:ext uri="{BB962C8B-B14F-4D97-AF65-F5344CB8AC3E}">
-        <p14:creationId xmlns:p14="http://schemas.microsoft.com/office/powerpoint/2010/main" val="2266273240"/>
+        <p14:creationId xmlns:p14="http://schemas.microsoft.com/office/powerpoint/2010/main" val="246698619"/>
+      </p:ext>
+    </p:extLst>
+  </p:cSld>
+  <p:clrMapOvr>
+    <a:masterClrMapping/>
+  </p:clrMapOvr>
+</p:sld>
+</file>
+
+<file path=ppt/slides/slide3.xml><?xml version="1.0" encoding="utf-8"?>
+<p:sld xmlns:a="http://schemas.openxmlformats.org/drawingml/2006/main" xmlns:r="http://schemas.openxmlformats.org/officeDocument/2006/relationships" xmlns:p="http://schemas.openxmlformats.org/presentationml/2006/main">
+  <p:cSld>
+    <p:spTree>
+      <p:nvGrpSpPr>
+        <p:cNvPr id="1" name=""/>
+        <p:cNvGrpSpPr/>
+        <p:nvPr/>
+      </p:nvGrpSpPr>
+      <p:grpSpPr>
+        <a:xfrm>
+          <a:off x="0" y="0"/>
+          <a:ext cx="0" cy="0"/>
+          <a:chOff x="0" y="0"/>
+          <a:chExt cx="0" cy="0"/>
+        </a:xfrm>
+      </p:grpSpPr>
+      <p:sp>
+        <p:nvSpPr>
+          <p:cNvPr id="2" name="Title 1">
+            <a:extLst>
+              <a:ext uri="{FF2B5EF4-FFF2-40B4-BE49-F238E27FC236}">
+                <a16:creationId xmlns:a16="http://schemas.microsoft.com/office/drawing/2014/main" id="{BE900F1E-1BC1-43CA-82E8-8C6DB95AE681}"/>
+              </a:ext>
+            </a:extLst>
+          </p:cNvPr>
+          <p:cNvSpPr>
+            <a:spLocks noGrp="1"/>
+          </p:cNvSpPr>
+          <p:nvPr>
+            <p:ph type="title"/>
+          </p:nvPr>
+        </p:nvSpPr>
+        <p:spPr>
+          <a:xfrm>
+            <a:off x="628650" y="18255"/>
+            <a:ext cx="7886700" cy="1325563"/>
+          </a:xfrm>
+        </p:spPr>
+        <p:txBody>
+          <a:bodyPr/>
+          <a:lstStyle/>
+          <a:p>
+            <a:r>
+              <a:rPr lang="en-US" dirty="0"/>
+              <a:t>Electricity Usage – 2010 </a:t>
+            </a:r>
+          </a:p>
+        </p:txBody>
+      </p:sp>
+      <p:sp>
+        <p:nvSpPr>
+          <p:cNvPr id="3" name="Content Placeholder 2">
+            <a:extLst>
+              <a:ext uri="{FF2B5EF4-FFF2-40B4-BE49-F238E27FC236}">
+                <a16:creationId xmlns:a16="http://schemas.microsoft.com/office/drawing/2014/main" id="{0ACEA7C5-E3C8-4C16-BD61-75EB9C15504F}"/>
+              </a:ext>
+            </a:extLst>
+          </p:cNvPr>
+          <p:cNvSpPr>
+            <a:spLocks noGrp="1"/>
+          </p:cNvSpPr>
+          <p:nvPr>
+            <p:ph idx="1"/>
+          </p:nvPr>
+        </p:nvSpPr>
+        <p:spPr>
+          <a:xfrm>
+            <a:off x="628650" y="1108274"/>
+            <a:ext cx="3943350" cy="693429"/>
+          </a:xfrm>
+        </p:spPr>
+        <p:txBody>
+          <a:bodyPr>
+            <a:noAutofit/>
+          </a:bodyPr>
+          <a:lstStyle/>
+          <a:p>
+            <a:pPr>
+              <a:lnSpc>
+                <a:spcPct val="70000"/>
+              </a:lnSpc>
+            </a:pPr>
+            <a:r>
+              <a:rPr lang="en-US" sz="2200" dirty="0"/>
+              <a:t>Residential Use</a:t>
+            </a:r>
+          </a:p>
+          <a:p>
+            <a:pPr lvl="1">
+              <a:lnSpc>
+                <a:spcPct val="70000"/>
+              </a:lnSpc>
+            </a:pPr>
+            <a:r>
+              <a:rPr lang="en-US" sz="1600" dirty="0"/>
+              <a:t>27% of total electricity used in Chicago</a:t>
+            </a:r>
+          </a:p>
+          <a:p>
+            <a:pPr lvl="1">
+              <a:lnSpc>
+                <a:spcPct val="70000"/>
+              </a:lnSpc>
+            </a:pPr>
+            <a:r>
+              <a:rPr lang="en-US" sz="1600" dirty="0"/>
+              <a:t>Single Family homes accounted for 57% of residential use </a:t>
+            </a:r>
+          </a:p>
+        </p:txBody>
+      </p:sp>
+      <p:sp>
+        <p:nvSpPr>
+          <p:cNvPr id="5" name="Content Placeholder 2">
+            <a:extLst>
+              <a:ext uri="{FF2B5EF4-FFF2-40B4-BE49-F238E27FC236}">
+                <a16:creationId xmlns:a16="http://schemas.microsoft.com/office/drawing/2014/main" id="{9D33CBA5-8A58-4A06-88AC-71A294F81086}"/>
+              </a:ext>
+            </a:extLst>
+          </p:cNvPr>
+          <p:cNvSpPr txBox="1">
+            <a:spLocks/>
+          </p:cNvSpPr>
+          <p:nvPr/>
+        </p:nvSpPr>
+        <p:spPr>
+          <a:xfrm>
+            <a:off x="4882718" y="1108274"/>
+            <a:ext cx="4021507" cy="487916"/>
+          </a:xfrm>
+          <a:prstGeom prst="rect">
+            <a:avLst/>
+          </a:prstGeom>
+        </p:spPr>
+        <p:txBody>
+          <a:bodyPr vert="horz" lIns="91440" tIns="45720" rIns="91440" bIns="45720" rtlCol="0">
+            <a:normAutofit fontScale="25000" lnSpcReduction="20000"/>
+          </a:bodyPr>
+          <a:lstStyle>
+            <a:lvl1pPr marL="171450" indent="-171450" algn="l" defTabSz="685800" rtl="0" eaLnBrk="1" latinLnBrk="0" hangingPunct="1">
+              <a:lnSpc>
+                <a:spcPct val="90000"/>
+              </a:lnSpc>
+              <a:spcBef>
+                <a:spcPts val="750"/>
+              </a:spcBef>
+              <a:buFont typeface="Arial" panose="020B0604020202020204" pitchFamily="34" charset="0"/>
+              <a:buChar char="•"/>
+              <a:defRPr sz="2400" kern="1200">
+                <a:gradFill>
+                  <a:gsLst>
+                    <a:gs pos="34000">
+                      <a:schemeClr val="tx1">
+                        <a:lumMod val="93000"/>
+                      </a:schemeClr>
+                    </a:gs>
+                    <a:gs pos="0">
+                      <a:schemeClr val="bg1">
+                        <a:lumMod val="25000"/>
+                        <a:lumOff val="75000"/>
+                      </a:schemeClr>
+                    </a:gs>
+                    <a:gs pos="100000">
+                      <a:schemeClr val="tx2">
+                        <a:lumMod val="0"/>
+                        <a:lumOff val="100000"/>
+                      </a:schemeClr>
+                    </a:gs>
+                  </a:gsLst>
+                  <a:lin ang="4800000" scaled="0"/>
+                </a:gradFill>
+                <a:latin typeface="+mn-lt"/>
+                <a:ea typeface="+mn-ea"/>
+                <a:cs typeface="+mn-cs"/>
+              </a:defRPr>
+            </a:lvl1pPr>
+            <a:lvl2pPr marL="514350" indent="-171450" algn="l" defTabSz="685800" rtl="0" eaLnBrk="1" latinLnBrk="0" hangingPunct="1">
+              <a:lnSpc>
+                <a:spcPct val="90000"/>
+              </a:lnSpc>
+              <a:spcBef>
+                <a:spcPts val="375"/>
+              </a:spcBef>
+              <a:buFont typeface="Arial" panose="020B0604020202020204" pitchFamily="34" charset="0"/>
+              <a:buChar char="•"/>
+              <a:defRPr sz="2000" kern="1200">
+                <a:gradFill>
+                  <a:gsLst>
+                    <a:gs pos="34000">
+                      <a:schemeClr val="tx1">
+                        <a:lumMod val="93000"/>
+                      </a:schemeClr>
+                    </a:gs>
+                    <a:gs pos="0">
+                      <a:schemeClr val="bg1">
+                        <a:lumMod val="25000"/>
+                        <a:lumOff val="75000"/>
+                      </a:schemeClr>
+                    </a:gs>
+                    <a:gs pos="100000">
+                      <a:schemeClr val="tx2">
+                        <a:lumMod val="0"/>
+                        <a:lumOff val="100000"/>
+                      </a:schemeClr>
+                    </a:gs>
+                  </a:gsLst>
+                  <a:lin ang="4800000" scaled="0"/>
+                </a:gradFill>
+                <a:latin typeface="+mn-lt"/>
+                <a:ea typeface="+mn-ea"/>
+                <a:cs typeface="+mn-cs"/>
+              </a:defRPr>
+            </a:lvl2pPr>
+            <a:lvl3pPr marL="857250" indent="-171450" algn="l" defTabSz="685800" rtl="0" eaLnBrk="1" latinLnBrk="0" hangingPunct="1">
+              <a:lnSpc>
+                <a:spcPct val="90000"/>
+              </a:lnSpc>
+              <a:spcBef>
+                <a:spcPts val="375"/>
+              </a:spcBef>
+              <a:buFont typeface="Arial" panose="020B0604020202020204" pitchFamily="34" charset="0"/>
+              <a:buChar char="•"/>
+              <a:defRPr sz="1600" kern="1200">
+                <a:gradFill>
+                  <a:gsLst>
+                    <a:gs pos="34000">
+                      <a:schemeClr val="tx1">
+                        <a:lumMod val="93000"/>
+                      </a:schemeClr>
+                    </a:gs>
+                    <a:gs pos="0">
+                      <a:schemeClr val="bg1">
+                        <a:lumMod val="25000"/>
+                        <a:lumOff val="75000"/>
+                      </a:schemeClr>
+                    </a:gs>
+                    <a:gs pos="100000">
+                      <a:schemeClr val="tx2">
+                        <a:lumMod val="0"/>
+                        <a:lumOff val="100000"/>
+                      </a:schemeClr>
+                    </a:gs>
+                  </a:gsLst>
+                  <a:lin ang="4800000" scaled="0"/>
+                </a:gradFill>
+                <a:latin typeface="+mn-lt"/>
+                <a:ea typeface="+mn-ea"/>
+                <a:cs typeface="+mn-cs"/>
+              </a:defRPr>
+            </a:lvl3pPr>
+            <a:lvl4pPr marL="1200150" indent="-171450" algn="l" defTabSz="685800" rtl="0" eaLnBrk="1" latinLnBrk="0" hangingPunct="1">
+              <a:lnSpc>
+                <a:spcPct val="90000"/>
+              </a:lnSpc>
+              <a:spcBef>
+                <a:spcPts val="375"/>
+              </a:spcBef>
+              <a:buFont typeface="Arial" panose="020B0604020202020204" pitchFamily="34" charset="0"/>
+              <a:buChar char="•"/>
+              <a:defRPr sz="1400" kern="1200">
+                <a:gradFill>
+                  <a:gsLst>
+                    <a:gs pos="34000">
+                      <a:schemeClr val="tx1">
+                        <a:lumMod val="93000"/>
+                      </a:schemeClr>
+                    </a:gs>
+                    <a:gs pos="0">
+                      <a:schemeClr val="bg1">
+                        <a:lumMod val="25000"/>
+                        <a:lumOff val="75000"/>
+                      </a:schemeClr>
+                    </a:gs>
+                    <a:gs pos="100000">
+                      <a:schemeClr val="tx2">
+                        <a:lumMod val="0"/>
+                        <a:lumOff val="100000"/>
+                      </a:schemeClr>
+                    </a:gs>
+                  </a:gsLst>
+                  <a:lin ang="4800000" scaled="0"/>
+                </a:gradFill>
+                <a:latin typeface="+mn-lt"/>
+                <a:ea typeface="+mn-ea"/>
+                <a:cs typeface="+mn-cs"/>
+              </a:defRPr>
+            </a:lvl4pPr>
+            <a:lvl5pPr marL="1543050" indent="-171450" algn="l" defTabSz="685800" rtl="0" eaLnBrk="1" latinLnBrk="0" hangingPunct="1">
+              <a:lnSpc>
+                <a:spcPct val="90000"/>
+              </a:lnSpc>
+              <a:spcBef>
+                <a:spcPts val="375"/>
+              </a:spcBef>
+              <a:buFont typeface="Arial" panose="020B0604020202020204" pitchFamily="34" charset="0"/>
+              <a:buChar char="•"/>
+              <a:defRPr sz="1400" kern="1200">
+                <a:gradFill>
+                  <a:gsLst>
+                    <a:gs pos="34000">
+                      <a:schemeClr val="tx1">
+                        <a:lumMod val="93000"/>
+                      </a:schemeClr>
+                    </a:gs>
+                    <a:gs pos="0">
+                      <a:schemeClr val="bg1">
+                        <a:lumMod val="25000"/>
+                        <a:lumOff val="75000"/>
+                      </a:schemeClr>
+                    </a:gs>
+                    <a:gs pos="100000">
+                      <a:schemeClr val="tx2">
+                        <a:lumMod val="0"/>
+                        <a:lumOff val="100000"/>
+                      </a:schemeClr>
+                    </a:gs>
+                  </a:gsLst>
+                  <a:lin ang="4800000" scaled="0"/>
+                </a:gradFill>
+                <a:latin typeface="+mn-lt"/>
+                <a:ea typeface="+mn-ea"/>
+                <a:cs typeface="+mn-cs"/>
+              </a:defRPr>
+            </a:lvl5pPr>
+            <a:lvl6pPr marL="1885950" indent="-171450" algn="l" defTabSz="685800" rtl="0" eaLnBrk="1" latinLnBrk="0" hangingPunct="1">
+              <a:lnSpc>
+                <a:spcPct val="90000"/>
+              </a:lnSpc>
+              <a:spcBef>
+                <a:spcPts val="375"/>
+              </a:spcBef>
+              <a:buFont typeface="Arial" panose="020B0604020202020204" pitchFamily="34" charset="0"/>
+              <a:buChar char="•"/>
+              <a:defRPr sz="1350" kern="1200">
+                <a:solidFill>
+                  <a:schemeClr val="tx1"/>
+                </a:solidFill>
+                <a:latin typeface="+mn-lt"/>
+                <a:ea typeface="+mn-ea"/>
+                <a:cs typeface="+mn-cs"/>
+              </a:defRPr>
+            </a:lvl6pPr>
+            <a:lvl7pPr marL="2228850" indent="-171450" algn="l" defTabSz="685800" rtl="0" eaLnBrk="1" latinLnBrk="0" hangingPunct="1">
+              <a:lnSpc>
+                <a:spcPct val="90000"/>
+              </a:lnSpc>
+              <a:spcBef>
+                <a:spcPts val="375"/>
+              </a:spcBef>
+              <a:buFont typeface="Arial" panose="020B0604020202020204" pitchFamily="34" charset="0"/>
+              <a:buChar char="•"/>
+              <a:defRPr sz="1350" kern="1200">
+                <a:solidFill>
+                  <a:schemeClr val="tx1"/>
+                </a:solidFill>
+                <a:latin typeface="+mn-lt"/>
+                <a:ea typeface="+mn-ea"/>
+                <a:cs typeface="+mn-cs"/>
+              </a:defRPr>
+            </a:lvl7pPr>
+            <a:lvl8pPr marL="2571750" indent="-171450" algn="l" defTabSz="685800" rtl="0" eaLnBrk="1" latinLnBrk="0" hangingPunct="1">
+              <a:lnSpc>
+                <a:spcPct val="90000"/>
+              </a:lnSpc>
+              <a:spcBef>
+                <a:spcPts val="375"/>
+              </a:spcBef>
+              <a:buFont typeface="Arial" panose="020B0604020202020204" pitchFamily="34" charset="0"/>
+              <a:buChar char="•"/>
+              <a:defRPr sz="1350" kern="1200">
+                <a:solidFill>
+                  <a:schemeClr val="tx1"/>
+                </a:solidFill>
+                <a:latin typeface="+mn-lt"/>
+                <a:ea typeface="+mn-ea"/>
+                <a:cs typeface="+mn-cs"/>
+              </a:defRPr>
+            </a:lvl8pPr>
+            <a:lvl9pPr marL="2914650" indent="-171450" algn="l" defTabSz="685800" rtl="0" eaLnBrk="1" latinLnBrk="0" hangingPunct="1">
+              <a:lnSpc>
+                <a:spcPct val="90000"/>
+              </a:lnSpc>
+              <a:spcBef>
+                <a:spcPts val="375"/>
+              </a:spcBef>
+              <a:buFont typeface="Arial" panose="020B0604020202020204" pitchFamily="34" charset="0"/>
+              <a:buChar char="•"/>
+              <a:defRPr sz="1350" kern="1200">
+                <a:solidFill>
+                  <a:schemeClr val="tx1"/>
+                </a:solidFill>
+                <a:latin typeface="+mn-lt"/>
+                <a:ea typeface="+mn-ea"/>
+                <a:cs typeface="+mn-cs"/>
+              </a:defRPr>
+            </a:lvl9pPr>
+          </a:lstStyle>
+          <a:p>
+            <a:r>
+              <a:rPr lang="en-US" sz="8800" dirty="0"/>
+              <a:t>Commercial Use</a:t>
+            </a:r>
+          </a:p>
+          <a:p>
+            <a:pPr lvl="1"/>
+            <a:r>
+              <a:rPr lang="en-US" sz="6400" dirty="0"/>
+              <a:t>46% of total electricity used in Chicago</a:t>
+            </a:r>
+          </a:p>
+          <a:p>
+            <a:pPr lvl="1"/>
+            <a:r>
+              <a:rPr lang="en-US" sz="6400" dirty="0"/>
+              <a:t>The Loop accounted for 25% of commercial use</a:t>
+            </a:r>
+          </a:p>
+        </p:txBody>
+      </p:sp>
+      <p:pic>
+        <p:nvPicPr>
+          <p:cNvPr id="6" name="Picture 5">
+            <a:extLst>
+              <a:ext uri="{FF2B5EF4-FFF2-40B4-BE49-F238E27FC236}">
+                <a16:creationId xmlns:a16="http://schemas.microsoft.com/office/drawing/2014/main" id="{E6F36EFC-5C93-47E2-A06F-D1546D49F444}"/>
+              </a:ext>
+            </a:extLst>
+          </p:cNvPr>
+          <p:cNvPicPr>
+            <a:picLocks noChangeAspect="1"/>
+          </p:cNvPicPr>
+          <p:nvPr/>
+        </p:nvPicPr>
+        <p:blipFill>
+          <a:blip r:embed="rId2"/>
+          <a:stretch>
+            <a:fillRect/>
+          </a:stretch>
+        </p:blipFill>
+        <p:spPr>
+          <a:xfrm>
+            <a:off x="4683479" y="2432866"/>
+            <a:ext cx="4419983" cy="3238228"/>
+          </a:xfrm>
+          <a:prstGeom prst="rect">
+            <a:avLst/>
+          </a:prstGeom>
+        </p:spPr>
+      </p:pic>
+      <p:pic>
+        <p:nvPicPr>
+          <p:cNvPr id="7" name="Picture 6">
+            <a:extLst>
+              <a:ext uri="{FF2B5EF4-FFF2-40B4-BE49-F238E27FC236}">
+                <a16:creationId xmlns:a16="http://schemas.microsoft.com/office/drawing/2014/main" id="{C18E2046-824F-4A5D-89E9-0B8247D5D252}"/>
+              </a:ext>
+            </a:extLst>
+          </p:cNvPr>
+          <p:cNvPicPr>
+            <a:picLocks noChangeAspect="1"/>
+          </p:cNvPicPr>
+          <p:nvPr/>
+        </p:nvPicPr>
+        <p:blipFill>
+          <a:blip r:embed="rId3"/>
+          <a:stretch>
+            <a:fillRect/>
+          </a:stretch>
+        </p:blipFill>
+        <p:spPr>
+          <a:xfrm>
+            <a:off x="152017" y="2433837"/>
+            <a:ext cx="4419983" cy="3237257"/>
+          </a:xfrm>
+          <a:prstGeom prst="rect">
+            <a:avLst/>
+          </a:prstGeom>
+        </p:spPr>
+      </p:pic>
+    </p:spTree>
+    <p:extLst>
+      <p:ext uri="{BB962C8B-B14F-4D97-AF65-F5344CB8AC3E}">
+        <p14:creationId xmlns:p14="http://schemas.microsoft.com/office/powerpoint/2010/main" val="1407976368"/>
+      </p:ext>
+    </p:extLst>
+  </p:cSld>
+  <p:clrMapOvr>
+    <a:masterClrMapping/>
+  </p:clrMapOvr>
+</p:sld>
+</file>
+
+<file path=ppt/slides/slide4.xml><?xml version="1.0" encoding="utf-8"?>
+<p:sld xmlns:a="http://schemas.openxmlformats.org/drawingml/2006/main" xmlns:r="http://schemas.openxmlformats.org/officeDocument/2006/relationships" xmlns:p="http://schemas.openxmlformats.org/presentationml/2006/main">
+  <p:cSld>
+    <p:spTree>
+      <p:nvGrpSpPr>
+        <p:cNvPr id="1" name=""/>
+        <p:cNvGrpSpPr/>
+        <p:nvPr/>
+      </p:nvGrpSpPr>
+      <p:grpSpPr>
+        <a:xfrm>
+          <a:off x="0" y="0"/>
+          <a:ext cx="0" cy="0"/>
+          <a:chOff x="0" y="0"/>
+          <a:chExt cx="0" cy="0"/>
+        </a:xfrm>
+      </p:grpSpPr>
+      <p:sp>
+        <p:nvSpPr>
+          <p:cNvPr id="2" name="Title 1">
+            <a:extLst>
+              <a:ext uri="{FF2B5EF4-FFF2-40B4-BE49-F238E27FC236}">
+                <a16:creationId xmlns:a16="http://schemas.microsoft.com/office/drawing/2014/main" id="{BE900F1E-1BC1-43CA-82E8-8C6DB95AE681}"/>
+              </a:ext>
+            </a:extLst>
+          </p:cNvPr>
+          <p:cNvSpPr>
+            <a:spLocks noGrp="1"/>
+          </p:cNvSpPr>
+          <p:nvPr>
+            <p:ph type="title"/>
+          </p:nvPr>
+        </p:nvSpPr>
+        <p:spPr>
+          <a:xfrm>
+            <a:off x="628650" y="18255"/>
+            <a:ext cx="7886700" cy="1325563"/>
+          </a:xfrm>
+        </p:spPr>
+        <p:txBody>
+          <a:bodyPr/>
+          <a:lstStyle/>
+          <a:p>
+            <a:r>
+              <a:rPr lang="en-US" dirty="0"/>
+              <a:t>Electricity Usage – 2010 </a:t>
+            </a:r>
+          </a:p>
+        </p:txBody>
+      </p:sp>
+      <p:sp>
+        <p:nvSpPr>
+          <p:cNvPr id="5" name="Content Placeholder 2">
+            <a:extLst>
+              <a:ext uri="{FF2B5EF4-FFF2-40B4-BE49-F238E27FC236}">
+                <a16:creationId xmlns:a16="http://schemas.microsoft.com/office/drawing/2014/main" id="{9D33CBA5-8A58-4A06-88AC-71A294F81086}"/>
+              </a:ext>
+            </a:extLst>
+          </p:cNvPr>
+          <p:cNvSpPr txBox="1">
+            <a:spLocks/>
+          </p:cNvSpPr>
+          <p:nvPr/>
+        </p:nvSpPr>
+        <p:spPr>
+          <a:xfrm>
+            <a:off x="4882718" y="1108274"/>
+            <a:ext cx="4021507" cy="487916"/>
+          </a:xfrm>
+          <a:prstGeom prst="rect">
+            <a:avLst/>
+          </a:prstGeom>
+        </p:spPr>
+        <p:txBody>
+          <a:bodyPr vert="horz" lIns="91440" tIns="45720" rIns="91440" bIns="45720" rtlCol="0">
+            <a:normAutofit fontScale="47500" lnSpcReduction="20000"/>
+          </a:bodyPr>
+          <a:lstStyle>
+            <a:lvl1pPr marL="171450" indent="-171450" algn="l" defTabSz="685800" rtl="0" eaLnBrk="1" latinLnBrk="0" hangingPunct="1">
+              <a:lnSpc>
+                <a:spcPct val="90000"/>
+              </a:lnSpc>
+              <a:spcBef>
+                <a:spcPts val="750"/>
+              </a:spcBef>
+              <a:buFont typeface="Arial" panose="020B0604020202020204" pitchFamily="34" charset="0"/>
+              <a:buChar char="•"/>
+              <a:defRPr sz="2400" kern="1200">
+                <a:gradFill>
+                  <a:gsLst>
+                    <a:gs pos="34000">
+                      <a:schemeClr val="tx1">
+                        <a:lumMod val="93000"/>
+                      </a:schemeClr>
+                    </a:gs>
+                    <a:gs pos="0">
+                      <a:schemeClr val="bg1">
+                        <a:lumMod val="25000"/>
+                        <a:lumOff val="75000"/>
+                      </a:schemeClr>
+                    </a:gs>
+                    <a:gs pos="100000">
+                      <a:schemeClr val="tx2">
+                        <a:lumMod val="0"/>
+                        <a:lumOff val="100000"/>
+                      </a:schemeClr>
+                    </a:gs>
+                  </a:gsLst>
+                  <a:lin ang="4800000" scaled="0"/>
+                </a:gradFill>
+                <a:latin typeface="+mn-lt"/>
+                <a:ea typeface="+mn-ea"/>
+                <a:cs typeface="+mn-cs"/>
+              </a:defRPr>
+            </a:lvl1pPr>
+            <a:lvl2pPr marL="514350" indent="-171450" algn="l" defTabSz="685800" rtl="0" eaLnBrk="1" latinLnBrk="0" hangingPunct="1">
+              <a:lnSpc>
+                <a:spcPct val="90000"/>
+              </a:lnSpc>
+              <a:spcBef>
+                <a:spcPts val="375"/>
+              </a:spcBef>
+              <a:buFont typeface="Arial" panose="020B0604020202020204" pitchFamily="34" charset="0"/>
+              <a:buChar char="•"/>
+              <a:defRPr sz="2000" kern="1200">
+                <a:gradFill>
+                  <a:gsLst>
+                    <a:gs pos="34000">
+                      <a:schemeClr val="tx1">
+                        <a:lumMod val="93000"/>
+                      </a:schemeClr>
+                    </a:gs>
+                    <a:gs pos="0">
+                      <a:schemeClr val="bg1">
+                        <a:lumMod val="25000"/>
+                        <a:lumOff val="75000"/>
+                      </a:schemeClr>
+                    </a:gs>
+                    <a:gs pos="100000">
+                      <a:schemeClr val="tx2">
+                        <a:lumMod val="0"/>
+                        <a:lumOff val="100000"/>
+                      </a:schemeClr>
+                    </a:gs>
+                  </a:gsLst>
+                  <a:lin ang="4800000" scaled="0"/>
+                </a:gradFill>
+                <a:latin typeface="+mn-lt"/>
+                <a:ea typeface="+mn-ea"/>
+                <a:cs typeface="+mn-cs"/>
+              </a:defRPr>
+            </a:lvl2pPr>
+            <a:lvl3pPr marL="857250" indent="-171450" algn="l" defTabSz="685800" rtl="0" eaLnBrk="1" latinLnBrk="0" hangingPunct="1">
+              <a:lnSpc>
+                <a:spcPct val="90000"/>
+              </a:lnSpc>
+              <a:spcBef>
+                <a:spcPts val="375"/>
+              </a:spcBef>
+              <a:buFont typeface="Arial" panose="020B0604020202020204" pitchFamily="34" charset="0"/>
+              <a:buChar char="•"/>
+              <a:defRPr sz="1600" kern="1200">
+                <a:gradFill>
+                  <a:gsLst>
+                    <a:gs pos="34000">
+                      <a:schemeClr val="tx1">
+                        <a:lumMod val="93000"/>
+                      </a:schemeClr>
+                    </a:gs>
+                    <a:gs pos="0">
+                      <a:schemeClr val="bg1">
+                        <a:lumMod val="25000"/>
+                        <a:lumOff val="75000"/>
+                      </a:schemeClr>
+                    </a:gs>
+                    <a:gs pos="100000">
+                      <a:schemeClr val="tx2">
+                        <a:lumMod val="0"/>
+                        <a:lumOff val="100000"/>
+                      </a:schemeClr>
+                    </a:gs>
+                  </a:gsLst>
+                  <a:lin ang="4800000" scaled="0"/>
+                </a:gradFill>
+                <a:latin typeface="+mn-lt"/>
+                <a:ea typeface="+mn-ea"/>
+                <a:cs typeface="+mn-cs"/>
+              </a:defRPr>
+            </a:lvl3pPr>
+            <a:lvl4pPr marL="1200150" indent="-171450" algn="l" defTabSz="685800" rtl="0" eaLnBrk="1" latinLnBrk="0" hangingPunct="1">
+              <a:lnSpc>
+                <a:spcPct val="90000"/>
+              </a:lnSpc>
+              <a:spcBef>
+                <a:spcPts val="375"/>
+              </a:spcBef>
+              <a:buFont typeface="Arial" panose="020B0604020202020204" pitchFamily="34" charset="0"/>
+              <a:buChar char="•"/>
+              <a:defRPr sz="1400" kern="1200">
+                <a:gradFill>
+                  <a:gsLst>
+                    <a:gs pos="34000">
+                      <a:schemeClr val="tx1">
+                        <a:lumMod val="93000"/>
+                      </a:schemeClr>
+                    </a:gs>
+                    <a:gs pos="0">
+                      <a:schemeClr val="bg1">
+                        <a:lumMod val="25000"/>
+                        <a:lumOff val="75000"/>
+                      </a:schemeClr>
+                    </a:gs>
+                    <a:gs pos="100000">
+                      <a:schemeClr val="tx2">
+                        <a:lumMod val="0"/>
+                        <a:lumOff val="100000"/>
+                      </a:schemeClr>
+                    </a:gs>
+                  </a:gsLst>
+                  <a:lin ang="4800000" scaled="0"/>
+                </a:gradFill>
+                <a:latin typeface="+mn-lt"/>
+                <a:ea typeface="+mn-ea"/>
+                <a:cs typeface="+mn-cs"/>
+              </a:defRPr>
+            </a:lvl4pPr>
+            <a:lvl5pPr marL="1543050" indent="-171450" algn="l" defTabSz="685800" rtl="0" eaLnBrk="1" latinLnBrk="0" hangingPunct="1">
+              <a:lnSpc>
+                <a:spcPct val="90000"/>
+              </a:lnSpc>
+              <a:spcBef>
+                <a:spcPts val="375"/>
+              </a:spcBef>
+              <a:buFont typeface="Arial" panose="020B0604020202020204" pitchFamily="34" charset="0"/>
+              <a:buChar char="•"/>
+              <a:defRPr sz="1400" kern="1200">
+                <a:gradFill>
+                  <a:gsLst>
+                    <a:gs pos="34000">
+                      <a:schemeClr val="tx1">
+                        <a:lumMod val="93000"/>
+                      </a:schemeClr>
+                    </a:gs>
+                    <a:gs pos="0">
+                      <a:schemeClr val="bg1">
+                        <a:lumMod val="25000"/>
+                        <a:lumOff val="75000"/>
+                      </a:schemeClr>
+                    </a:gs>
+                    <a:gs pos="100000">
+                      <a:schemeClr val="tx2">
+                        <a:lumMod val="0"/>
+                        <a:lumOff val="100000"/>
+                      </a:schemeClr>
+                    </a:gs>
+                  </a:gsLst>
+                  <a:lin ang="4800000" scaled="0"/>
+                </a:gradFill>
+                <a:latin typeface="+mn-lt"/>
+                <a:ea typeface="+mn-ea"/>
+                <a:cs typeface="+mn-cs"/>
+              </a:defRPr>
+            </a:lvl5pPr>
+            <a:lvl6pPr marL="1885950" indent="-171450" algn="l" defTabSz="685800" rtl="0" eaLnBrk="1" latinLnBrk="0" hangingPunct="1">
+              <a:lnSpc>
+                <a:spcPct val="90000"/>
+              </a:lnSpc>
+              <a:spcBef>
+                <a:spcPts val="375"/>
+              </a:spcBef>
+              <a:buFont typeface="Arial" panose="020B0604020202020204" pitchFamily="34" charset="0"/>
+              <a:buChar char="•"/>
+              <a:defRPr sz="1350" kern="1200">
+                <a:solidFill>
+                  <a:schemeClr val="tx1"/>
+                </a:solidFill>
+                <a:latin typeface="+mn-lt"/>
+                <a:ea typeface="+mn-ea"/>
+                <a:cs typeface="+mn-cs"/>
+              </a:defRPr>
+            </a:lvl6pPr>
+            <a:lvl7pPr marL="2228850" indent="-171450" algn="l" defTabSz="685800" rtl="0" eaLnBrk="1" latinLnBrk="0" hangingPunct="1">
+              <a:lnSpc>
+                <a:spcPct val="90000"/>
+              </a:lnSpc>
+              <a:spcBef>
+                <a:spcPts val="375"/>
+              </a:spcBef>
+              <a:buFont typeface="Arial" panose="020B0604020202020204" pitchFamily="34" charset="0"/>
+              <a:buChar char="•"/>
+              <a:defRPr sz="1350" kern="1200">
+                <a:solidFill>
+                  <a:schemeClr val="tx1"/>
+                </a:solidFill>
+                <a:latin typeface="+mn-lt"/>
+                <a:ea typeface="+mn-ea"/>
+                <a:cs typeface="+mn-cs"/>
+              </a:defRPr>
+            </a:lvl7pPr>
+            <a:lvl8pPr marL="2571750" indent="-171450" algn="l" defTabSz="685800" rtl="0" eaLnBrk="1" latinLnBrk="0" hangingPunct="1">
+              <a:lnSpc>
+                <a:spcPct val="90000"/>
+              </a:lnSpc>
+              <a:spcBef>
+                <a:spcPts val="375"/>
+              </a:spcBef>
+              <a:buFont typeface="Arial" panose="020B0604020202020204" pitchFamily="34" charset="0"/>
+              <a:buChar char="•"/>
+              <a:defRPr sz="1350" kern="1200">
+                <a:solidFill>
+                  <a:schemeClr val="tx1"/>
+                </a:solidFill>
+                <a:latin typeface="+mn-lt"/>
+                <a:ea typeface="+mn-ea"/>
+                <a:cs typeface="+mn-cs"/>
+              </a:defRPr>
+            </a:lvl8pPr>
+            <a:lvl9pPr marL="2914650" indent="-171450" algn="l" defTabSz="685800" rtl="0" eaLnBrk="1" latinLnBrk="0" hangingPunct="1">
+              <a:lnSpc>
+                <a:spcPct val="90000"/>
+              </a:lnSpc>
+              <a:spcBef>
+                <a:spcPts val="375"/>
+              </a:spcBef>
+              <a:buFont typeface="Arial" panose="020B0604020202020204" pitchFamily="34" charset="0"/>
+              <a:buChar char="•"/>
+              <a:defRPr sz="1350" kern="1200">
+                <a:solidFill>
+                  <a:schemeClr val="tx1"/>
+                </a:solidFill>
+                <a:latin typeface="+mn-lt"/>
+                <a:ea typeface="+mn-ea"/>
+                <a:cs typeface="+mn-cs"/>
+              </a:defRPr>
+            </a:lvl9pPr>
+          </a:lstStyle>
+          <a:p>
+            <a:endParaRPr lang="en-US" sz="6400" dirty="0"/>
+          </a:p>
+        </p:txBody>
+      </p:sp>
+      <p:sp>
+        <p:nvSpPr>
+          <p:cNvPr id="8" name="TextBox 7">
+            <a:extLst>
+              <a:ext uri="{FF2B5EF4-FFF2-40B4-BE49-F238E27FC236}">
+                <a16:creationId xmlns:a16="http://schemas.microsoft.com/office/drawing/2014/main" id="{9494D032-5390-448F-BE22-C864158F59C5}"/>
+              </a:ext>
+            </a:extLst>
+          </p:cNvPr>
+          <p:cNvSpPr txBox="1"/>
+          <p:nvPr/>
+        </p:nvSpPr>
+        <p:spPr>
+          <a:xfrm>
+            <a:off x="342533" y="1320011"/>
+            <a:ext cx="3867084" cy="369332"/>
+          </a:xfrm>
+          <a:prstGeom prst="rect">
+            <a:avLst/>
+          </a:prstGeom>
+          <a:noFill/>
+        </p:spPr>
+        <p:txBody>
+          <a:bodyPr wrap="none" rtlCol="0">
+            <a:spAutoFit/>
+          </a:bodyPr>
+          <a:lstStyle/>
+          <a:p>
+            <a:r>
+              <a:rPr lang="en-US" dirty="0"/>
+              <a:t>Average Electricity Usage by Residents</a:t>
+            </a:r>
+          </a:p>
+        </p:txBody>
+      </p:sp>
+      <p:pic>
+        <p:nvPicPr>
+          <p:cNvPr id="10" name="Picture 9">
+            <a:extLst>
+              <a:ext uri="{FF2B5EF4-FFF2-40B4-BE49-F238E27FC236}">
+                <a16:creationId xmlns:a16="http://schemas.microsoft.com/office/drawing/2014/main" id="{08B6FEF8-CFAF-4A6F-A083-63DFD325C274}"/>
+              </a:ext>
+            </a:extLst>
+          </p:cNvPr>
+          <p:cNvPicPr>
+            <a:picLocks noChangeAspect="1"/>
+          </p:cNvPicPr>
+          <p:nvPr/>
+        </p:nvPicPr>
+        <p:blipFill>
+          <a:blip r:embed="rId2"/>
+          <a:stretch>
+            <a:fillRect/>
+          </a:stretch>
+        </p:blipFill>
+        <p:spPr>
+          <a:xfrm>
+            <a:off x="230896" y="1731966"/>
+            <a:ext cx="8895426" cy="4017760"/>
+          </a:xfrm>
+          <a:prstGeom prst="rect">
+            <a:avLst/>
+          </a:prstGeom>
+        </p:spPr>
+      </p:pic>
+    </p:spTree>
+    <p:extLst>
+      <p:ext uri="{BB962C8B-B14F-4D97-AF65-F5344CB8AC3E}">
+        <p14:creationId xmlns:p14="http://schemas.microsoft.com/office/powerpoint/2010/main" val="3548085486"/>
+      </p:ext>
+    </p:extLst>
+  </p:cSld>
+  <p:clrMapOvr>
+    <a:masterClrMapping/>
+  </p:clrMapOvr>
+</p:sld>
+</file>
+
+<file path=ppt/slides/slide5.xml><?xml version="1.0" encoding="utf-8"?>
+<p:sld xmlns:a="http://schemas.openxmlformats.org/drawingml/2006/main" xmlns:r="http://schemas.openxmlformats.org/officeDocument/2006/relationships" xmlns:p="http://schemas.openxmlformats.org/presentationml/2006/main">
+  <p:cSld>
+    <p:spTree>
+      <p:nvGrpSpPr>
+        <p:cNvPr id="1" name=""/>
+        <p:cNvGrpSpPr/>
+        <p:nvPr/>
+      </p:nvGrpSpPr>
+      <p:grpSpPr>
+        <a:xfrm>
+          <a:off x="0" y="0"/>
+          <a:ext cx="0" cy="0"/>
+          <a:chOff x="0" y="0"/>
+          <a:chExt cx="0" cy="0"/>
+        </a:xfrm>
+      </p:grpSpPr>
+      <p:sp>
+        <p:nvSpPr>
+          <p:cNvPr id="2" name="Title 1">
+            <a:extLst>
+              <a:ext uri="{FF2B5EF4-FFF2-40B4-BE49-F238E27FC236}">
+                <a16:creationId xmlns:a16="http://schemas.microsoft.com/office/drawing/2014/main" id="{BE900F1E-1BC1-43CA-82E8-8C6DB95AE681}"/>
+              </a:ext>
+            </a:extLst>
+          </p:cNvPr>
+          <p:cNvSpPr>
+            <a:spLocks noGrp="1"/>
+          </p:cNvSpPr>
+          <p:nvPr>
+            <p:ph type="title"/>
+          </p:nvPr>
+        </p:nvSpPr>
+        <p:spPr>
+          <a:xfrm>
+            <a:off x="628650" y="18255"/>
+            <a:ext cx="7886700" cy="1325563"/>
+          </a:xfrm>
+        </p:spPr>
+        <p:txBody>
+          <a:bodyPr/>
+          <a:lstStyle/>
+          <a:p>
+            <a:r>
+              <a:rPr lang="en-US" dirty="0"/>
+              <a:t>Gas Usage – 2010 </a:t>
+            </a:r>
+          </a:p>
+        </p:txBody>
+      </p:sp>
+      <p:sp>
+        <p:nvSpPr>
+          <p:cNvPr id="3" name="Content Placeholder 2">
+            <a:extLst>
+              <a:ext uri="{FF2B5EF4-FFF2-40B4-BE49-F238E27FC236}">
+                <a16:creationId xmlns:a16="http://schemas.microsoft.com/office/drawing/2014/main" id="{0ACEA7C5-E3C8-4C16-BD61-75EB9C15504F}"/>
+              </a:ext>
+            </a:extLst>
+          </p:cNvPr>
+          <p:cNvSpPr>
+            <a:spLocks noGrp="1"/>
+          </p:cNvSpPr>
+          <p:nvPr>
+            <p:ph idx="1"/>
+          </p:nvPr>
+        </p:nvSpPr>
+        <p:spPr>
+          <a:xfrm>
+            <a:off x="310718" y="1104985"/>
+            <a:ext cx="4049932" cy="561045"/>
+          </a:xfrm>
+        </p:spPr>
+        <p:txBody>
+          <a:bodyPr>
+            <a:normAutofit fontScale="25000" lnSpcReduction="20000"/>
+          </a:bodyPr>
+          <a:lstStyle/>
+          <a:p>
+            <a:r>
+              <a:rPr lang="en-US" sz="8800" dirty="0"/>
+              <a:t>Residential Use</a:t>
+            </a:r>
+          </a:p>
+          <a:p>
+            <a:pPr lvl="1"/>
+            <a:r>
+              <a:rPr lang="en-US" sz="6400" dirty="0"/>
+              <a:t>53% of total natural gas used in Chicago</a:t>
+            </a:r>
+          </a:p>
+          <a:p>
+            <a:pPr lvl="1"/>
+            <a:r>
+              <a:rPr lang="en-US" sz="6600" dirty="0"/>
+              <a:t>Single Family homes accounted for 52% of residential gas use</a:t>
+            </a:r>
+          </a:p>
+          <a:p>
+            <a:pPr lvl="1"/>
+            <a:endParaRPr lang="en-US" sz="6400" dirty="0"/>
+          </a:p>
+        </p:txBody>
+      </p:sp>
+      <p:sp>
+        <p:nvSpPr>
+          <p:cNvPr id="5" name="Content Placeholder 2">
+            <a:extLst>
+              <a:ext uri="{FF2B5EF4-FFF2-40B4-BE49-F238E27FC236}">
+                <a16:creationId xmlns:a16="http://schemas.microsoft.com/office/drawing/2014/main" id="{9D33CBA5-8A58-4A06-88AC-71A294F81086}"/>
+              </a:ext>
+            </a:extLst>
+          </p:cNvPr>
+          <p:cNvSpPr txBox="1">
+            <a:spLocks/>
+          </p:cNvSpPr>
+          <p:nvPr/>
+        </p:nvSpPr>
+        <p:spPr>
+          <a:xfrm>
+            <a:off x="4914774" y="1100261"/>
+            <a:ext cx="4158206" cy="561045"/>
+          </a:xfrm>
+          <a:prstGeom prst="rect">
+            <a:avLst/>
+          </a:prstGeom>
+        </p:spPr>
+        <p:txBody>
+          <a:bodyPr vert="horz" lIns="91440" tIns="45720" rIns="91440" bIns="45720" rtlCol="0">
+            <a:normAutofit fontScale="25000" lnSpcReduction="20000"/>
+          </a:bodyPr>
+          <a:lstStyle>
+            <a:lvl1pPr marL="171450" indent="-171450" algn="l" defTabSz="685800" rtl="0" eaLnBrk="1" latinLnBrk="0" hangingPunct="1">
+              <a:lnSpc>
+                <a:spcPct val="90000"/>
+              </a:lnSpc>
+              <a:spcBef>
+                <a:spcPts val="750"/>
+              </a:spcBef>
+              <a:buFont typeface="Arial" panose="020B0604020202020204" pitchFamily="34" charset="0"/>
+              <a:buChar char="•"/>
+              <a:defRPr sz="2400" kern="1200">
+                <a:gradFill>
+                  <a:gsLst>
+                    <a:gs pos="34000">
+                      <a:schemeClr val="tx1">
+                        <a:lumMod val="93000"/>
+                      </a:schemeClr>
+                    </a:gs>
+                    <a:gs pos="0">
+                      <a:schemeClr val="bg1">
+                        <a:lumMod val="25000"/>
+                        <a:lumOff val="75000"/>
+                      </a:schemeClr>
+                    </a:gs>
+                    <a:gs pos="100000">
+                      <a:schemeClr val="tx2">
+                        <a:lumMod val="0"/>
+                        <a:lumOff val="100000"/>
+                      </a:schemeClr>
+                    </a:gs>
+                  </a:gsLst>
+                  <a:lin ang="4800000" scaled="0"/>
+                </a:gradFill>
+                <a:latin typeface="+mn-lt"/>
+                <a:ea typeface="+mn-ea"/>
+                <a:cs typeface="+mn-cs"/>
+              </a:defRPr>
+            </a:lvl1pPr>
+            <a:lvl2pPr marL="514350" indent="-171450" algn="l" defTabSz="685800" rtl="0" eaLnBrk="1" latinLnBrk="0" hangingPunct="1">
+              <a:lnSpc>
+                <a:spcPct val="90000"/>
+              </a:lnSpc>
+              <a:spcBef>
+                <a:spcPts val="375"/>
+              </a:spcBef>
+              <a:buFont typeface="Arial" panose="020B0604020202020204" pitchFamily="34" charset="0"/>
+              <a:buChar char="•"/>
+              <a:defRPr sz="2000" kern="1200">
+                <a:gradFill>
+                  <a:gsLst>
+                    <a:gs pos="34000">
+                      <a:schemeClr val="tx1">
+                        <a:lumMod val="93000"/>
+                      </a:schemeClr>
+                    </a:gs>
+                    <a:gs pos="0">
+                      <a:schemeClr val="bg1">
+                        <a:lumMod val="25000"/>
+                        <a:lumOff val="75000"/>
+                      </a:schemeClr>
+                    </a:gs>
+                    <a:gs pos="100000">
+                      <a:schemeClr val="tx2">
+                        <a:lumMod val="0"/>
+                        <a:lumOff val="100000"/>
+                      </a:schemeClr>
+                    </a:gs>
+                  </a:gsLst>
+                  <a:lin ang="4800000" scaled="0"/>
+                </a:gradFill>
+                <a:latin typeface="+mn-lt"/>
+                <a:ea typeface="+mn-ea"/>
+                <a:cs typeface="+mn-cs"/>
+              </a:defRPr>
+            </a:lvl2pPr>
+            <a:lvl3pPr marL="857250" indent="-171450" algn="l" defTabSz="685800" rtl="0" eaLnBrk="1" latinLnBrk="0" hangingPunct="1">
+              <a:lnSpc>
+                <a:spcPct val="90000"/>
+              </a:lnSpc>
+              <a:spcBef>
+                <a:spcPts val="375"/>
+              </a:spcBef>
+              <a:buFont typeface="Arial" panose="020B0604020202020204" pitchFamily="34" charset="0"/>
+              <a:buChar char="•"/>
+              <a:defRPr sz="1600" kern="1200">
+                <a:gradFill>
+                  <a:gsLst>
+                    <a:gs pos="34000">
+                      <a:schemeClr val="tx1">
+                        <a:lumMod val="93000"/>
+                      </a:schemeClr>
+                    </a:gs>
+                    <a:gs pos="0">
+                      <a:schemeClr val="bg1">
+                        <a:lumMod val="25000"/>
+                        <a:lumOff val="75000"/>
+                      </a:schemeClr>
+                    </a:gs>
+                    <a:gs pos="100000">
+                      <a:schemeClr val="tx2">
+                        <a:lumMod val="0"/>
+                        <a:lumOff val="100000"/>
+                      </a:schemeClr>
+                    </a:gs>
+                  </a:gsLst>
+                  <a:lin ang="4800000" scaled="0"/>
+                </a:gradFill>
+                <a:latin typeface="+mn-lt"/>
+                <a:ea typeface="+mn-ea"/>
+                <a:cs typeface="+mn-cs"/>
+              </a:defRPr>
+            </a:lvl3pPr>
+            <a:lvl4pPr marL="1200150" indent="-171450" algn="l" defTabSz="685800" rtl="0" eaLnBrk="1" latinLnBrk="0" hangingPunct="1">
+              <a:lnSpc>
+                <a:spcPct val="90000"/>
+              </a:lnSpc>
+              <a:spcBef>
+                <a:spcPts val="375"/>
+              </a:spcBef>
+              <a:buFont typeface="Arial" panose="020B0604020202020204" pitchFamily="34" charset="0"/>
+              <a:buChar char="•"/>
+              <a:defRPr sz="1400" kern="1200">
+                <a:gradFill>
+                  <a:gsLst>
+                    <a:gs pos="34000">
+                      <a:schemeClr val="tx1">
+                        <a:lumMod val="93000"/>
+                      </a:schemeClr>
+                    </a:gs>
+                    <a:gs pos="0">
+                      <a:schemeClr val="bg1">
+                        <a:lumMod val="25000"/>
+                        <a:lumOff val="75000"/>
+                      </a:schemeClr>
+                    </a:gs>
+                    <a:gs pos="100000">
+                      <a:schemeClr val="tx2">
+                        <a:lumMod val="0"/>
+                        <a:lumOff val="100000"/>
+                      </a:schemeClr>
+                    </a:gs>
+                  </a:gsLst>
+                  <a:lin ang="4800000" scaled="0"/>
+                </a:gradFill>
+                <a:latin typeface="+mn-lt"/>
+                <a:ea typeface="+mn-ea"/>
+                <a:cs typeface="+mn-cs"/>
+              </a:defRPr>
+            </a:lvl4pPr>
+            <a:lvl5pPr marL="1543050" indent="-171450" algn="l" defTabSz="685800" rtl="0" eaLnBrk="1" latinLnBrk="0" hangingPunct="1">
+              <a:lnSpc>
+                <a:spcPct val="90000"/>
+              </a:lnSpc>
+              <a:spcBef>
+                <a:spcPts val="375"/>
+              </a:spcBef>
+              <a:buFont typeface="Arial" panose="020B0604020202020204" pitchFamily="34" charset="0"/>
+              <a:buChar char="•"/>
+              <a:defRPr sz="1400" kern="1200">
+                <a:gradFill>
+                  <a:gsLst>
+                    <a:gs pos="34000">
+                      <a:schemeClr val="tx1">
+                        <a:lumMod val="93000"/>
+                      </a:schemeClr>
+                    </a:gs>
+                    <a:gs pos="0">
+                      <a:schemeClr val="bg1">
+                        <a:lumMod val="25000"/>
+                        <a:lumOff val="75000"/>
+                      </a:schemeClr>
+                    </a:gs>
+                    <a:gs pos="100000">
+                      <a:schemeClr val="tx2">
+                        <a:lumMod val="0"/>
+                        <a:lumOff val="100000"/>
+                      </a:schemeClr>
+                    </a:gs>
+                  </a:gsLst>
+                  <a:lin ang="4800000" scaled="0"/>
+                </a:gradFill>
+                <a:latin typeface="+mn-lt"/>
+                <a:ea typeface="+mn-ea"/>
+                <a:cs typeface="+mn-cs"/>
+              </a:defRPr>
+            </a:lvl5pPr>
+            <a:lvl6pPr marL="1885950" indent="-171450" algn="l" defTabSz="685800" rtl="0" eaLnBrk="1" latinLnBrk="0" hangingPunct="1">
+              <a:lnSpc>
+                <a:spcPct val="90000"/>
+              </a:lnSpc>
+              <a:spcBef>
+                <a:spcPts val="375"/>
+              </a:spcBef>
+              <a:buFont typeface="Arial" panose="020B0604020202020204" pitchFamily="34" charset="0"/>
+              <a:buChar char="•"/>
+              <a:defRPr sz="1350" kern="1200">
+                <a:solidFill>
+                  <a:schemeClr val="tx1"/>
+                </a:solidFill>
+                <a:latin typeface="+mn-lt"/>
+                <a:ea typeface="+mn-ea"/>
+                <a:cs typeface="+mn-cs"/>
+              </a:defRPr>
+            </a:lvl6pPr>
+            <a:lvl7pPr marL="2228850" indent="-171450" algn="l" defTabSz="685800" rtl="0" eaLnBrk="1" latinLnBrk="0" hangingPunct="1">
+              <a:lnSpc>
+                <a:spcPct val="90000"/>
+              </a:lnSpc>
+              <a:spcBef>
+                <a:spcPts val="375"/>
+              </a:spcBef>
+              <a:buFont typeface="Arial" panose="020B0604020202020204" pitchFamily="34" charset="0"/>
+              <a:buChar char="•"/>
+              <a:defRPr sz="1350" kern="1200">
+                <a:solidFill>
+                  <a:schemeClr val="tx1"/>
+                </a:solidFill>
+                <a:latin typeface="+mn-lt"/>
+                <a:ea typeface="+mn-ea"/>
+                <a:cs typeface="+mn-cs"/>
+              </a:defRPr>
+            </a:lvl7pPr>
+            <a:lvl8pPr marL="2571750" indent="-171450" algn="l" defTabSz="685800" rtl="0" eaLnBrk="1" latinLnBrk="0" hangingPunct="1">
+              <a:lnSpc>
+                <a:spcPct val="90000"/>
+              </a:lnSpc>
+              <a:spcBef>
+                <a:spcPts val="375"/>
+              </a:spcBef>
+              <a:buFont typeface="Arial" panose="020B0604020202020204" pitchFamily="34" charset="0"/>
+              <a:buChar char="•"/>
+              <a:defRPr sz="1350" kern="1200">
+                <a:solidFill>
+                  <a:schemeClr val="tx1"/>
+                </a:solidFill>
+                <a:latin typeface="+mn-lt"/>
+                <a:ea typeface="+mn-ea"/>
+                <a:cs typeface="+mn-cs"/>
+              </a:defRPr>
+            </a:lvl8pPr>
+            <a:lvl9pPr marL="2914650" indent="-171450" algn="l" defTabSz="685800" rtl="0" eaLnBrk="1" latinLnBrk="0" hangingPunct="1">
+              <a:lnSpc>
+                <a:spcPct val="90000"/>
+              </a:lnSpc>
+              <a:spcBef>
+                <a:spcPts val="375"/>
+              </a:spcBef>
+              <a:buFont typeface="Arial" panose="020B0604020202020204" pitchFamily="34" charset="0"/>
+              <a:buChar char="•"/>
+              <a:defRPr sz="1350" kern="1200">
+                <a:solidFill>
+                  <a:schemeClr val="tx1"/>
+                </a:solidFill>
+                <a:latin typeface="+mn-lt"/>
+                <a:ea typeface="+mn-ea"/>
+                <a:cs typeface="+mn-cs"/>
+              </a:defRPr>
+            </a:lvl9pPr>
+          </a:lstStyle>
+          <a:p>
+            <a:r>
+              <a:rPr lang="en-US" sz="8800" dirty="0"/>
+              <a:t>Commercial Use</a:t>
+            </a:r>
+          </a:p>
+          <a:p>
+            <a:pPr lvl="1"/>
+            <a:r>
+              <a:rPr lang="en-US" sz="6400" dirty="0"/>
+              <a:t>30% of total natural gas used in Chicago</a:t>
+            </a:r>
+          </a:p>
+          <a:p>
+            <a:pPr lvl="1"/>
+            <a:r>
+              <a:rPr lang="en-US" sz="6600" dirty="0"/>
+              <a:t>The Loop accounted for 10% of commercial gas use</a:t>
+            </a:r>
+          </a:p>
+          <a:p>
+            <a:pPr lvl="1"/>
+            <a:endParaRPr lang="en-US" sz="6400" dirty="0"/>
+          </a:p>
+        </p:txBody>
+      </p:sp>
+      <p:pic>
+        <p:nvPicPr>
+          <p:cNvPr id="4" name="Picture 3">
+            <a:extLst>
+              <a:ext uri="{FF2B5EF4-FFF2-40B4-BE49-F238E27FC236}">
+                <a16:creationId xmlns:a16="http://schemas.microsoft.com/office/drawing/2014/main" id="{382B0ADE-0F6F-4740-8393-DCAF2ACA12FA}"/>
+              </a:ext>
+            </a:extLst>
+          </p:cNvPr>
+          <p:cNvPicPr>
+            <a:picLocks noChangeAspect="1"/>
+          </p:cNvPicPr>
+          <p:nvPr/>
+        </p:nvPicPr>
+        <p:blipFill>
+          <a:blip r:embed="rId2"/>
+          <a:stretch>
+            <a:fillRect/>
+          </a:stretch>
+        </p:blipFill>
+        <p:spPr>
+          <a:xfrm>
+            <a:off x="4652997" y="2760381"/>
+            <a:ext cx="4419983" cy="3246401"/>
+          </a:xfrm>
+          <a:prstGeom prst="rect">
+            <a:avLst/>
+          </a:prstGeom>
+        </p:spPr>
+      </p:pic>
+      <p:pic>
+        <p:nvPicPr>
+          <p:cNvPr id="8" name="Picture 7">
+            <a:extLst>
+              <a:ext uri="{FF2B5EF4-FFF2-40B4-BE49-F238E27FC236}">
+                <a16:creationId xmlns:a16="http://schemas.microsoft.com/office/drawing/2014/main" id="{280D2B54-BF25-4D25-B370-1A376B2DB898}"/>
+              </a:ext>
+            </a:extLst>
+          </p:cNvPr>
+          <p:cNvPicPr>
+            <a:picLocks noChangeAspect="1"/>
+          </p:cNvPicPr>
+          <p:nvPr/>
+        </p:nvPicPr>
+        <p:blipFill>
+          <a:blip r:embed="rId3"/>
+          <a:stretch>
+            <a:fillRect/>
+          </a:stretch>
+        </p:blipFill>
+        <p:spPr>
+          <a:xfrm>
+            <a:off x="125692" y="2752760"/>
+            <a:ext cx="4419983" cy="3254022"/>
+          </a:xfrm>
+          <a:prstGeom prst="rect">
+            <a:avLst/>
+          </a:prstGeom>
+        </p:spPr>
+      </p:pic>
+    </p:spTree>
+    <p:extLst>
+      <p:ext uri="{BB962C8B-B14F-4D97-AF65-F5344CB8AC3E}">
+        <p14:creationId xmlns:p14="http://schemas.microsoft.com/office/powerpoint/2010/main" val="1227188968"/>
+      </p:ext>
+    </p:extLst>
+  </p:cSld>
+  <p:clrMapOvr>
+    <a:masterClrMapping/>
+  </p:clrMapOvr>
+</p:sld>
+</file>
+
+<file path=ppt/slides/slide6.xml><?xml version="1.0" encoding="utf-8"?>
+<p:sld xmlns:a="http://schemas.openxmlformats.org/drawingml/2006/main" xmlns:r="http://schemas.openxmlformats.org/officeDocument/2006/relationships" xmlns:p="http://schemas.openxmlformats.org/presentationml/2006/main">
+  <p:cSld>
+    <p:spTree>
+      <p:nvGrpSpPr>
+        <p:cNvPr id="1" name=""/>
+        <p:cNvGrpSpPr/>
+        <p:nvPr/>
+      </p:nvGrpSpPr>
+      <p:grpSpPr>
+        <a:xfrm>
+          <a:off x="0" y="0"/>
+          <a:ext cx="0" cy="0"/>
+          <a:chOff x="0" y="0"/>
+          <a:chExt cx="0" cy="0"/>
+        </a:xfrm>
+      </p:grpSpPr>
+      <p:sp>
+        <p:nvSpPr>
+          <p:cNvPr id="2" name="Title 1">
+            <a:extLst>
+              <a:ext uri="{FF2B5EF4-FFF2-40B4-BE49-F238E27FC236}">
+                <a16:creationId xmlns:a16="http://schemas.microsoft.com/office/drawing/2014/main" id="{BE900F1E-1BC1-43CA-82E8-8C6DB95AE681}"/>
+              </a:ext>
+            </a:extLst>
+          </p:cNvPr>
+          <p:cNvSpPr>
+            <a:spLocks noGrp="1"/>
+          </p:cNvSpPr>
+          <p:nvPr>
+            <p:ph type="title"/>
+          </p:nvPr>
+        </p:nvSpPr>
+        <p:spPr>
+          <a:xfrm>
+            <a:off x="628650" y="18255"/>
+            <a:ext cx="7886700" cy="1325563"/>
+          </a:xfrm>
+        </p:spPr>
+        <p:txBody>
+          <a:bodyPr/>
+          <a:lstStyle/>
+          <a:p>
+            <a:r>
+              <a:rPr lang="en-US" dirty="0"/>
+              <a:t>Gas Usage – 2010 </a:t>
+            </a:r>
+          </a:p>
+        </p:txBody>
+      </p:sp>
+      <p:sp>
+        <p:nvSpPr>
+          <p:cNvPr id="9" name="TextBox 8">
+            <a:extLst>
+              <a:ext uri="{FF2B5EF4-FFF2-40B4-BE49-F238E27FC236}">
+                <a16:creationId xmlns:a16="http://schemas.microsoft.com/office/drawing/2014/main" id="{6CE20368-C20E-4267-97B9-46CE0BE7CFC5}"/>
+              </a:ext>
+            </a:extLst>
+          </p:cNvPr>
+          <p:cNvSpPr txBox="1"/>
+          <p:nvPr/>
+        </p:nvSpPr>
+        <p:spPr>
+          <a:xfrm>
+            <a:off x="628650" y="1595219"/>
+            <a:ext cx="2979277" cy="369332"/>
+          </a:xfrm>
+          <a:prstGeom prst="rect">
+            <a:avLst/>
+          </a:prstGeom>
+          <a:noFill/>
+        </p:spPr>
+        <p:txBody>
+          <a:bodyPr wrap="none" rtlCol="0">
+            <a:spAutoFit/>
+          </a:bodyPr>
+          <a:lstStyle/>
+          <a:p>
+            <a:r>
+              <a:rPr lang="en-US" dirty="0"/>
+              <a:t>Average Gas Usage by Month</a:t>
+            </a:r>
+          </a:p>
+        </p:txBody>
+      </p:sp>
+      <p:pic>
+        <p:nvPicPr>
+          <p:cNvPr id="11" name="Picture 10">
+            <a:extLst>
+              <a:ext uri="{FF2B5EF4-FFF2-40B4-BE49-F238E27FC236}">
+                <a16:creationId xmlns:a16="http://schemas.microsoft.com/office/drawing/2014/main" id="{F38E5EFE-AF74-49CD-82D6-98494269AA76}"/>
+              </a:ext>
+            </a:extLst>
+          </p:cNvPr>
+          <p:cNvPicPr>
+            <a:picLocks noChangeAspect="1"/>
+          </p:cNvPicPr>
+          <p:nvPr/>
+        </p:nvPicPr>
+        <p:blipFill>
+          <a:blip r:embed="rId2"/>
+          <a:stretch>
+            <a:fillRect/>
+          </a:stretch>
+        </p:blipFill>
+        <p:spPr>
+          <a:xfrm>
+            <a:off x="334913" y="2215952"/>
+            <a:ext cx="8474174" cy="2362405"/>
+          </a:xfrm>
+          <a:prstGeom prst="rect">
+            <a:avLst/>
+          </a:prstGeom>
+        </p:spPr>
+      </p:pic>
+    </p:spTree>
+    <p:extLst>
+      <p:ext uri="{BB962C8B-B14F-4D97-AF65-F5344CB8AC3E}">
+        <p14:creationId xmlns:p14="http://schemas.microsoft.com/office/powerpoint/2010/main" val="113368063"/>
+      </p:ext>
+    </p:extLst>
+  </p:cSld>
+  <p:clrMapOvr>
+    <a:masterClrMapping/>
+  </p:clrMapOvr>
+</p:sld>
+</file>
+
+<file path=ppt/slides/slide7.xml><?xml version="1.0" encoding="utf-8"?>
+<p:sld xmlns:a="http://schemas.openxmlformats.org/drawingml/2006/main" xmlns:r="http://schemas.openxmlformats.org/officeDocument/2006/relationships" xmlns:p="http://schemas.openxmlformats.org/presentationml/2006/main">
+  <p:cSld>
+    <p:spTree>
+      <p:nvGrpSpPr>
+        <p:cNvPr id="1" name=""/>
+        <p:cNvGrpSpPr/>
+        <p:nvPr/>
+      </p:nvGrpSpPr>
+      <p:grpSpPr>
+        <a:xfrm>
+          <a:off x="0" y="0"/>
+          <a:ext cx="0" cy="0"/>
+          <a:chOff x="0" y="0"/>
+          <a:chExt cx="0" cy="0"/>
+        </a:xfrm>
+      </p:grpSpPr>
+      <p:sp>
+        <p:nvSpPr>
+          <p:cNvPr id="2" name="Title 1">
+            <a:extLst>
+              <a:ext uri="{FF2B5EF4-FFF2-40B4-BE49-F238E27FC236}">
+                <a16:creationId xmlns:a16="http://schemas.microsoft.com/office/drawing/2014/main" id="{BE900F1E-1BC1-43CA-82E8-8C6DB95AE681}"/>
+              </a:ext>
+            </a:extLst>
+          </p:cNvPr>
+          <p:cNvSpPr>
+            <a:spLocks noGrp="1"/>
+          </p:cNvSpPr>
+          <p:nvPr>
+            <p:ph type="title"/>
+          </p:nvPr>
+        </p:nvSpPr>
+        <p:spPr>
+          <a:xfrm>
+            <a:off x="628650" y="-222084"/>
+            <a:ext cx="7886700" cy="1420427"/>
+          </a:xfrm>
+        </p:spPr>
+        <p:txBody>
+          <a:bodyPr/>
+          <a:lstStyle/>
+          <a:p>
+            <a:r>
+              <a:rPr lang="en-US" dirty="0"/>
+              <a:t>Key Stats – 2010 </a:t>
+            </a:r>
+          </a:p>
+        </p:txBody>
+      </p:sp>
+      <p:sp>
+        <p:nvSpPr>
+          <p:cNvPr id="3" name="Content Placeholder 2">
+            <a:extLst>
+              <a:ext uri="{FF2B5EF4-FFF2-40B4-BE49-F238E27FC236}">
+                <a16:creationId xmlns:a16="http://schemas.microsoft.com/office/drawing/2014/main" id="{0ACEA7C5-E3C8-4C16-BD61-75EB9C15504F}"/>
+              </a:ext>
+            </a:extLst>
+          </p:cNvPr>
+          <p:cNvSpPr>
+            <a:spLocks noGrp="1"/>
+          </p:cNvSpPr>
+          <p:nvPr>
+            <p:ph idx="1"/>
+          </p:nvPr>
+        </p:nvSpPr>
+        <p:spPr>
+          <a:xfrm>
+            <a:off x="115409" y="1081640"/>
+            <a:ext cx="8913181" cy="5470079"/>
+          </a:xfrm>
+        </p:spPr>
+        <p:txBody>
+          <a:bodyPr/>
+          <a:lstStyle/>
+          <a:p>
+            <a:pPr lvl="1"/>
+            <a:endParaRPr lang="en-US" dirty="0"/>
+          </a:p>
+          <a:p>
+            <a:pPr lvl="1"/>
+            <a:endParaRPr lang="en-US" dirty="0"/>
+          </a:p>
+        </p:txBody>
+      </p:sp>
+      <p:pic>
+        <p:nvPicPr>
+          <p:cNvPr id="9" name="Picture 8">
+            <a:extLst>
+              <a:ext uri="{FF2B5EF4-FFF2-40B4-BE49-F238E27FC236}">
+                <a16:creationId xmlns:a16="http://schemas.microsoft.com/office/drawing/2014/main" id="{CED7D689-903E-4B45-B99C-487091023942}"/>
+              </a:ext>
+            </a:extLst>
+          </p:cNvPr>
+          <p:cNvPicPr>
+            <a:picLocks noChangeAspect="1"/>
+          </p:cNvPicPr>
+          <p:nvPr/>
+        </p:nvPicPr>
+        <p:blipFill>
+          <a:blip r:embed="rId2"/>
+          <a:stretch>
+            <a:fillRect/>
+          </a:stretch>
+        </p:blipFill>
+        <p:spPr>
+          <a:xfrm>
+            <a:off x="723213" y="1404805"/>
+            <a:ext cx="4732430" cy="2474737"/>
+          </a:xfrm>
+          <a:prstGeom prst="rect">
+            <a:avLst/>
+          </a:prstGeom>
+        </p:spPr>
+      </p:pic>
+      <p:sp>
+        <p:nvSpPr>
+          <p:cNvPr id="10" name="TextBox 9">
+            <a:extLst>
+              <a:ext uri="{FF2B5EF4-FFF2-40B4-BE49-F238E27FC236}">
+                <a16:creationId xmlns:a16="http://schemas.microsoft.com/office/drawing/2014/main" id="{C9F0DEC0-1C2B-4B1B-8D55-EDC82BB6685A}"/>
+              </a:ext>
+            </a:extLst>
+          </p:cNvPr>
+          <p:cNvSpPr txBox="1"/>
+          <p:nvPr/>
+        </p:nvSpPr>
+        <p:spPr>
+          <a:xfrm>
+            <a:off x="5653013" y="1404805"/>
+            <a:ext cx="3178206" cy="1754326"/>
+          </a:xfrm>
+          <a:prstGeom prst="rect">
+            <a:avLst/>
+          </a:prstGeom>
+          <a:noFill/>
+        </p:spPr>
+        <p:txBody>
+          <a:bodyPr wrap="square" rtlCol="0">
+            <a:spAutoFit/>
+          </a:bodyPr>
+          <a:lstStyle/>
+          <a:p>
+            <a:r>
+              <a:rPr lang="en-US" dirty="0"/>
+              <a:t>Building population increase is about 324 KW electricity a year across all building types</a:t>
+            </a:r>
+          </a:p>
+          <a:p>
+            <a:endParaRPr lang="en-US" dirty="0"/>
+          </a:p>
+          <a:p>
+            <a:r>
+              <a:rPr lang="en-US" dirty="0"/>
+              <a:t>The r-squared value is: 0.1342853598783616</a:t>
+            </a:r>
+          </a:p>
+        </p:txBody>
+      </p:sp>
+      <p:pic>
+        <p:nvPicPr>
+          <p:cNvPr id="13" name="Picture 12">
+            <a:extLst>
+              <a:ext uri="{FF2B5EF4-FFF2-40B4-BE49-F238E27FC236}">
+                <a16:creationId xmlns:a16="http://schemas.microsoft.com/office/drawing/2014/main" id="{1B65937A-D4C7-46D8-B208-06E964CEB112}"/>
+              </a:ext>
+            </a:extLst>
+          </p:cNvPr>
+          <p:cNvPicPr>
+            <a:picLocks noChangeAspect="1"/>
+          </p:cNvPicPr>
+          <p:nvPr/>
+        </p:nvPicPr>
+        <p:blipFill>
+          <a:blip r:embed="rId3"/>
+          <a:stretch>
+            <a:fillRect/>
+          </a:stretch>
+        </p:blipFill>
+        <p:spPr>
+          <a:xfrm>
+            <a:off x="723213" y="3953778"/>
+            <a:ext cx="4732430" cy="2804403"/>
+          </a:xfrm>
+          <a:prstGeom prst="rect">
+            <a:avLst/>
+          </a:prstGeom>
+        </p:spPr>
+      </p:pic>
+      <p:sp>
+        <p:nvSpPr>
+          <p:cNvPr id="14" name="TextBox 13">
+            <a:extLst>
+              <a:ext uri="{FF2B5EF4-FFF2-40B4-BE49-F238E27FC236}">
+                <a16:creationId xmlns:a16="http://schemas.microsoft.com/office/drawing/2014/main" id="{4DE65D20-B88C-48C3-8E4E-F0E0098DA520}"/>
+              </a:ext>
+            </a:extLst>
+          </p:cNvPr>
+          <p:cNvSpPr txBox="1"/>
+          <p:nvPr/>
+        </p:nvSpPr>
+        <p:spPr>
+          <a:xfrm>
+            <a:off x="5583471" y="3878651"/>
+            <a:ext cx="3178206" cy="1754326"/>
+          </a:xfrm>
+          <a:prstGeom prst="rect">
+            <a:avLst/>
+          </a:prstGeom>
+          <a:noFill/>
+        </p:spPr>
+        <p:txBody>
+          <a:bodyPr wrap="square" rtlCol="0">
+            <a:spAutoFit/>
+          </a:bodyPr>
+          <a:lstStyle/>
+          <a:p>
+            <a:r>
+              <a:rPr lang="en-US" dirty="0"/>
+              <a:t>Building population increase is about 294 THERMS a year across all building types</a:t>
+            </a:r>
+          </a:p>
+          <a:p>
+            <a:endParaRPr lang="en-US" dirty="0"/>
+          </a:p>
+          <a:p>
+            <a:r>
+              <a:rPr lang="en-US" dirty="0"/>
+              <a:t>The r-squared is: 0.12900909046920275</a:t>
+            </a:r>
+          </a:p>
+        </p:txBody>
+      </p:sp>
+    </p:spTree>
+    <p:extLst>
+      <p:ext uri="{BB962C8B-B14F-4D97-AF65-F5344CB8AC3E}">
+        <p14:creationId xmlns:p14="http://schemas.microsoft.com/office/powerpoint/2010/main" val="1796831736"/>
+      </p:ext>
+    </p:extLst>
+  </p:cSld>
+  <p:clrMapOvr>
+    <a:masterClrMapping/>
+  </p:clrMapOvr>
+</p:sld>
+</file>
+
+<file path=ppt/slides/slide8.xml><?xml version="1.0" encoding="utf-8"?>
+<p:sld xmlns:a="http://schemas.openxmlformats.org/drawingml/2006/main" xmlns:r="http://schemas.openxmlformats.org/officeDocument/2006/relationships" xmlns:p="http://schemas.openxmlformats.org/presentationml/2006/main">
+  <p:cSld>
+    <p:spTree>
+      <p:nvGrpSpPr>
+        <p:cNvPr id="1" name=""/>
+        <p:cNvGrpSpPr/>
+        <p:nvPr/>
+      </p:nvGrpSpPr>
+      <p:grpSpPr>
+        <a:xfrm>
+          <a:off x="0" y="0"/>
+          <a:ext cx="0" cy="0"/>
+          <a:chOff x="0" y="0"/>
+          <a:chExt cx="0" cy="0"/>
+        </a:xfrm>
+      </p:grpSpPr>
+      <p:sp>
+        <p:nvSpPr>
+          <p:cNvPr id="2" name="Title 1">
+            <a:extLst>
+              <a:ext uri="{FF2B5EF4-FFF2-40B4-BE49-F238E27FC236}">
+                <a16:creationId xmlns:a16="http://schemas.microsoft.com/office/drawing/2014/main" id="{BE900F1E-1BC1-43CA-82E8-8C6DB95AE681}"/>
+              </a:ext>
+            </a:extLst>
+          </p:cNvPr>
+          <p:cNvSpPr>
+            <a:spLocks noGrp="1"/>
+          </p:cNvSpPr>
+          <p:nvPr>
+            <p:ph type="title"/>
+          </p:nvPr>
+        </p:nvSpPr>
+        <p:spPr>
+          <a:xfrm>
+            <a:off x="628650" y="79900"/>
+            <a:ext cx="7886700" cy="1056300"/>
+          </a:xfrm>
+        </p:spPr>
+        <p:txBody>
+          <a:bodyPr/>
+          <a:lstStyle/>
+          <a:p>
+            <a:r>
+              <a:rPr lang="en-US" dirty="0"/>
+              <a:t>Key Stats  </a:t>
+            </a:r>
+          </a:p>
+        </p:txBody>
+      </p:sp>
+      <p:pic>
+        <p:nvPicPr>
+          <p:cNvPr id="6" name="Picture 5">
+            <a:extLst>
+              <a:ext uri="{FF2B5EF4-FFF2-40B4-BE49-F238E27FC236}">
+                <a16:creationId xmlns:a16="http://schemas.microsoft.com/office/drawing/2014/main" id="{6D67B3E3-9203-4223-B59B-938D61EC59B3}"/>
+              </a:ext>
+            </a:extLst>
+          </p:cNvPr>
+          <p:cNvPicPr>
+            <a:picLocks noChangeAspect="1"/>
+          </p:cNvPicPr>
+          <p:nvPr/>
+        </p:nvPicPr>
+        <p:blipFill>
+          <a:blip r:embed="rId2"/>
+          <a:stretch>
+            <a:fillRect/>
+          </a:stretch>
+        </p:blipFill>
+        <p:spPr>
+          <a:xfrm>
+            <a:off x="1935332" y="1782816"/>
+            <a:ext cx="5273335" cy="3574619"/>
+          </a:xfrm>
+          <a:prstGeom prst="rect">
+            <a:avLst/>
+          </a:prstGeom>
+        </p:spPr>
+      </p:pic>
+      <p:sp>
+        <p:nvSpPr>
+          <p:cNvPr id="7" name="TextBox 6">
+            <a:extLst>
+              <a:ext uri="{FF2B5EF4-FFF2-40B4-BE49-F238E27FC236}">
+                <a16:creationId xmlns:a16="http://schemas.microsoft.com/office/drawing/2014/main" id="{2A0CE91D-5720-4083-AB0B-FA7A11A6C16A}"/>
+              </a:ext>
+            </a:extLst>
+          </p:cNvPr>
+          <p:cNvSpPr txBox="1"/>
+          <p:nvPr/>
+        </p:nvSpPr>
+        <p:spPr>
+          <a:xfrm>
+            <a:off x="825623" y="1020932"/>
+            <a:ext cx="5474384" cy="646331"/>
+          </a:xfrm>
+          <a:prstGeom prst="rect">
+            <a:avLst/>
+          </a:prstGeom>
+          <a:noFill/>
+        </p:spPr>
+        <p:txBody>
+          <a:bodyPr wrap="none" rtlCol="0">
+            <a:spAutoFit/>
+          </a:bodyPr>
+          <a:lstStyle/>
+          <a:p>
+            <a:r>
+              <a:rPr lang="en-US" dirty="0"/>
+              <a:t>CTA Bus rides per year averaged 20M from 2015 to 2019</a:t>
+            </a:r>
+          </a:p>
+          <a:p>
+            <a:r>
+              <a:rPr lang="en-US" dirty="0"/>
+              <a:t>2020 is on pace to only have about 7M ~ 65% decrease</a:t>
+            </a:r>
+          </a:p>
+        </p:txBody>
+      </p:sp>
+    </p:spTree>
+    <p:extLst>
+      <p:ext uri="{BB962C8B-B14F-4D97-AF65-F5344CB8AC3E}">
+        <p14:creationId xmlns:p14="http://schemas.microsoft.com/office/powerpoint/2010/main" val="2063148355"/>
+      </p:ext>
+    </p:extLst>
+  </p:cSld>
+  <p:clrMapOvr>
+    <a:masterClrMapping/>
+  </p:clrMapOvr>
+</p:sld>
+</file>
+
+<file path=ppt/slides/slide9.xml><?xml version="1.0" encoding="utf-8"?>
+<p:sld xmlns:a="http://schemas.openxmlformats.org/drawingml/2006/main" xmlns:r="http://schemas.openxmlformats.org/officeDocument/2006/relationships" xmlns:p="http://schemas.openxmlformats.org/presentationml/2006/main">
+  <p:cSld>
+    <p:spTree>
+      <p:nvGrpSpPr>
+        <p:cNvPr id="1" name=""/>
+        <p:cNvGrpSpPr/>
+        <p:nvPr/>
+      </p:nvGrpSpPr>
+      <p:grpSpPr>
+        <a:xfrm>
+          <a:off x="0" y="0"/>
+          <a:ext cx="0" cy="0"/>
+          <a:chOff x="0" y="0"/>
+          <a:chExt cx="0" cy="0"/>
+        </a:xfrm>
+      </p:grpSpPr>
+      <p:sp>
+        <p:nvSpPr>
+          <p:cNvPr id="2" name="Title 1">
+            <a:extLst>
+              <a:ext uri="{FF2B5EF4-FFF2-40B4-BE49-F238E27FC236}">
+                <a16:creationId xmlns:a16="http://schemas.microsoft.com/office/drawing/2014/main" id="{58F86452-3248-4152-9260-F2EAB8075E2A}"/>
+              </a:ext>
+            </a:extLst>
+          </p:cNvPr>
+          <p:cNvSpPr>
+            <a:spLocks noGrp="1"/>
+          </p:cNvSpPr>
+          <p:nvPr>
+            <p:ph type="title"/>
+          </p:nvPr>
+        </p:nvSpPr>
+        <p:spPr/>
+        <p:txBody>
+          <a:bodyPr/>
+          <a:lstStyle/>
+          <a:p>
+            <a:r>
+              <a:rPr lang="en-US" dirty="0"/>
+              <a:t>Key Stats</a:t>
+            </a:r>
+          </a:p>
+        </p:txBody>
+      </p:sp>
+      <p:sp>
+        <p:nvSpPr>
+          <p:cNvPr id="3" name="Content Placeholder 2">
+            <a:extLst>
+              <a:ext uri="{FF2B5EF4-FFF2-40B4-BE49-F238E27FC236}">
+                <a16:creationId xmlns:a16="http://schemas.microsoft.com/office/drawing/2014/main" id="{9337CE11-978E-42D9-B678-8BE8E0C3388D}"/>
+              </a:ext>
+            </a:extLst>
+          </p:cNvPr>
+          <p:cNvSpPr>
+            <a:spLocks noGrp="1"/>
+          </p:cNvSpPr>
+          <p:nvPr>
+            <p:ph idx="1"/>
+          </p:nvPr>
+        </p:nvSpPr>
+        <p:spPr/>
+        <p:txBody>
+          <a:bodyPr>
+            <a:normAutofit/>
+          </a:bodyPr>
+          <a:lstStyle/>
+          <a:p>
+            <a:pPr marL="0" indent="0">
+              <a:buNone/>
+            </a:pPr>
+            <a:r>
+              <a:rPr lang="en-US" sz="1800" dirty="0"/>
+              <a:t>Fuel usage per rider for 2015-2020. </a:t>
+            </a:r>
+          </a:p>
+        </p:txBody>
+      </p:sp>
+      <p:pic>
+        <p:nvPicPr>
+          <p:cNvPr id="6" name="Picture 5" descr="Chart, bar chart&#10;&#10;Description automatically generated">
+            <a:extLst>
+              <a:ext uri="{FF2B5EF4-FFF2-40B4-BE49-F238E27FC236}">
+                <a16:creationId xmlns:a16="http://schemas.microsoft.com/office/drawing/2014/main" id="{D813878D-50AB-4F18-A5E5-C5BA70DEFFDE}"/>
+              </a:ext>
+            </a:extLst>
+          </p:cNvPr>
+          <p:cNvPicPr>
+            <a:picLocks noChangeAspect="1"/>
+          </p:cNvPicPr>
+          <p:nvPr/>
+        </p:nvPicPr>
+        <p:blipFill>
+          <a:blip r:embed="rId2">
+            <a:extLst>
+              <a:ext uri="{28A0092B-C50C-407E-A947-70E740481C1C}">
+                <a14:useLocalDpi xmlns:a14="http://schemas.microsoft.com/office/drawing/2010/main" val="0"/>
+              </a:ext>
+            </a:extLst>
+          </a:blip>
+          <a:stretch>
+            <a:fillRect/>
+          </a:stretch>
+        </p:blipFill>
+        <p:spPr>
+          <a:xfrm>
+            <a:off x="1927932" y="2592426"/>
+            <a:ext cx="4851909" cy="2948276"/>
+          </a:xfrm>
+          <a:prstGeom prst="rect">
+            <a:avLst/>
+          </a:prstGeom>
+        </p:spPr>
+      </p:pic>
+    </p:spTree>
+    <p:extLst>
+      <p:ext uri="{BB962C8B-B14F-4D97-AF65-F5344CB8AC3E}">
+        <p14:creationId xmlns:p14="http://schemas.microsoft.com/office/powerpoint/2010/main" val="1909653517"/>
       </p:ext>
     </p:extLst>
   </p:cSld>
@@ -8046,4 +12211,300 @@
     </a:ext>
   </a:extLst>
 </a:theme>
+</file>
+
+<file path=customXml/item1.xml><?xml version="1.0" encoding="utf-8"?>
+<ct:contentTypeSchema xmlns:ct="http://schemas.microsoft.com/office/2006/metadata/contentType" xmlns:ma="http://schemas.microsoft.com/office/2006/metadata/properties/metaAttributes" ct:_="" ma:_="" ma:contentTypeName="Document" ma:contentTypeID="0x0101004001769056D6A24DB516D5B072222B28" ma:contentTypeVersion="15" ma:contentTypeDescription="Create a new document." ma:contentTypeScope="" ma:versionID="ce44fb38c08b0a3528622068c2599491">
+  <xsd:schema xmlns:xsd="http://www.w3.org/2001/XMLSchema" xmlns:xs="http://www.w3.org/2001/XMLSchema" xmlns:p="http://schemas.microsoft.com/office/2006/metadata/properties" xmlns:ns1="http://schemas.microsoft.com/sharepoint/v3" xmlns:ns3="4169a816-2dd1-486e-821f-bae9e9bde25d" xmlns:ns4="14428437-3799-441a-a602-7da681713f98" targetNamespace="http://schemas.microsoft.com/office/2006/metadata/properties" ma:root="true" ma:fieldsID="5a799ee1dd17d4db0c44cb02fc12c8e9" ns1:_="" ns3:_="" ns4:_="">
+    <xsd:import namespace="http://schemas.microsoft.com/sharepoint/v3"/>
+    <xsd:import namespace="4169a816-2dd1-486e-821f-bae9e9bde25d"/>
+    <xsd:import namespace="14428437-3799-441a-a602-7da681713f98"/>
+    <xsd:element name="properties">
+      <xsd:complexType>
+        <xsd:sequence>
+          <xsd:element name="documentManagement">
+            <xsd:complexType>
+              <xsd:all>
+                <xsd:element ref="ns3:SharedWithUsers" minOccurs="0"/>
+                <xsd:element ref="ns3:SharedWithDetails" minOccurs="0"/>
+                <xsd:element ref="ns3:SharingHintHash" minOccurs="0"/>
+                <xsd:element ref="ns4:MediaServiceMetadata" minOccurs="0"/>
+                <xsd:element ref="ns4:MediaServiceFastMetadata" minOccurs="0"/>
+                <xsd:element ref="ns1:_ip_UnifiedCompliancePolicyProperties" minOccurs="0"/>
+                <xsd:element ref="ns1:_ip_UnifiedCompliancePolicyUIAction" minOccurs="0"/>
+                <xsd:element ref="ns4:MediaServiceAutoTags" minOccurs="0"/>
+                <xsd:element ref="ns4:MediaServiceOCR" minOccurs="0"/>
+                <xsd:element ref="ns4:MediaServiceGenerationTime" minOccurs="0"/>
+                <xsd:element ref="ns4:MediaServiceEventHashCode" minOccurs="0"/>
+                <xsd:element ref="ns4:MediaServiceAutoKeyPoints" minOccurs="0"/>
+                <xsd:element ref="ns4:MediaServiceKeyPoints" minOccurs="0"/>
+                <xsd:element ref="ns4:MediaServiceDateTaken" minOccurs="0"/>
+                <xsd:element ref="ns4:MediaServiceLocation" minOccurs="0"/>
+              </xsd:all>
+            </xsd:complexType>
+          </xsd:element>
+        </xsd:sequence>
+      </xsd:complexType>
+    </xsd:element>
+  </xsd:schema>
+  <xsd:schema xmlns:xsd="http://www.w3.org/2001/XMLSchema" xmlns:xs="http://www.w3.org/2001/XMLSchema" xmlns:dms="http://schemas.microsoft.com/office/2006/documentManagement/types" xmlns:pc="http://schemas.microsoft.com/office/infopath/2007/PartnerControls" targetNamespace="http://schemas.microsoft.com/sharepoint/v3" elementFormDefault="qualified">
+    <xsd:import namespace="http://schemas.microsoft.com/office/2006/documentManagement/types"/>
+    <xsd:import namespace="http://schemas.microsoft.com/office/infopath/2007/PartnerControls"/>
+    <xsd:element name="_ip_UnifiedCompliancePolicyProperties" ma:index="13" nillable="true" ma:displayName="Unified Compliance Policy Properties" ma:hidden="true" ma:internalName="_ip_UnifiedCompliancePolicyProperties">
+      <xsd:simpleType>
+        <xsd:restriction base="dms:Note"/>
+      </xsd:simpleType>
+    </xsd:element>
+    <xsd:element name="_ip_UnifiedCompliancePolicyUIAction" ma:index="14" nillable="true" ma:displayName="Unified Compliance Policy UI Action" ma:hidden="true" ma:internalName="_ip_UnifiedCompliancePolicyUIAction">
+      <xsd:simpleType>
+        <xsd:restriction base="dms:Text"/>
+      </xsd:simpleType>
+    </xsd:element>
+  </xsd:schema>
+  <xsd:schema xmlns:xsd="http://www.w3.org/2001/XMLSchema" xmlns:xs="http://www.w3.org/2001/XMLSchema" xmlns:dms="http://schemas.microsoft.com/office/2006/documentManagement/types" xmlns:pc="http://schemas.microsoft.com/office/infopath/2007/PartnerControls" targetNamespace="4169a816-2dd1-486e-821f-bae9e9bde25d" elementFormDefault="qualified">
+    <xsd:import namespace="http://schemas.microsoft.com/office/2006/documentManagement/types"/>
+    <xsd:import namespace="http://schemas.microsoft.com/office/infopath/2007/PartnerControls"/>
+    <xsd:element name="SharedWithUsers" ma:index="8" nillable="true" ma:displayName="Shared With" ma:description="" ma:internalName="SharedWithUsers" ma:readOnly="true">
+      <xsd:complexType>
+        <xsd:complexContent>
+          <xsd:extension base="dms:UserMulti">
+            <xsd:sequence>
+              <xsd:element name="UserInfo" minOccurs="0" maxOccurs="unbounded">
+                <xsd:complexType>
+                  <xsd:sequence>
+                    <xsd:element name="DisplayName" type="xsd:string" minOccurs="0"/>
+                    <xsd:element name="AccountId" type="dms:UserId" minOccurs="0" nillable="true"/>
+                    <xsd:element name="AccountType" type="xsd:string" minOccurs="0"/>
+                  </xsd:sequence>
+                </xsd:complexType>
+              </xsd:element>
+            </xsd:sequence>
+          </xsd:extension>
+        </xsd:complexContent>
+      </xsd:complexType>
+    </xsd:element>
+    <xsd:element name="SharedWithDetails" ma:index="9" nillable="true" ma:displayName="Shared With Details" ma:description="" ma:internalName="SharedWithDetails" ma:readOnly="true">
+      <xsd:simpleType>
+        <xsd:restriction base="dms:Note">
+          <xsd:maxLength value="255"/>
+        </xsd:restriction>
+      </xsd:simpleType>
+    </xsd:element>
+    <xsd:element name="SharingHintHash" ma:index="10" nillable="true" ma:displayName="Sharing Hint Hash" ma:description="" ma:hidden="true" ma:internalName="SharingHintHash" ma:readOnly="true">
+      <xsd:simpleType>
+        <xsd:restriction base="dms:Text"/>
+      </xsd:simpleType>
+    </xsd:element>
+  </xsd:schema>
+  <xsd:schema xmlns:xsd="http://www.w3.org/2001/XMLSchema" xmlns:xs="http://www.w3.org/2001/XMLSchema" xmlns:dms="http://schemas.microsoft.com/office/2006/documentManagement/types" xmlns:pc="http://schemas.microsoft.com/office/infopath/2007/PartnerControls" targetNamespace="14428437-3799-441a-a602-7da681713f98" elementFormDefault="qualified">
+    <xsd:import namespace="http://schemas.microsoft.com/office/2006/documentManagement/types"/>
+    <xsd:import namespace="http://schemas.microsoft.com/office/infopath/2007/PartnerControls"/>
+    <xsd:element name="MediaServiceMetadata" ma:index="11" nillable="true" ma:displayName="MediaServiceMetadata" ma:description="" ma:hidden="true" ma:internalName="MediaServiceMetadata" ma:readOnly="true">
+      <xsd:simpleType>
+        <xsd:restriction base="dms:Note"/>
+      </xsd:simpleType>
+    </xsd:element>
+    <xsd:element name="MediaServiceFastMetadata" ma:index="12" nillable="true" ma:displayName="MediaServiceFastMetadata" ma:description="" ma:hidden="true" ma:internalName="MediaServiceFastMetadata" ma:readOnly="true">
+      <xsd:simpleType>
+        <xsd:restriction base="dms:Note"/>
+      </xsd:simpleType>
+    </xsd:element>
+    <xsd:element name="MediaServiceAutoTags" ma:index="15" nillable="true" ma:displayName="Tags" ma:internalName="MediaServiceAutoTags" ma:readOnly="true">
+      <xsd:simpleType>
+        <xsd:restriction base="dms:Text"/>
+      </xsd:simpleType>
+    </xsd:element>
+    <xsd:element name="MediaServiceOCR" ma:index="16" nillable="true" ma:displayName="Extracted Text" ma:internalName="MediaServiceOCR" ma:readOnly="true">
+      <xsd:simpleType>
+        <xsd:restriction base="dms:Note">
+          <xsd:maxLength value="255"/>
+        </xsd:restriction>
+      </xsd:simpleType>
+    </xsd:element>
+    <xsd:element name="MediaServiceGenerationTime" ma:index="17" nillable="true" ma:displayName="MediaServiceGenerationTime" ma:hidden="true" ma:internalName="MediaServiceGenerationTime" ma:readOnly="true">
+      <xsd:simpleType>
+        <xsd:restriction base="dms:Text"/>
+      </xsd:simpleType>
+    </xsd:element>
+    <xsd:element name="MediaServiceEventHashCode" ma:index="18" nillable="true" ma:displayName="MediaServiceEventHashCode" ma:hidden="true" ma:internalName="MediaServiceEventHashCode" ma:readOnly="true">
+      <xsd:simpleType>
+        <xsd:restriction base="dms:Text"/>
+      </xsd:simpleType>
+    </xsd:element>
+    <xsd:element name="MediaServiceAutoKeyPoints" ma:index="19" nillable="true" ma:displayName="MediaServiceAutoKeyPoints" ma:hidden="true" ma:internalName="MediaServiceAutoKeyPoints" ma:readOnly="true">
+      <xsd:simpleType>
+        <xsd:restriction base="dms:Note"/>
+      </xsd:simpleType>
+    </xsd:element>
+    <xsd:element name="MediaServiceKeyPoints" ma:index="20" nillable="true" ma:displayName="KeyPoints" ma:internalName="MediaServiceKeyPoints" ma:readOnly="true">
+      <xsd:simpleType>
+        <xsd:restriction base="dms:Note">
+          <xsd:maxLength value="255"/>
+        </xsd:restriction>
+      </xsd:simpleType>
+    </xsd:element>
+    <xsd:element name="MediaServiceDateTaken" ma:index="21" nillable="true" ma:displayName="MediaServiceDateTaken" ma:hidden="true" ma:internalName="MediaServiceDateTaken" ma:readOnly="true">
+      <xsd:simpleType>
+        <xsd:restriction base="dms:Text"/>
+      </xsd:simpleType>
+    </xsd:element>
+    <xsd:element name="MediaServiceLocation" ma:index="22" nillable="true" ma:displayName="Location" ma:internalName="MediaServiceLocation" ma:readOnly="true">
+      <xsd:simpleType>
+        <xsd:restriction base="dms:Text"/>
+      </xsd:simpleType>
+    </xsd:element>
+  </xsd:schema>
+  <xsd:schema xmlns="http://schemas.openxmlformats.org/package/2006/metadata/core-properties" xmlns:xsd="http://www.w3.org/2001/XMLSchema" xmlns:xsi="http://www.w3.org/2001/XMLSchema-instance" xmlns:dc="http://purl.org/dc/elements/1.1/" xmlns:dcterms="http://purl.org/dc/terms/" xmlns:odoc="http://schemas.microsoft.com/internal/obd" targetNamespace="http://schemas.openxmlformats.org/package/2006/metadata/core-properties" elementFormDefault="qualified" attributeFormDefault="unqualified" blockDefault="#all">
+    <xsd:import namespace="http://purl.org/dc/elements/1.1/" schemaLocation="http://dublincore.org/schemas/xmls/qdc/2003/04/02/dc.xsd"/>
+    <xsd:import namespace="http://purl.org/dc/terms/" schemaLocation="http://dublincore.org/schemas/xmls/qdc/2003/04/02/dcterms.xsd"/>
+    <xsd:element name="coreProperties" type="CT_coreProperties"/>
+    <xsd:complexType name="CT_coreProperties">
+      <xsd:all>
+        <xsd:element ref="dc:creator" minOccurs="0" maxOccurs="1"/>
+        <xsd:element ref="dcterms:created" minOccurs="0" maxOccurs="1"/>
+        <xsd:element ref="dc:identifier" minOccurs="0" maxOccurs="1"/>
+        <xsd:element name="contentType" minOccurs="0" maxOccurs="1" type="xsd:string" ma:index="0" ma:displayName="Content Type"/>
+        <xsd:element ref="dc:title" minOccurs="0" maxOccurs="1" ma:index="4" ma:displayName="Title"/>
+        <xsd:element ref="dc:subject" minOccurs="0" maxOccurs="1"/>
+        <xsd:element ref="dc:description" minOccurs="0" maxOccurs="1"/>
+        <xsd:element name="keywords" minOccurs="0" maxOccurs="1" type="xsd:string"/>
+        <xsd:element ref="dc:language" minOccurs="0" maxOccurs="1"/>
+        <xsd:element name="category" minOccurs="0" maxOccurs="1" type="xsd:string"/>
+        <xsd:element name="version" minOccurs="0" maxOccurs="1" type="xsd:string"/>
+        <xsd:element name="revision" minOccurs="0" maxOccurs="1" type="xsd:string">
+          <xsd:annotation>
+            <xsd:documentation>
+                        This value indicates the number of saves or revisions. The application is responsible for updating this value after each revision.
+                    </xsd:documentation>
+          </xsd:annotation>
+        </xsd:element>
+        <xsd:element name="lastModifiedBy" minOccurs="0" maxOccurs="1" type="xsd:string"/>
+        <xsd:element ref="dcterms:modified" minOccurs="0" maxOccurs="1"/>
+        <xsd:element name="contentStatus" minOccurs="0" maxOccurs="1" type="xsd:string"/>
+      </xsd:all>
+    </xsd:complexType>
+  </xsd:schema>
+  <xs:schema xmlns:pc="http://schemas.microsoft.com/office/infopath/2007/PartnerControls" xmlns:xs="http://www.w3.org/2001/XMLSchema" targetNamespace="http://schemas.microsoft.com/office/infopath/2007/PartnerControls" elementFormDefault="qualified" attributeFormDefault="unqualified">
+    <xs:element name="Person">
+      <xs:complexType>
+        <xs:sequence>
+          <xs:element ref="pc:DisplayName" minOccurs="0"/>
+          <xs:element ref="pc:AccountId" minOccurs="0"/>
+          <xs:element ref="pc:AccountType" minOccurs="0"/>
+        </xs:sequence>
+      </xs:complexType>
+    </xs:element>
+    <xs:element name="DisplayName" type="xs:string"/>
+    <xs:element name="AccountId" type="xs:string"/>
+    <xs:element name="AccountType" type="xs:string"/>
+    <xs:element name="BDCAssociatedEntity">
+      <xs:complexType>
+        <xs:sequence>
+          <xs:element ref="pc:BDCEntity" minOccurs="0" maxOccurs="unbounded"/>
+        </xs:sequence>
+        <xs:attribute ref="pc:EntityNamespace"/>
+        <xs:attribute ref="pc:EntityName"/>
+        <xs:attribute ref="pc:SystemInstanceName"/>
+        <xs:attribute ref="pc:AssociationName"/>
+      </xs:complexType>
+    </xs:element>
+    <xs:attribute name="EntityNamespace" type="xs:string"/>
+    <xs:attribute name="EntityName" type="xs:string"/>
+    <xs:attribute name="SystemInstanceName" type="xs:string"/>
+    <xs:attribute name="AssociationName" type="xs:string"/>
+    <xs:element name="BDCEntity">
+      <xs:complexType>
+        <xs:sequence>
+          <xs:element ref="pc:EntityDisplayName" minOccurs="0"/>
+          <xs:element ref="pc:EntityInstanceReference" minOccurs="0"/>
+          <xs:element ref="pc:EntityId1" minOccurs="0"/>
+          <xs:element ref="pc:EntityId2" minOccurs="0"/>
+          <xs:element ref="pc:EntityId3" minOccurs="0"/>
+          <xs:element ref="pc:EntityId4" minOccurs="0"/>
+          <xs:element ref="pc:EntityId5" minOccurs="0"/>
+        </xs:sequence>
+      </xs:complexType>
+    </xs:element>
+    <xs:element name="EntityDisplayName" type="xs:string"/>
+    <xs:element name="EntityInstanceReference" type="xs:string"/>
+    <xs:element name="EntityId1" type="xs:string"/>
+    <xs:element name="EntityId2" type="xs:string"/>
+    <xs:element name="EntityId3" type="xs:string"/>
+    <xs:element name="EntityId4" type="xs:string"/>
+    <xs:element name="EntityId5" type="xs:string"/>
+    <xs:element name="Terms">
+      <xs:complexType>
+        <xs:sequence>
+          <xs:element ref="pc:TermInfo" minOccurs="0" maxOccurs="unbounded"/>
+        </xs:sequence>
+      </xs:complexType>
+    </xs:element>
+    <xs:element name="TermInfo">
+      <xs:complexType>
+        <xs:sequence>
+          <xs:element ref="pc:TermName" minOccurs="0"/>
+          <xs:element ref="pc:TermId" minOccurs="0"/>
+        </xs:sequence>
+      </xs:complexType>
+    </xs:element>
+    <xs:element name="TermName" type="xs:string"/>
+    <xs:element name="TermId" type="xs:string"/>
+  </xs:schema>
+</ct:contentTypeSchema>
+</file>
+
+<file path=customXml/item2.xml><?xml version="1.0" encoding="utf-8"?>
+<?mso-contentType ?>
+<FormTemplates xmlns="http://schemas.microsoft.com/sharepoint/v3/contenttype/forms">
+  <Display>DocumentLibraryForm</Display>
+  <Edit>DocumentLibraryForm</Edit>
+  <New>DocumentLibraryForm</New>
+</FormTemplates>
+</file>
+
+<file path=customXml/item3.xml><?xml version="1.0" encoding="utf-8"?>
+<p:properties xmlns:p="http://schemas.microsoft.com/office/2006/metadata/properties" xmlns:xsi="http://www.w3.org/2001/XMLSchema-instance" xmlns:pc="http://schemas.microsoft.com/office/infopath/2007/PartnerControls">
+  <documentManagement>
+    <_ip_UnifiedCompliancePolicyUIAction xmlns="http://schemas.microsoft.com/sharepoint/v3" xsi:nil="true"/>
+    <_ip_UnifiedCompliancePolicyProperties xmlns="http://schemas.microsoft.com/sharepoint/v3" xsi:nil="true"/>
+  </documentManagement>
+</p:properties>
+</file>
+
+<file path=customXml/itemProps1.xml><?xml version="1.0" encoding="utf-8"?>
+<ds:datastoreItem xmlns:ds="http://schemas.openxmlformats.org/officeDocument/2006/customXml" ds:itemID="{27E7134D-EF8E-4FFF-A3B4-97AF166E8893}">
+  <ds:schemaRefs>
+    <ds:schemaRef ds:uri="http://schemas.microsoft.com/office/2006/metadata/contentType"/>
+    <ds:schemaRef ds:uri="http://schemas.microsoft.com/office/2006/metadata/properties/metaAttributes"/>
+    <ds:schemaRef ds:uri="http://www.w3.org/2001/XMLSchema"/>
+    <ds:schemaRef ds:uri="http://schemas.microsoft.com/office/2006/metadata/properties"/>
+    <ds:schemaRef ds:uri="http://schemas.microsoft.com/sharepoint/v3"/>
+    <ds:schemaRef ds:uri="4169a816-2dd1-486e-821f-bae9e9bde25d"/>
+    <ds:schemaRef ds:uri="14428437-3799-441a-a602-7da681713f98"/>
+    <ds:schemaRef ds:uri="http://schemas.microsoft.com/office/2006/documentManagement/types"/>
+    <ds:schemaRef ds:uri="http://schemas.microsoft.com/office/infopath/2007/PartnerControls"/>
+    <ds:schemaRef ds:uri="http://schemas.openxmlformats.org/package/2006/metadata/core-properties"/>
+    <ds:schemaRef ds:uri="http://purl.org/dc/elements/1.1/"/>
+    <ds:schemaRef ds:uri="http://purl.org/dc/terms/"/>
+    <ds:schemaRef ds:uri="http://schemas.microsoft.com/internal/obd"/>
+  </ds:schemaRefs>
+</ds:datastoreItem>
+</file>
+
+<file path=customXml/itemProps2.xml><?xml version="1.0" encoding="utf-8"?>
+<ds:datastoreItem xmlns:ds="http://schemas.openxmlformats.org/officeDocument/2006/customXml" ds:itemID="{4971B632-6B32-435C-9618-A443BDAAFDC6}">
+  <ds:schemaRefs>
+    <ds:schemaRef ds:uri="http://schemas.microsoft.com/sharepoint/v3/contenttype/forms"/>
+  </ds:schemaRefs>
+</ds:datastoreItem>
+</file>
+
+<file path=customXml/itemProps3.xml><?xml version="1.0" encoding="utf-8"?>
+<ds:datastoreItem xmlns:ds="http://schemas.openxmlformats.org/officeDocument/2006/customXml" ds:itemID="{55F46475-80B2-42F2-9512-21711BAFAB07}">
+  <ds:schemaRefs>
+    <ds:schemaRef ds:uri="http://schemas.microsoft.com/office/2006/metadata/properties"/>
+    <ds:schemaRef ds:uri="http://schemas.microsoft.com/office/infopath/2007/PartnerControls"/>
+    <ds:schemaRef ds:uri="http://schemas.microsoft.com/sharepoint/v3"/>
+  </ds:schemaRefs>
+</ds:datastoreItem>
 </file>